--- a/4_Presentation/bakery_sales_prediction-DS_Gruppe_12-190624jb.pptx
+++ b/4_Presentation/bakery_sales_prediction-DS_Gruppe_12-190624jb.pptx
@@ -125,6 +125,14 @@
 </p:presentation>
 </file>
 
+<file path=ppt/revisionInfo.xml><?xml version="1.0" encoding="utf-8"?>
+<p1510:revInfo xmlns:a="http://schemas.openxmlformats.org/drawingml/2006/main" xmlns:r="http://schemas.openxmlformats.org/officeDocument/2006/relationships" xmlns:p1510="http://schemas.microsoft.com/office/powerpoint/2015/10/main">
+  <p1510:revLst>
+    <p1510:client id="{0D0A64AE-4161-4B6B-9EFA-00ED8A751CB3}" v="628" dt="2024-06-24T12:26:10.427"/>
+  </p1510:revLst>
+</p1510:revInfo>
+</file>
+
 <file path=ppt/notesMasters/notesMaster1.xml><?xml version="1.0" encoding="utf-8"?>
 <p:notesMaster xmlns:a="http://schemas.openxmlformats.org/drawingml/2006/main" xmlns:r="http://schemas.openxmlformats.org/officeDocument/2006/relationships" xmlns:p="http://schemas.openxmlformats.org/presentationml/2006/main">
   <p:cSld>
@@ -207,7 +215,7 @@
           <a:p>
             <a:fld id="{F74E66ED-1BB8-E14C-9935-249BDF93796E}" type="datetimeFigureOut">
               <a:rPr lang="en-DE" smtClean="0"/>
-              <a:t>19.06.24</a:t>
+              <a:t>06/24/2024</a:t>
             </a:fld>
             <a:endParaRPr lang="en-DE"/>
           </a:p>
@@ -366,7 +374,7 @@
           <a:p>
             <a:fld id="{779A224E-0810-9944-BF21-D96EB209D288}" type="slidenum">
               <a:rPr lang="en-DE" smtClean="0"/>
-              <a:t>‹#›</a:t>
+              <a:t>‹Nr.›</a:t>
             </a:fld>
             <a:endParaRPr lang="en-DE"/>
           </a:p>
@@ -2122,7 +2130,7 @@
           <a:p>
             <a:fld id="{59B6C77B-6D7A-BF47-B138-41D7AF01E55E}" type="datetimeFigureOut">
               <a:rPr lang="en-DE" smtClean="0"/>
-              <a:t>19.06.24</a:t>
+              <a:t>06/24/2024</a:t>
             </a:fld>
             <a:endParaRPr lang="en-DE"/>
           </a:p>
@@ -2176,7 +2184,7 @@
           <a:p>
             <a:fld id="{78F530E6-44AB-B94B-9B42-EF1A0DF1A4D0}" type="slidenum">
               <a:rPr lang="en-DE" smtClean="0"/>
-              <a:t>‹#›</a:t>
+              <a:t>‹Nr.›</a:t>
             </a:fld>
             <a:endParaRPr lang="en-DE"/>
           </a:p>
@@ -2322,7 +2330,7 @@
           <a:p>
             <a:fld id="{59B6C77B-6D7A-BF47-B138-41D7AF01E55E}" type="datetimeFigureOut">
               <a:rPr lang="en-DE" smtClean="0"/>
-              <a:t>19.06.24</a:t>
+              <a:t>06/24/2024</a:t>
             </a:fld>
             <a:endParaRPr lang="en-DE"/>
           </a:p>
@@ -2376,7 +2384,7 @@
           <a:p>
             <a:fld id="{78F530E6-44AB-B94B-9B42-EF1A0DF1A4D0}" type="slidenum">
               <a:rPr lang="en-DE" smtClean="0"/>
-              <a:t>‹#›</a:t>
+              <a:t>‹Nr.›</a:t>
             </a:fld>
             <a:endParaRPr lang="en-DE"/>
           </a:p>
@@ -2532,7 +2540,7 @@
           <a:p>
             <a:fld id="{59B6C77B-6D7A-BF47-B138-41D7AF01E55E}" type="datetimeFigureOut">
               <a:rPr lang="en-DE" smtClean="0"/>
-              <a:t>19.06.24</a:t>
+              <a:t>06/24/2024</a:t>
             </a:fld>
             <a:endParaRPr lang="en-DE"/>
           </a:p>
@@ -2586,7 +2594,7 @@
           <a:p>
             <a:fld id="{78F530E6-44AB-B94B-9B42-EF1A0DF1A4D0}" type="slidenum">
               <a:rPr lang="en-DE" smtClean="0"/>
-              <a:t>‹#›</a:t>
+              <a:t>‹Nr.›</a:t>
             </a:fld>
             <a:endParaRPr lang="en-DE"/>
           </a:p>
@@ -2732,7 +2740,7 @@
           <a:p>
             <a:fld id="{59B6C77B-6D7A-BF47-B138-41D7AF01E55E}" type="datetimeFigureOut">
               <a:rPr lang="en-DE" smtClean="0"/>
-              <a:t>19.06.24</a:t>
+              <a:t>06/24/2024</a:t>
             </a:fld>
             <a:endParaRPr lang="en-DE"/>
           </a:p>
@@ -2786,7 +2794,7 @@
           <a:p>
             <a:fld id="{78F530E6-44AB-B94B-9B42-EF1A0DF1A4D0}" type="slidenum">
               <a:rPr lang="en-DE" smtClean="0"/>
-              <a:t>‹#›</a:t>
+              <a:t>‹Nr.›</a:t>
             </a:fld>
             <a:endParaRPr lang="en-DE"/>
           </a:p>
@@ -3008,7 +3016,7 @@
           <a:p>
             <a:fld id="{59B6C77B-6D7A-BF47-B138-41D7AF01E55E}" type="datetimeFigureOut">
               <a:rPr lang="en-DE" smtClean="0"/>
-              <a:t>19.06.24</a:t>
+              <a:t>06/24/2024</a:t>
             </a:fld>
             <a:endParaRPr lang="en-DE"/>
           </a:p>
@@ -3062,7 +3070,7 @@
           <a:p>
             <a:fld id="{78F530E6-44AB-B94B-9B42-EF1A0DF1A4D0}" type="slidenum">
               <a:rPr lang="en-DE" smtClean="0"/>
-              <a:t>‹#›</a:t>
+              <a:t>‹Nr.›</a:t>
             </a:fld>
             <a:endParaRPr lang="en-DE"/>
           </a:p>
@@ -3276,7 +3284,7 @@
           <a:p>
             <a:fld id="{59B6C77B-6D7A-BF47-B138-41D7AF01E55E}" type="datetimeFigureOut">
               <a:rPr lang="en-DE" smtClean="0"/>
-              <a:t>19.06.24</a:t>
+              <a:t>06/24/2024</a:t>
             </a:fld>
             <a:endParaRPr lang="en-DE"/>
           </a:p>
@@ -3330,7 +3338,7 @@
           <a:p>
             <a:fld id="{78F530E6-44AB-B94B-9B42-EF1A0DF1A4D0}" type="slidenum">
               <a:rPr lang="en-DE" smtClean="0"/>
-              <a:t>‹#›</a:t>
+              <a:t>‹Nr.›</a:t>
             </a:fld>
             <a:endParaRPr lang="en-DE"/>
           </a:p>
@@ -3691,7 +3699,7 @@
           <a:p>
             <a:fld id="{59B6C77B-6D7A-BF47-B138-41D7AF01E55E}" type="datetimeFigureOut">
               <a:rPr lang="en-DE" smtClean="0"/>
-              <a:t>19.06.24</a:t>
+              <a:t>06/24/2024</a:t>
             </a:fld>
             <a:endParaRPr lang="en-DE"/>
           </a:p>
@@ -3745,7 +3753,7 @@
           <a:p>
             <a:fld id="{78F530E6-44AB-B94B-9B42-EF1A0DF1A4D0}" type="slidenum">
               <a:rPr lang="en-DE" smtClean="0"/>
-              <a:t>‹#›</a:t>
+              <a:t>‹Nr.›</a:t>
             </a:fld>
             <a:endParaRPr lang="en-DE"/>
           </a:p>
@@ -3833,7 +3841,7 @@
           <a:p>
             <a:fld id="{59B6C77B-6D7A-BF47-B138-41D7AF01E55E}" type="datetimeFigureOut">
               <a:rPr lang="en-DE" smtClean="0"/>
-              <a:t>19.06.24</a:t>
+              <a:t>06/24/2024</a:t>
             </a:fld>
             <a:endParaRPr lang="en-DE"/>
           </a:p>
@@ -3887,7 +3895,7 @@
           <a:p>
             <a:fld id="{78F530E6-44AB-B94B-9B42-EF1A0DF1A4D0}" type="slidenum">
               <a:rPr lang="en-DE" smtClean="0"/>
-              <a:t>‹#›</a:t>
+              <a:t>‹Nr.›</a:t>
             </a:fld>
             <a:endParaRPr lang="en-DE"/>
           </a:p>
@@ -3946,7 +3954,7 @@
           <a:p>
             <a:fld id="{59B6C77B-6D7A-BF47-B138-41D7AF01E55E}" type="datetimeFigureOut">
               <a:rPr lang="en-DE" smtClean="0"/>
-              <a:t>19.06.24</a:t>
+              <a:t>06/24/2024</a:t>
             </a:fld>
             <a:endParaRPr lang="en-DE"/>
           </a:p>
@@ -4000,7 +4008,7 @@
           <a:p>
             <a:fld id="{78F530E6-44AB-B94B-9B42-EF1A0DF1A4D0}" type="slidenum">
               <a:rPr lang="en-DE" smtClean="0"/>
-              <a:t>‹#›</a:t>
+              <a:t>‹Nr.›</a:t>
             </a:fld>
             <a:endParaRPr lang="en-DE"/>
           </a:p>
@@ -4259,7 +4267,7 @@
           <a:p>
             <a:fld id="{59B6C77B-6D7A-BF47-B138-41D7AF01E55E}" type="datetimeFigureOut">
               <a:rPr lang="en-DE" smtClean="0"/>
-              <a:t>19.06.24</a:t>
+              <a:t>06/24/2024</a:t>
             </a:fld>
             <a:endParaRPr lang="en-DE"/>
           </a:p>
@@ -4313,7 +4321,7 @@
           <a:p>
             <a:fld id="{78F530E6-44AB-B94B-9B42-EF1A0DF1A4D0}" type="slidenum">
               <a:rPr lang="en-DE" smtClean="0"/>
-              <a:t>‹#›</a:t>
+              <a:t>‹Nr.›</a:t>
             </a:fld>
             <a:endParaRPr lang="en-DE"/>
           </a:p>
@@ -4548,7 +4556,7 @@
           <a:p>
             <a:fld id="{59B6C77B-6D7A-BF47-B138-41D7AF01E55E}" type="datetimeFigureOut">
               <a:rPr lang="en-DE" smtClean="0"/>
-              <a:t>19.06.24</a:t>
+              <a:t>06/24/2024</a:t>
             </a:fld>
             <a:endParaRPr lang="en-DE"/>
           </a:p>
@@ -4602,7 +4610,7 @@
           <a:p>
             <a:fld id="{78F530E6-44AB-B94B-9B42-EF1A0DF1A4D0}" type="slidenum">
               <a:rPr lang="en-DE" smtClean="0"/>
-              <a:t>‹#›</a:t>
+              <a:t>‹Nr.›</a:t>
             </a:fld>
             <a:endParaRPr lang="en-DE"/>
           </a:p>
@@ -4791,7 +4799,7 @@
           <a:p>
             <a:fld id="{59B6C77B-6D7A-BF47-B138-41D7AF01E55E}" type="datetimeFigureOut">
               <a:rPr lang="en-DE" smtClean="0"/>
-              <a:t>19.06.24</a:t>
+              <a:t>06/24/2024</a:t>
             </a:fld>
             <a:endParaRPr lang="en-DE"/>
           </a:p>
@@ -4881,7 +4889,7 @@
           <a:p>
             <a:fld id="{78F530E6-44AB-B94B-9B42-EF1A0DF1A4D0}" type="slidenum">
               <a:rPr lang="en-DE" smtClean="0"/>
-              <a:t>‹#›</a:t>
+              <a:t>‹Nr.›</a:t>
             </a:fld>
             <a:endParaRPr lang="en-DE"/>
           </a:p>
@@ -8004,11 +8012,11 @@
           <a:p>
             <a:pPr algn="ctr"/>
             <a:r>
-              <a:rPr lang="en-DE" sz="3200" dirty="0">
-                <a:latin typeface="Arial" panose="020B0604020202020204" pitchFamily="34" charset="0"/>
-                <a:cs typeface="Arial" panose="020B0604020202020204" pitchFamily="34" charset="0"/>
-              </a:rPr>
-              <a:t>3.1 ⎯  Definition and EvaluationModel</a:t>
+              <a:rPr lang="en-DE" sz="3200">
+                <a:latin typeface="Arial"/>
+                <a:cs typeface="Arial"/>
+              </a:rPr>
+              <a:t>3.1 ⎯  Defining the First Model</a:t>
             </a:r>
             <a:endParaRPr lang="en-DE" sz="3200" i="1" dirty="0">
               <a:latin typeface="Arial" panose="020B0604020202020204" pitchFamily="34" charset="0"/>
@@ -8040,21 +8048,410 @@
           </a:xfrm>
         </p:spPr>
         <p:txBody>
-          <a:bodyPr>
+          <a:bodyPr vert="horz" lIns="91440" tIns="45720" rIns="91440" bIns="45720" rtlCol="0" anchor="t">
             <a:normAutofit/>
           </a:bodyPr>
           <a:lstStyle/>
           <a:p>
-            <a:pPr marL="0" indent="0">
+            <a:pPr marL="457200" indent="-457200">
+              <a:buAutoNum type="arabicParenR"/>
+            </a:pPr>
+            <a:r>
+              <a:rPr lang="de-DE" sz="2000" b="1" dirty="0">
+                <a:latin typeface="Arial"/>
+                <a:cs typeface="Arial"/>
+              </a:rPr>
+              <a:t>Architecture</a:t>
+            </a:r>
+            <a:endParaRPr lang="de-DE" sz="2000" b="1" dirty="0">
+              <a:latin typeface="Arial" panose="020B0604020202020204" pitchFamily="34" charset="0"/>
+              <a:cs typeface="Arial" panose="020B0604020202020204" pitchFamily="34" charset="0"/>
+            </a:endParaRPr>
+          </a:p>
+          <a:p>
+            <a:pPr marL="914400" lvl="1" indent="-457200">
+              <a:buFont typeface="Courier New" panose="020B0604020202020204" pitchFamily="34" charset="0"/>
+              <a:buChar char="o"/>
+            </a:pPr>
+            <a:r>
+              <a:rPr lang="de-DE" sz="1600" dirty="0">
+                <a:latin typeface="Arial"/>
+                <a:cs typeface="Arial"/>
+              </a:rPr>
+              <a:t>Simple NN </a:t>
+            </a:r>
+            <a:r>
+              <a:rPr lang="de-DE" sz="1600" dirty="0" err="1">
+                <a:latin typeface="Arial"/>
+                <a:cs typeface="Arial"/>
+              </a:rPr>
+              <a:t>with</a:t>
+            </a:r>
+            <a:r>
+              <a:rPr lang="de-DE" sz="1600" dirty="0">
+                <a:latin typeface="Arial"/>
+                <a:cs typeface="Arial"/>
+              </a:rPr>
+              <a:t> 3 </a:t>
+            </a:r>
+            <a:r>
+              <a:rPr lang="de-DE" sz="1600" dirty="0" err="1">
+                <a:latin typeface="Arial"/>
+                <a:cs typeface="Arial"/>
+              </a:rPr>
+              <a:t>Dense</a:t>
+            </a:r>
+            <a:r>
+              <a:rPr lang="de-DE" sz="1600" dirty="0">
+                <a:latin typeface="Arial"/>
+                <a:cs typeface="Arial"/>
+              </a:rPr>
+              <a:t> </a:t>
+            </a:r>
+            <a:r>
+              <a:rPr lang="de-DE" sz="1600" dirty="0" err="1">
+                <a:latin typeface="Arial"/>
+                <a:cs typeface="Arial"/>
+              </a:rPr>
+              <a:t>Layers</a:t>
+            </a:r>
+            <a:endParaRPr lang="de-DE" sz="1600" dirty="0">
+              <a:latin typeface="Arial" panose="020B0604020202020204" pitchFamily="34" charset="0"/>
+              <a:cs typeface="Arial" panose="020B0604020202020204" pitchFamily="34" charset="0"/>
+            </a:endParaRPr>
+          </a:p>
+          <a:p>
+            <a:pPr marL="914400" lvl="1" indent="-457200">
+              <a:buFont typeface="Courier New" panose="020B0604020202020204" pitchFamily="34" charset="0"/>
+              <a:buChar char="o"/>
+            </a:pPr>
+            <a:r>
+              <a:rPr lang="de-DE" sz="1600" dirty="0" err="1">
+                <a:latin typeface="Arial"/>
+                <a:cs typeface="Arial"/>
+              </a:rPr>
+              <a:t>Important</a:t>
+            </a:r>
+            <a:r>
+              <a:rPr lang="de-DE" sz="1600" dirty="0">
+                <a:latin typeface="Arial"/>
+                <a:cs typeface="Arial"/>
+              </a:rPr>
+              <a:t> Last Layer </a:t>
+            </a:r>
+            <a:r>
+              <a:rPr lang="de-DE" sz="1600" dirty="0" err="1">
+                <a:latin typeface="Arial"/>
+                <a:cs typeface="Arial"/>
+              </a:rPr>
+              <a:t>only</a:t>
+            </a:r>
+            <a:r>
+              <a:rPr lang="de-DE" sz="1600" dirty="0">
+                <a:latin typeface="Arial"/>
+                <a:cs typeface="Arial"/>
+              </a:rPr>
+              <a:t> </a:t>
+            </a:r>
+            <a:r>
+              <a:rPr lang="de-DE" sz="1600" dirty="0" err="1">
+                <a:latin typeface="Arial"/>
+                <a:cs typeface="Arial"/>
+              </a:rPr>
+              <a:t>one</a:t>
+            </a:r>
+            <a:r>
+              <a:rPr lang="de-DE" sz="1600" dirty="0">
+                <a:latin typeface="Arial"/>
+                <a:cs typeface="Arial"/>
+              </a:rPr>
+              <a:t> </a:t>
+            </a:r>
+            <a:r>
+              <a:rPr lang="de-DE" sz="1600" dirty="0" err="1">
+                <a:latin typeface="Arial"/>
+                <a:cs typeface="Arial"/>
+              </a:rPr>
+              <a:t>neuron</a:t>
+            </a:r>
+            <a:endParaRPr lang="de-DE" sz="1600" dirty="0">
+              <a:latin typeface="Arial" panose="020B0604020202020204" pitchFamily="34" charset="0"/>
+              <a:cs typeface="Arial" panose="020B0604020202020204" pitchFamily="34" charset="0"/>
+            </a:endParaRPr>
+          </a:p>
+          <a:p>
+            <a:pPr marL="457200" lvl="1" indent="0">
               <a:buNone/>
             </a:pPr>
-            <a:r>
-              <a:rPr lang="en-DE" sz="2000" dirty="0">
-                <a:latin typeface="Arial" panose="020B0604020202020204" pitchFamily="34" charset="0"/>
-                <a:cs typeface="Arial" panose="020B0604020202020204" pitchFamily="34" charset="0"/>
-              </a:rPr>
-              <a:t>To do</a:t>
-            </a:r>
+            <a:endParaRPr lang="de-DE" sz="1600" b="1" dirty="0">
+              <a:latin typeface="Arial"/>
+              <a:cs typeface="Arial"/>
+            </a:endParaRPr>
+          </a:p>
+          <a:p>
+            <a:pPr marL="457200" indent="-457200">
+              <a:buAutoNum type="arabicParenR"/>
+            </a:pPr>
+            <a:r>
+              <a:rPr lang="de-DE" sz="2000" b="1" dirty="0">
+                <a:latin typeface="Arial"/>
+                <a:cs typeface="Arial"/>
+              </a:rPr>
+              <a:t>Errors</a:t>
+            </a:r>
+            <a:endParaRPr lang="de-DE" sz="2000" b="1" dirty="0">
+              <a:latin typeface="Arial" panose="020B0604020202020204" pitchFamily="34" charset="0"/>
+              <a:cs typeface="Arial" panose="020B0604020202020204" pitchFamily="34" charset="0"/>
+            </a:endParaRPr>
+          </a:p>
+          <a:p>
+            <a:pPr marL="914400" lvl="1" indent="-457200">
+              <a:buFont typeface="Courier New" panose="020B0604020202020204" pitchFamily="34" charset="0"/>
+              <a:buChar char="o"/>
+            </a:pPr>
+            <a:r>
+              <a:rPr lang="de-DE" sz="1600" dirty="0">
+                <a:latin typeface="Arial"/>
+                <a:cs typeface="Arial"/>
+              </a:rPr>
+              <a:t>Input Shape</a:t>
+            </a:r>
+            <a:endParaRPr lang="de-DE" sz="1600" dirty="0">
+              <a:latin typeface="Arial" panose="020B0604020202020204" pitchFamily="34" charset="0"/>
+              <a:cs typeface="Arial" panose="020B0604020202020204" pitchFamily="34" charset="0"/>
+            </a:endParaRPr>
+          </a:p>
+          <a:p>
+            <a:pPr marL="914400" lvl="1" indent="-457200">
+              <a:buFont typeface="Courier New" panose="020B0604020202020204" pitchFamily="34" charset="0"/>
+              <a:buChar char="o"/>
+            </a:pPr>
+            <a:r>
+              <a:rPr lang="de-DE" sz="1600" dirty="0" err="1">
+                <a:latin typeface="Arial"/>
+                <a:cs typeface="Arial"/>
+              </a:rPr>
+              <a:t>Wrong</a:t>
+            </a:r>
+            <a:r>
+              <a:rPr lang="de-DE" sz="1600" dirty="0">
+                <a:latin typeface="Arial"/>
+                <a:cs typeface="Arial"/>
+              </a:rPr>
+              <a:t> </a:t>
+            </a:r>
+            <a:r>
+              <a:rPr lang="de-DE" sz="1600" dirty="0" err="1">
+                <a:latin typeface="Arial"/>
+                <a:cs typeface="Arial"/>
+              </a:rPr>
+              <a:t>Activation</a:t>
+            </a:r>
+            <a:r>
+              <a:rPr lang="de-DE" sz="1600" dirty="0">
+                <a:latin typeface="Arial"/>
+                <a:cs typeface="Arial"/>
+              </a:rPr>
+              <a:t> on last </a:t>
+            </a:r>
+            <a:r>
+              <a:rPr lang="de-DE" sz="1600" dirty="0" err="1">
+                <a:latin typeface="Arial"/>
+                <a:cs typeface="Arial"/>
+              </a:rPr>
+              <a:t>layer</a:t>
+            </a:r>
+            <a:endParaRPr lang="de-DE" sz="1600" dirty="0">
+              <a:latin typeface="Arial"/>
+              <a:cs typeface="Arial"/>
+            </a:endParaRPr>
+          </a:p>
+          <a:p>
+            <a:pPr marL="914400" lvl="1" indent="-457200">
+              <a:buFont typeface="Courier New" panose="020B0604020202020204" pitchFamily="34" charset="0"/>
+              <a:buChar char="o"/>
+            </a:pPr>
+            <a:endParaRPr lang="de-DE" sz="1600" b="1" dirty="0">
+              <a:latin typeface="Arial"/>
+              <a:cs typeface="Arial"/>
+            </a:endParaRPr>
+          </a:p>
+          <a:p>
+            <a:pPr marL="457200" indent="-457200">
+              <a:buAutoNum type="arabicParenR"/>
+            </a:pPr>
+            <a:r>
+              <a:rPr lang="de-DE" sz="2000" b="1" dirty="0">
+                <a:latin typeface="Arial"/>
+                <a:cs typeface="Arial"/>
+              </a:rPr>
+              <a:t>Learning?</a:t>
+            </a:r>
+            <a:endParaRPr lang="de-DE" sz="2000" b="1" dirty="0">
+              <a:latin typeface="Arial" panose="020B0604020202020204" pitchFamily="34" charset="0"/>
+              <a:cs typeface="Arial" panose="020B0604020202020204" pitchFamily="34" charset="0"/>
+            </a:endParaRPr>
+          </a:p>
+          <a:p>
+            <a:pPr marL="914400" lvl="1" indent="-457200">
+              <a:buFont typeface="Courier New" panose="020B0604020202020204" pitchFamily="34" charset="0"/>
+              <a:buChar char="o"/>
+            </a:pPr>
+            <a:r>
+              <a:rPr lang="de-DE" sz="1600" dirty="0" err="1">
+                <a:latin typeface="Arial"/>
+                <a:cs typeface="Arial"/>
+              </a:rPr>
+              <a:t>Get</a:t>
+            </a:r>
+            <a:r>
+              <a:rPr lang="de-DE" sz="1600" dirty="0">
+                <a:latin typeface="Arial"/>
+                <a:cs typeface="Arial"/>
+              </a:rPr>
+              <a:t> </a:t>
+            </a:r>
+            <a:r>
+              <a:rPr lang="de-DE" sz="1600" dirty="0" err="1">
+                <a:latin typeface="Arial"/>
+                <a:cs typeface="Arial"/>
+              </a:rPr>
+              <a:t>the</a:t>
+            </a:r>
+            <a:r>
+              <a:rPr lang="de-DE" sz="1600" dirty="0">
+                <a:latin typeface="Arial"/>
+                <a:cs typeface="Arial"/>
+              </a:rPr>
+              <a:t> </a:t>
+            </a:r>
+            <a:r>
+              <a:rPr lang="de-DE" sz="1600" dirty="0" err="1">
+                <a:latin typeface="Arial"/>
+                <a:cs typeface="Arial"/>
+              </a:rPr>
+              <a:t>basic</a:t>
+            </a:r>
+            <a:r>
+              <a:rPr lang="de-DE" sz="1600" dirty="0">
+                <a:latin typeface="Arial"/>
+                <a:cs typeface="Arial"/>
+              </a:rPr>
+              <a:t> </a:t>
+            </a:r>
+            <a:r>
+              <a:rPr lang="de-DE" sz="1600" dirty="0" err="1">
+                <a:latin typeface="Arial"/>
+                <a:cs typeface="Arial"/>
+              </a:rPr>
+              <a:t>right</a:t>
+            </a:r>
+            <a:r>
+              <a:rPr lang="de-DE" sz="1600" dirty="0">
+                <a:latin typeface="Arial"/>
+                <a:cs typeface="Arial"/>
+              </a:rPr>
+              <a:t>!</a:t>
+            </a:r>
+          </a:p>
+          <a:p>
+            <a:pPr marL="914400" lvl="1" indent="-457200">
+              <a:buFont typeface="Courier New" panose="020B0604020202020204" pitchFamily="34" charset="0"/>
+              <a:buChar char="o"/>
+            </a:pPr>
+            <a:r>
+              <a:rPr lang="de-DE" sz="1600" dirty="0">
+                <a:latin typeface="Arial"/>
+                <a:cs typeface="Arial"/>
+              </a:rPr>
+              <a:t>RTFM</a:t>
+            </a:r>
+            <a:endParaRPr lang="de-DE" sz="1600">
+              <a:latin typeface="Arial" panose="020B0604020202020204" pitchFamily="34" charset="0"/>
+              <a:cs typeface="Arial" panose="020B0604020202020204" pitchFamily="34" charset="0"/>
+            </a:endParaRPr>
+          </a:p>
+          <a:p>
+            <a:pPr marL="914400" lvl="1" indent="-457200">
+              <a:buFont typeface="Courier New" panose="020B0604020202020204" pitchFamily="34" charset="0"/>
+              <a:buChar char="o"/>
+            </a:pPr>
+            <a:r>
+              <a:rPr lang="de-DE" sz="1600" dirty="0">
+                <a:latin typeface="Arial"/>
+                <a:cs typeface="Arial"/>
+              </a:rPr>
+              <a:t>Google </a:t>
+            </a:r>
+            <a:r>
+              <a:rPr lang="de-DE" sz="1600" dirty="0" err="1">
+                <a:latin typeface="Arial"/>
+                <a:cs typeface="Arial"/>
+              </a:rPr>
+              <a:t>maybe</a:t>
+            </a:r>
+            <a:r>
+              <a:rPr lang="de-DE" sz="1600" dirty="0">
+                <a:latin typeface="Arial"/>
+                <a:cs typeface="Arial"/>
+              </a:rPr>
+              <a:t>, </a:t>
+            </a:r>
+            <a:r>
+              <a:rPr lang="de-DE" sz="1600" dirty="0" err="1">
+                <a:latin typeface="Arial"/>
+                <a:cs typeface="Arial"/>
+              </a:rPr>
+              <a:t>annoy</a:t>
+            </a:r>
+            <a:r>
+              <a:rPr lang="de-DE" sz="1600" dirty="0">
+                <a:latin typeface="Arial"/>
+                <a:cs typeface="Arial"/>
+              </a:rPr>
+              <a:t> </a:t>
+            </a:r>
+            <a:r>
+              <a:rPr lang="de-DE" sz="1600" dirty="0" err="1">
+                <a:latin typeface="Arial"/>
+                <a:cs typeface="Arial"/>
+              </a:rPr>
+              <a:t>the</a:t>
+            </a:r>
+            <a:r>
+              <a:rPr lang="de-DE" sz="1600" dirty="0">
+                <a:latin typeface="Arial"/>
+                <a:cs typeface="Arial"/>
+              </a:rPr>
+              <a:t> Chatbot</a:t>
+            </a:r>
+          </a:p>
+          <a:p>
+            <a:pPr marL="457200" indent="-457200">
+              <a:buAutoNum type="arabicParenR"/>
+            </a:pPr>
+            <a:endParaRPr lang="de-DE" sz="2000" b="1" dirty="0">
+              <a:latin typeface="Arial" panose="020B0604020202020204" pitchFamily="34" charset="0"/>
+              <a:cs typeface="Arial" panose="020B0604020202020204" pitchFamily="34" charset="0"/>
+            </a:endParaRPr>
+          </a:p>
+          <a:p>
+            <a:pPr marL="457200" indent="-457200">
+              <a:buAutoNum type="arabicParenR"/>
+            </a:pPr>
+            <a:endParaRPr lang="de-DE" sz="2000" b="1" dirty="0">
+              <a:latin typeface="Arial" panose="020B0604020202020204" pitchFamily="34" charset="0"/>
+              <a:cs typeface="Arial" panose="020B0604020202020204" pitchFamily="34" charset="0"/>
+            </a:endParaRPr>
+          </a:p>
+          <a:p>
+            <a:pPr marL="457200" indent="-457200">
+              <a:buAutoNum type="arabicParenR"/>
+            </a:pPr>
+            <a:endParaRPr lang="de-DE" sz="2000" b="1" dirty="0">
+              <a:latin typeface="Arial" panose="020B0604020202020204" pitchFamily="34" charset="0"/>
+              <a:cs typeface="Arial" panose="020B0604020202020204" pitchFamily="34" charset="0"/>
+            </a:endParaRPr>
           </a:p>
         </p:txBody>
       </p:sp>
@@ -8275,15 +8672,18 @@
             <a:pPr algn="ctr"/>
             <a:r>
               <a:rPr lang="en-DE" sz="3200" dirty="0">
-                <a:latin typeface="Arial" panose="020B0604020202020204" pitchFamily="34" charset="0"/>
-                <a:cs typeface="Arial" panose="020B0604020202020204" pitchFamily="34" charset="0"/>
-              </a:rPr>
-              <a:t>3.2 ⎯  Definition and EvaluationModel</a:t>
-            </a:r>
-            <a:endParaRPr lang="en-DE" sz="3200" i="1" dirty="0">
-              <a:latin typeface="Arial" panose="020B0604020202020204" pitchFamily="34" charset="0"/>
-              <a:cs typeface="Arial" panose="020B0604020202020204" pitchFamily="34" charset="0"/>
-            </a:endParaRPr>
+                <a:latin typeface="Arial"/>
+                <a:cs typeface="Arial"/>
+              </a:rPr>
+              <a:t>3.2 ⎯  </a:t>
+            </a:r>
+            <a:r>
+              <a:rPr lang="en-US" sz="3200">
+                <a:latin typeface="Arial"/>
+                <a:cs typeface="Arial"/>
+              </a:rPr>
+              <a:t>Defining the Final? Model</a:t>
+            </a:r>
           </a:p>
         </p:txBody>
       </p:sp>
@@ -8310,21 +8710,450 @@
           </a:xfrm>
         </p:spPr>
         <p:txBody>
-          <a:bodyPr>
+          <a:bodyPr vert="horz" lIns="91440" tIns="45720" rIns="91440" bIns="45720" rtlCol="0" anchor="t">
             <a:normAutofit/>
           </a:bodyPr>
           <a:lstStyle/>
           <a:p>
-            <a:pPr marL="0" indent="0">
-              <a:buNone/>
+            <a:pPr marL="457200" indent="-457200">
+              <a:buAutoNum type="arabicParenR"/>
             </a:pPr>
             <a:r>
-              <a:rPr lang="en-DE" sz="2000" dirty="0">
-                <a:latin typeface="Arial" panose="020B0604020202020204" pitchFamily="34" charset="0"/>
-                <a:cs typeface="Arial" panose="020B0604020202020204" pitchFamily="34" charset="0"/>
-              </a:rPr>
-              <a:t>To do</a:t>
-            </a:r>
+              <a:rPr lang="de-DE" sz="2000" b="1" dirty="0">
+                <a:latin typeface="Arial"/>
+                <a:cs typeface="Arial"/>
+              </a:rPr>
+              <a:t>Architecture</a:t>
+            </a:r>
+            <a:endParaRPr lang="de-DE" sz="2000" b="1" dirty="0">
+              <a:latin typeface="Arial" panose="020B0604020202020204" pitchFamily="34" charset="0"/>
+              <a:cs typeface="Arial" panose="020B0604020202020204" pitchFamily="34" charset="0"/>
+            </a:endParaRPr>
+          </a:p>
+          <a:p>
+            <a:pPr marL="914400" lvl="1" indent="-457200"/>
+            <a:r>
+              <a:rPr lang="de-DE" sz="1600" dirty="0">
+                <a:latin typeface="Arial"/>
+                <a:cs typeface="Arial"/>
+              </a:rPr>
+              <a:t>6 </a:t>
+            </a:r>
+            <a:r>
+              <a:rPr lang="de-DE" sz="1600" dirty="0" err="1">
+                <a:latin typeface="Arial"/>
+                <a:cs typeface="Arial"/>
+              </a:rPr>
+              <a:t>Dense</a:t>
+            </a:r>
+            <a:r>
+              <a:rPr lang="de-DE" sz="1600" dirty="0">
+                <a:latin typeface="Arial"/>
+                <a:cs typeface="Arial"/>
+              </a:rPr>
+              <a:t> </a:t>
+            </a:r>
+            <a:r>
+              <a:rPr lang="de-DE" sz="1600" dirty="0" err="1">
+                <a:latin typeface="Arial"/>
+                <a:cs typeface="Arial"/>
+              </a:rPr>
+              <a:t>Layers</a:t>
+            </a:r>
+            <a:r>
+              <a:rPr lang="de-DE" sz="1600" dirty="0">
+                <a:latin typeface="Arial"/>
+                <a:cs typeface="Arial"/>
+              </a:rPr>
+              <a:t> ( 32 </a:t>
+            </a:r>
+            <a:r>
+              <a:rPr lang="de-DE" sz="1600" dirty="0" err="1">
+                <a:latin typeface="Arial"/>
+                <a:cs typeface="Arial"/>
+              </a:rPr>
+              <a:t>to</a:t>
+            </a:r>
+            <a:r>
+              <a:rPr lang="de-DE" sz="1600" dirty="0">
+                <a:latin typeface="Arial"/>
+                <a:cs typeface="Arial"/>
+              </a:rPr>
+              <a:t> 128 Neurons</a:t>
+            </a:r>
+            <a:endParaRPr lang="en-US" sz="1600">
+              <a:latin typeface="Arial"/>
+              <a:cs typeface="Arial"/>
+            </a:endParaRPr>
+          </a:p>
+          <a:p>
+            <a:pPr marL="914400" lvl="1" indent="-457200"/>
+            <a:r>
+              <a:rPr lang="de-DE" sz="1600" dirty="0">
+                <a:latin typeface="Arial"/>
+                <a:cs typeface="Arial"/>
+              </a:rPr>
+              <a:t>3 Dropout </a:t>
+            </a:r>
+            <a:r>
+              <a:rPr lang="de-DE" sz="1600" dirty="0" err="1">
+                <a:latin typeface="Arial"/>
+                <a:cs typeface="Arial"/>
+              </a:rPr>
+              <a:t>Layers</a:t>
+            </a:r>
+            <a:endParaRPr lang="de-DE" sz="1600" dirty="0">
+              <a:latin typeface="Arial"/>
+              <a:cs typeface="Arial"/>
+            </a:endParaRPr>
+          </a:p>
+          <a:p>
+            <a:pPr marL="914400" lvl="1" indent="-457200"/>
+            <a:r>
+              <a:rPr lang="de-DE" sz="1600" err="1">
+                <a:latin typeface="Arial"/>
+                <a:cs typeface="Arial"/>
+              </a:rPr>
+              <a:t>One</a:t>
+            </a:r>
+            <a:r>
+              <a:rPr lang="de-DE" sz="1600" dirty="0">
+                <a:latin typeface="Arial"/>
+                <a:cs typeface="Arial"/>
+              </a:rPr>
+              <a:t> Input, </a:t>
+            </a:r>
+            <a:r>
+              <a:rPr lang="de-DE" sz="1600" err="1">
+                <a:latin typeface="Arial"/>
+                <a:cs typeface="Arial"/>
+              </a:rPr>
+              <a:t>one</a:t>
+            </a:r>
+            <a:r>
+              <a:rPr lang="de-DE" sz="1600" dirty="0">
+                <a:latin typeface="Arial"/>
+                <a:cs typeface="Arial"/>
+              </a:rPr>
+              <a:t> Output</a:t>
+            </a:r>
+          </a:p>
+          <a:p>
+            <a:pPr marL="914400" lvl="1" indent="-457200"/>
+            <a:endParaRPr lang="de-DE" sz="1600" b="1" dirty="0">
+              <a:latin typeface="Arial"/>
+              <a:cs typeface="Arial"/>
+            </a:endParaRPr>
+          </a:p>
+          <a:p>
+            <a:pPr marL="457200" indent="-457200">
+              <a:buAutoNum type="arabicParenR"/>
+            </a:pPr>
+            <a:r>
+              <a:rPr lang="de-DE" sz="2000" b="1" dirty="0" err="1">
+                <a:latin typeface="Arial"/>
+                <a:cs typeface="Arial"/>
+              </a:rPr>
+              <a:t>Mistakes</a:t>
+            </a:r>
+            <a:r>
+              <a:rPr lang="de-DE" sz="2000" b="1" dirty="0">
+                <a:latin typeface="Arial"/>
+                <a:cs typeface="Arial"/>
+              </a:rPr>
+              <a:t>?</a:t>
+            </a:r>
+          </a:p>
+          <a:p>
+            <a:pPr marL="914400" lvl="1" indent="-457200"/>
+            <a:r>
+              <a:rPr lang="de-DE" sz="1600" dirty="0">
+                <a:latin typeface="Arial"/>
+                <a:cs typeface="Arial"/>
+              </a:rPr>
+              <a:t>Lots</a:t>
+            </a:r>
+          </a:p>
+          <a:p>
+            <a:pPr marL="914400" lvl="1" indent="-457200"/>
+            <a:r>
+              <a:rPr lang="de-DE" sz="1600" err="1">
+                <a:latin typeface="Arial"/>
+                <a:cs typeface="Arial"/>
+              </a:rPr>
+              <a:t>Tried</a:t>
+            </a:r>
+            <a:r>
+              <a:rPr lang="de-DE" sz="1600" dirty="0">
+                <a:latin typeface="Arial"/>
+                <a:cs typeface="Arial"/>
+              </a:rPr>
+              <a:t> LSTM </a:t>
+            </a:r>
+            <a:r>
+              <a:rPr lang="de-DE" sz="1600" err="1">
+                <a:latin typeface="Arial"/>
+                <a:cs typeface="Arial"/>
+              </a:rPr>
+              <a:t>without</a:t>
+            </a:r>
+            <a:r>
+              <a:rPr lang="de-DE" sz="1600" dirty="0">
+                <a:latin typeface="Arial"/>
+                <a:cs typeface="Arial"/>
+              </a:rPr>
+              <a:t> </a:t>
+            </a:r>
+            <a:r>
+              <a:rPr lang="de-DE" sz="1600" err="1">
+                <a:latin typeface="Arial"/>
+                <a:cs typeface="Arial"/>
+              </a:rPr>
+              <a:t>understanding</a:t>
+            </a:r>
+            <a:r>
+              <a:rPr lang="de-DE" sz="1600" dirty="0">
+                <a:latin typeface="Arial"/>
+                <a:cs typeface="Arial"/>
+              </a:rPr>
+              <a:t> </a:t>
+            </a:r>
+            <a:r>
+              <a:rPr lang="de-DE" sz="1600" err="1">
+                <a:latin typeface="Arial"/>
+                <a:cs typeface="Arial"/>
+              </a:rPr>
+              <a:t>it</a:t>
+            </a:r>
+            <a:endParaRPr lang="de-DE" sz="1600">
+              <a:latin typeface="Arial"/>
+              <a:cs typeface="Arial"/>
+            </a:endParaRPr>
+          </a:p>
+          <a:p>
+            <a:pPr marL="914400" lvl="1" indent="-457200"/>
+            <a:r>
+              <a:rPr lang="de-DE" sz="1600" err="1">
+                <a:latin typeface="Arial"/>
+                <a:cs typeface="Arial"/>
+              </a:rPr>
+              <a:t>Tried</a:t>
+            </a:r>
+            <a:r>
+              <a:rPr lang="de-DE" sz="1600" dirty="0">
+                <a:latin typeface="Arial"/>
+                <a:cs typeface="Arial"/>
+              </a:rPr>
+              <a:t> Conv1D and </a:t>
+            </a:r>
+            <a:r>
+              <a:rPr lang="de-DE" sz="1600" err="1">
+                <a:latin typeface="Arial"/>
+                <a:cs typeface="Arial"/>
+              </a:rPr>
+              <a:t>PoolMax</a:t>
+            </a:r>
+            <a:r>
+              <a:rPr lang="de-DE" sz="1600" dirty="0">
+                <a:latin typeface="Arial"/>
+                <a:cs typeface="Arial"/>
+              </a:rPr>
+              <a:t> </a:t>
+            </a:r>
+            <a:r>
+              <a:rPr lang="de-DE" sz="1600" err="1">
+                <a:latin typeface="Arial"/>
+                <a:cs typeface="Arial"/>
+              </a:rPr>
+              <a:t>layer</a:t>
+            </a:r>
+            <a:endParaRPr lang="de-DE" sz="1600">
+              <a:latin typeface="Arial"/>
+              <a:cs typeface="Arial"/>
+            </a:endParaRPr>
+          </a:p>
+          <a:p>
+            <a:pPr marL="914400" lvl="1" indent="-457200"/>
+            <a:endParaRPr lang="de-DE" sz="1600" b="1" dirty="0">
+              <a:latin typeface="Arial"/>
+              <a:cs typeface="Arial"/>
+            </a:endParaRPr>
+          </a:p>
+          <a:p>
+            <a:pPr marL="457200" indent="-457200">
+              <a:buAutoNum type="arabicParenR"/>
+            </a:pPr>
+            <a:r>
+              <a:rPr lang="de-DE" sz="2000" b="1" dirty="0" err="1">
+                <a:latin typeface="Arial"/>
+                <a:cs typeface="Arial"/>
+              </a:rPr>
+              <a:t>Lerning</a:t>
+            </a:r>
+            <a:endParaRPr lang="de-DE" sz="2000" b="1" dirty="0">
+              <a:latin typeface="Arial"/>
+              <a:cs typeface="Arial"/>
+            </a:endParaRPr>
+          </a:p>
+          <a:p>
+            <a:pPr marL="914400" lvl="1" indent="-457200"/>
+            <a:r>
+              <a:rPr lang="de-DE" sz="1600" dirty="0">
+                <a:latin typeface="Arial"/>
+                <a:cs typeface="Arial"/>
+              </a:rPr>
+              <a:t>Do not </a:t>
+            </a:r>
+            <a:r>
+              <a:rPr lang="de-DE" sz="1600" dirty="0" err="1">
+                <a:latin typeface="Arial"/>
+                <a:cs typeface="Arial"/>
+              </a:rPr>
+              <a:t>use</a:t>
+            </a:r>
+            <a:r>
+              <a:rPr lang="de-DE" sz="1600" dirty="0">
+                <a:latin typeface="Arial"/>
+                <a:cs typeface="Arial"/>
+              </a:rPr>
+              <a:t> </a:t>
+            </a:r>
+            <a:r>
+              <a:rPr lang="de-DE" sz="1600" dirty="0" err="1">
+                <a:latin typeface="Arial"/>
+                <a:cs typeface="Arial"/>
+              </a:rPr>
+              <a:t>things</a:t>
+            </a:r>
+            <a:r>
+              <a:rPr lang="de-DE" sz="1600" dirty="0">
+                <a:latin typeface="Arial"/>
+                <a:cs typeface="Arial"/>
+              </a:rPr>
+              <a:t> </a:t>
+            </a:r>
+            <a:r>
+              <a:rPr lang="de-DE" sz="1600" dirty="0" err="1">
+                <a:latin typeface="Arial"/>
+                <a:cs typeface="Arial"/>
+              </a:rPr>
+              <a:t>you</a:t>
+            </a:r>
+            <a:r>
+              <a:rPr lang="de-DE" sz="1600" dirty="0">
+                <a:latin typeface="Arial"/>
+                <a:cs typeface="Arial"/>
+              </a:rPr>
+              <a:t> do not </a:t>
+            </a:r>
+            <a:r>
+              <a:rPr lang="de-DE" sz="1600" dirty="0" err="1">
+                <a:latin typeface="Arial"/>
+                <a:cs typeface="Arial"/>
+              </a:rPr>
+              <a:t>understand</a:t>
+            </a:r>
+            <a:r>
+              <a:rPr lang="de-DE" sz="1600" dirty="0">
+                <a:latin typeface="Arial"/>
+                <a:cs typeface="Arial"/>
+              </a:rPr>
+              <a:t>!</a:t>
+            </a:r>
+            <a:endParaRPr lang="de-DE" sz="1600" b="1" dirty="0">
+              <a:latin typeface="Arial"/>
+              <a:cs typeface="Arial"/>
+            </a:endParaRPr>
+          </a:p>
+          <a:p>
+            <a:pPr marL="914400" lvl="1" indent="-457200"/>
+            <a:r>
+              <a:rPr lang="de-DE" sz="1600" dirty="0">
+                <a:latin typeface="Arial"/>
+                <a:cs typeface="Arial"/>
+              </a:rPr>
+              <a:t>RTFM!!</a:t>
+            </a:r>
+          </a:p>
+          <a:p>
+            <a:pPr marL="914400" lvl="1" indent="-457200"/>
+            <a:r>
+              <a:rPr lang="de-DE" sz="1600" dirty="0">
+                <a:latin typeface="Arial"/>
+                <a:cs typeface="Arial"/>
+              </a:rPr>
+              <a:t>Validation </a:t>
+            </a:r>
+            <a:r>
+              <a:rPr lang="de-DE" sz="1600" dirty="0" err="1">
+                <a:latin typeface="Arial"/>
+                <a:cs typeface="Arial"/>
+              </a:rPr>
+              <a:t>metrics</a:t>
+            </a:r>
+            <a:r>
+              <a:rPr lang="de-DE" sz="1600" dirty="0">
+                <a:latin typeface="Arial"/>
+                <a:cs typeface="Arial"/>
+              </a:rPr>
+              <a:t> </a:t>
+            </a:r>
+            <a:r>
+              <a:rPr lang="de-DE" sz="1600" dirty="0" err="1">
+                <a:latin typeface="Arial"/>
+                <a:cs typeface="Arial"/>
+              </a:rPr>
+              <a:t>are</a:t>
+            </a:r>
+            <a:r>
+              <a:rPr lang="de-DE" sz="1600" dirty="0">
+                <a:latin typeface="Arial"/>
+                <a:cs typeface="Arial"/>
+              </a:rPr>
+              <a:t> </a:t>
+            </a:r>
+            <a:r>
+              <a:rPr lang="de-DE" sz="1600" dirty="0" err="1">
+                <a:latin typeface="Arial"/>
+                <a:cs typeface="Arial"/>
+              </a:rPr>
+              <a:t>evil</a:t>
+            </a:r>
+            <a:r>
+              <a:rPr lang="de-DE" sz="1600" dirty="0">
+                <a:latin typeface="Arial"/>
+                <a:cs typeface="Arial"/>
+              </a:rPr>
+              <a:t> </a:t>
+            </a:r>
+            <a:r>
+              <a:rPr lang="de-DE" sz="1600" dirty="0" err="1">
+                <a:latin typeface="Arial"/>
+                <a:cs typeface="Arial"/>
+              </a:rPr>
+              <a:t>traitors</a:t>
+            </a:r>
+          </a:p>
+          <a:p>
+            <a:pPr marL="914400" lvl="1" indent="-457200"/>
+            <a:endParaRPr lang="de-DE" sz="1600" b="1" dirty="0">
+              <a:latin typeface="Arial"/>
+              <a:cs typeface="Arial"/>
+            </a:endParaRPr>
+          </a:p>
+          <a:p>
+            <a:pPr marL="914400" lvl="1" indent="-457200"/>
+            <a:endParaRPr lang="de-DE" sz="1600" b="1" dirty="0">
+              <a:latin typeface="Arial"/>
+              <a:cs typeface="Arial"/>
+            </a:endParaRPr>
+          </a:p>
+          <a:p>
+            <a:pPr marL="914400" lvl="1" indent="-457200"/>
+            <a:endParaRPr lang="de-DE" sz="1600" b="1" dirty="0">
+              <a:latin typeface="Arial"/>
+              <a:cs typeface="Arial"/>
+            </a:endParaRPr>
           </a:p>
         </p:txBody>
       </p:sp>
@@ -8545,14 +9374,42 @@
             <a:pPr algn="ctr"/>
             <a:r>
               <a:rPr lang="en-DE" sz="3200" dirty="0">
-                <a:latin typeface="Arial" panose="020B0604020202020204" pitchFamily="34" charset="0"/>
-                <a:cs typeface="Arial" panose="020B0604020202020204" pitchFamily="34" charset="0"/>
-              </a:rPr>
-              <a:t>3.3 ⎯  Definition and EvaluationModel</a:t>
-            </a:r>
-            <a:endParaRPr lang="en-DE" sz="3200" i="1" dirty="0">
-              <a:latin typeface="Arial" panose="020B0604020202020204" pitchFamily="34" charset="0"/>
-              <a:cs typeface="Arial" panose="020B0604020202020204" pitchFamily="34" charset="0"/>
+                <a:latin typeface="Arial"/>
+                <a:cs typeface="Arial"/>
+              </a:rPr>
+              <a:t>3.3 ⎯  Evaluation </a:t>
+            </a:r>
+            <a:r>
+              <a:rPr lang="en-DE" sz="3200" dirty="0" err="1">
+                <a:latin typeface="Arial"/>
+                <a:cs typeface="Arial"/>
+              </a:rPr>
+              <a:t>of</a:t>
+            </a:r>
+            <a:r>
+              <a:rPr lang="en-DE" sz="3200" dirty="0">
+                <a:latin typeface="Arial"/>
+                <a:cs typeface="Arial"/>
+              </a:rPr>
+              <a:t> </a:t>
+            </a:r>
+            <a:r>
+              <a:rPr lang="en-DE" sz="3200" dirty="0" err="1">
+                <a:latin typeface="Arial"/>
+                <a:cs typeface="Arial"/>
+              </a:rPr>
+              <a:t>the</a:t>
+            </a:r>
+            <a:r>
+              <a:rPr lang="en-DE" sz="3200">
+                <a:latin typeface="Arial"/>
+                <a:cs typeface="Arial"/>
+              </a:rPr>
+              <a:t> Model</a:t>
+            </a:r>
+            <a:endParaRPr lang="de-DE" sz="3200" i="1">
+              <a:latin typeface="Arial"/>
+              <a:cs typeface="Arial"/>
             </a:endParaRPr>
           </a:p>
         </p:txBody>
@@ -8580,20 +9437,517 @@
           </a:xfrm>
         </p:spPr>
         <p:txBody>
-          <a:bodyPr>
+          <a:bodyPr vert="horz" lIns="91440" tIns="45720" rIns="91440" bIns="45720" rtlCol="0" anchor="t">
             <a:normAutofit/>
           </a:bodyPr>
           <a:lstStyle/>
           <a:p>
-            <a:pPr marL="0" indent="0">
-              <a:buNone/>
+            <a:pPr marL="457200" indent="-457200">
+              <a:buAutoNum type="arabicParenR"/>
             </a:pPr>
             <a:r>
-              <a:rPr lang="en-DE" sz="2000" dirty="0">
-                <a:latin typeface="Arial" panose="020B0604020202020204" pitchFamily="34" charset="0"/>
-                <a:cs typeface="Arial" panose="020B0604020202020204" pitchFamily="34" charset="0"/>
-              </a:rPr>
-              <a:t>To do</a:t>
+              <a:rPr lang="de-DE" sz="2000" b="1" dirty="0" err="1">
+                <a:latin typeface="Arial"/>
+                <a:cs typeface="Arial"/>
+              </a:rPr>
+              <a:t>How</a:t>
+            </a:r>
+            <a:r>
+              <a:rPr lang="de-DE" sz="2000" b="1" dirty="0">
+                <a:latin typeface="Arial"/>
+                <a:cs typeface="Arial"/>
+              </a:rPr>
+              <a:t> and </a:t>
+            </a:r>
+            <a:r>
+              <a:rPr lang="de-DE" sz="2000" b="1" dirty="0" err="1">
+                <a:latin typeface="Arial"/>
+                <a:cs typeface="Arial"/>
+              </a:rPr>
+              <a:t>what</a:t>
+            </a:r>
+            <a:endParaRPr lang="de-DE" sz="2000" b="1" dirty="0" err="1">
+              <a:latin typeface="Arial" panose="020B0604020202020204" pitchFamily="34" charset="0"/>
+              <a:cs typeface="Arial" panose="020B0604020202020204" pitchFamily="34" charset="0"/>
+            </a:endParaRPr>
+          </a:p>
+          <a:p>
+            <a:pPr marL="914400" lvl="1" indent="-457200">
+              <a:buFont typeface="Courier New" panose="020B0604020202020204" pitchFamily="34" charset="0"/>
+              <a:buChar char="o"/>
+            </a:pPr>
+            <a:r>
+              <a:rPr lang="de-DE" sz="1600" dirty="0">
+                <a:latin typeface="Arial"/>
+                <a:cs typeface="Arial"/>
+              </a:rPr>
+              <a:t>Validation </a:t>
+            </a:r>
+            <a:r>
+              <a:rPr lang="de-DE" sz="1600" dirty="0" err="1">
+                <a:latin typeface="Arial"/>
+                <a:cs typeface="Arial"/>
+              </a:rPr>
+              <a:t>metrics</a:t>
+            </a:r>
+            <a:r>
+              <a:rPr lang="de-DE" sz="1600" dirty="0">
+                <a:latin typeface="Arial"/>
+                <a:cs typeface="Arial"/>
+              </a:rPr>
+              <a:t> </a:t>
+            </a:r>
+            <a:r>
+              <a:rPr lang="de-DE" sz="1600" dirty="0" err="1">
+                <a:latin typeface="Arial"/>
+                <a:cs typeface="Arial"/>
+              </a:rPr>
+              <a:t>are</a:t>
+            </a:r>
+            <a:r>
+              <a:rPr lang="de-DE" sz="1600" dirty="0">
+                <a:latin typeface="Arial"/>
+                <a:cs typeface="Arial"/>
+              </a:rPr>
+              <a:t> still </a:t>
+            </a:r>
+            <a:r>
+              <a:rPr lang="de-DE" sz="1600" dirty="0" err="1">
+                <a:latin typeface="Arial"/>
+                <a:cs typeface="Arial"/>
+              </a:rPr>
+              <a:t>evil</a:t>
+            </a:r>
+            <a:r>
+              <a:rPr lang="de-DE" sz="1600" dirty="0">
+                <a:latin typeface="Arial"/>
+                <a:cs typeface="Arial"/>
+              </a:rPr>
+              <a:t> </a:t>
+            </a:r>
+            <a:r>
+              <a:rPr lang="de-DE" sz="1600" dirty="0" err="1">
+                <a:latin typeface="Arial"/>
+                <a:cs typeface="Arial"/>
+              </a:rPr>
+              <a:t>traitos</a:t>
+            </a:r>
+            <a:endParaRPr lang="de-DE" sz="1600" b="1" dirty="0" err="1">
+              <a:latin typeface="Arial" panose="020B0604020202020204" pitchFamily="34" charset="0"/>
+              <a:cs typeface="Arial" panose="020B0604020202020204" pitchFamily="34" charset="0"/>
+            </a:endParaRPr>
+          </a:p>
+          <a:p>
+            <a:pPr marL="914400" lvl="1" indent="-457200">
+              <a:buFont typeface="Courier New" panose="020B0604020202020204" pitchFamily="34" charset="0"/>
+              <a:buChar char="o"/>
+            </a:pPr>
+            <a:r>
+              <a:rPr lang="de-DE" sz="1600" dirty="0">
+                <a:latin typeface="Arial"/>
+                <a:cs typeface="Arial"/>
+              </a:rPr>
+              <a:t>Values </a:t>
+            </a:r>
+            <a:r>
+              <a:rPr lang="de-DE" sz="1600" dirty="0" err="1">
+                <a:latin typeface="Arial"/>
+                <a:cs typeface="Arial"/>
+              </a:rPr>
+              <a:t>are</a:t>
+            </a:r>
+            <a:r>
+              <a:rPr lang="de-DE" sz="1600" dirty="0">
+                <a:latin typeface="Arial"/>
+                <a:cs typeface="Arial"/>
+              </a:rPr>
+              <a:t> </a:t>
+            </a:r>
+            <a:r>
+              <a:rPr lang="de-DE" sz="1600" dirty="0" err="1">
+                <a:latin typeface="Arial"/>
+                <a:cs typeface="Arial"/>
+              </a:rPr>
+              <a:t>oscillating</a:t>
+            </a:r>
+            <a:r>
+              <a:rPr lang="de-DE" sz="1600" dirty="0">
+                <a:latin typeface="Arial"/>
+                <a:cs typeface="Arial"/>
+              </a:rPr>
+              <a:t> </a:t>
+            </a:r>
+            <a:endParaRPr lang="de-DE" sz="1600" dirty="0">
+              <a:latin typeface="Arial" panose="020B0604020202020204" pitchFamily="34" charset="0"/>
+              <a:cs typeface="Arial" panose="020B0604020202020204" pitchFamily="34" charset="0"/>
+            </a:endParaRPr>
+          </a:p>
+          <a:p>
+            <a:pPr marL="914400" lvl="1" indent="-457200">
+              <a:buFont typeface="Courier New" panose="020B0604020202020204" pitchFamily="34" charset="0"/>
+              <a:buChar char="o"/>
+            </a:pPr>
+            <a:r>
+              <a:rPr lang="de-DE" sz="1600" dirty="0">
+                <a:latin typeface="Arial"/>
+                <a:cs typeface="Arial"/>
+              </a:rPr>
+              <a:t>Val-</a:t>
+            </a:r>
+            <a:r>
+              <a:rPr lang="de-DE" sz="1600" dirty="0" err="1">
+                <a:latin typeface="Arial"/>
+                <a:cs typeface="Arial"/>
+              </a:rPr>
+              <a:t>Mape</a:t>
+            </a:r>
+            <a:r>
+              <a:rPr lang="de-DE" sz="1600" dirty="0">
+                <a:latin typeface="Arial"/>
+                <a:cs typeface="Arial"/>
+              </a:rPr>
+              <a:t> = ~ 25 %</a:t>
+            </a:r>
+            <a:endParaRPr lang="de-DE" sz="1600" dirty="0">
+              <a:latin typeface="Arial" panose="020B0604020202020204" pitchFamily="34" charset="0"/>
+              <a:cs typeface="Arial" panose="020B0604020202020204" pitchFamily="34" charset="0"/>
+            </a:endParaRPr>
+          </a:p>
+          <a:p>
+            <a:pPr marL="457200" indent="-457200">
+              <a:buAutoNum type="arabicParenR"/>
+            </a:pPr>
+            <a:endParaRPr lang="de-DE" sz="2000" b="1" dirty="0">
+              <a:latin typeface="Arial" panose="020B0604020202020204" pitchFamily="34" charset="0"/>
+              <a:cs typeface="Arial" panose="020B0604020202020204" pitchFamily="34" charset="0"/>
+            </a:endParaRPr>
+          </a:p>
+          <a:p>
+            <a:pPr marL="457200" indent="-457200">
+              <a:buAutoNum type="arabicParenR"/>
+            </a:pPr>
+            <a:r>
+              <a:rPr lang="de-DE" sz="2000" b="1" dirty="0" err="1">
+                <a:latin typeface="Arial"/>
+                <a:cs typeface="Arial"/>
+              </a:rPr>
+              <a:t>Why</a:t>
+            </a:r>
+          </a:p>
+          <a:p>
+            <a:pPr marL="914400" lvl="1" indent="-457200">
+              <a:buFont typeface="Courier New" panose="020B0604020202020204" pitchFamily="34" charset="0"/>
+              <a:buChar char="o"/>
+            </a:pPr>
+            <a:r>
+              <a:rPr lang="de-DE" sz="1600" dirty="0" err="1">
+                <a:latin typeface="Arial"/>
+                <a:cs typeface="Arial"/>
+              </a:rPr>
+              <a:t>To</a:t>
+            </a:r>
+            <a:r>
+              <a:rPr lang="de-DE" sz="1600" dirty="0">
+                <a:latin typeface="Arial"/>
+                <a:cs typeface="Arial"/>
+              </a:rPr>
+              <a:t> high Learning Rate</a:t>
+            </a:r>
+            <a:endParaRPr lang="de-DE" sz="1600" b="1" dirty="0">
+              <a:latin typeface="Arial"/>
+              <a:cs typeface="Arial"/>
+            </a:endParaRPr>
+          </a:p>
+          <a:p>
+            <a:pPr marL="914400" lvl="1" indent="-457200">
+              <a:buFont typeface="Courier New" panose="020B0604020202020204" pitchFamily="34" charset="0"/>
+              <a:buChar char="o"/>
+            </a:pPr>
+            <a:r>
+              <a:rPr lang="de-DE" sz="1600" dirty="0" err="1">
+                <a:latin typeface="Arial"/>
+                <a:cs typeface="Arial"/>
+              </a:rPr>
+              <a:t>Worse</a:t>
+            </a:r>
+            <a:r>
+              <a:rPr lang="de-DE" sz="1600" dirty="0">
+                <a:latin typeface="Arial"/>
+                <a:cs typeface="Arial"/>
+              </a:rPr>
+              <a:t> Optimizer and Loss </a:t>
+            </a:r>
+            <a:r>
+              <a:rPr lang="de-DE" sz="1600" dirty="0" err="1">
+                <a:latin typeface="Arial"/>
+                <a:cs typeface="Arial"/>
+              </a:rPr>
+              <a:t>function</a:t>
+            </a:r>
+            <a:endParaRPr lang="de-DE" sz="1600" dirty="0">
+              <a:latin typeface="Arial"/>
+              <a:cs typeface="Arial"/>
+            </a:endParaRPr>
+          </a:p>
+          <a:p>
+            <a:pPr marL="457200" indent="-457200">
+              <a:buAutoNum type="arabicParenR"/>
+            </a:pPr>
+            <a:endParaRPr lang="de-DE" sz="2000" b="1" dirty="0">
+              <a:latin typeface="Arial"/>
+              <a:cs typeface="Arial"/>
+            </a:endParaRPr>
+          </a:p>
+          <a:p>
+            <a:pPr marL="457200" indent="-457200">
+              <a:buAutoNum type="arabicParenR"/>
+            </a:pPr>
+            <a:r>
+              <a:rPr lang="de-DE" sz="2000" b="1" dirty="0" err="1">
+                <a:latin typeface="Arial"/>
+                <a:cs typeface="Arial"/>
+              </a:rPr>
+              <a:t>What</a:t>
+            </a:r>
+            <a:r>
+              <a:rPr lang="de-DE" sz="2000" b="1" dirty="0">
+                <a:latin typeface="Arial"/>
+                <a:cs typeface="Arial"/>
+              </a:rPr>
+              <a:t> </a:t>
+            </a:r>
+            <a:r>
+              <a:rPr lang="de-DE" sz="2000" b="1" dirty="0" err="1">
+                <a:latin typeface="Arial"/>
+                <a:cs typeface="Arial"/>
+              </a:rPr>
+              <a:t>is</a:t>
+            </a:r>
+            <a:r>
+              <a:rPr lang="de-DE" sz="2000" b="1" dirty="0">
+                <a:latin typeface="Arial"/>
+                <a:cs typeface="Arial"/>
+              </a:rPr>
+              <a:t> </a:t>
+            </a:r>
+            <a:r>
+              <a:rPr lang="de-DE" sz="2000" b="1" dirty="0" err="1">
+                <a:latin typeface="Arial"/>
+                <a:cs typeface="Arial"/>
+              </a:rPr>
+              <a:t>bad</a:t>
+            </a:r>
+            <a:endParaRPr lang="de-DE" sz="2000" b="1" dirty="0">
+              <a:latin typeface="Arial"/>
+              <a:cs typeface="Arial"/>
+            </a:endParaRPr>
+          </a:p>
+          <a:p>
+            <a:pPr marL="914400" lvl="1" indent="-457200">
+              <a:buFont typeface="Courier New" panose="020B0604020202020204" pitchFamily="34" charset="0"/>
+              <a:buChar char="o"/>
+            </a:pPr>
+            <a:r>
+              <a:rPr lang="de-DE" sz="1600" dirty="0">
+                <a:latin typeface="Arial"/>
+                <a:cs typeface="Arial"/>
+              </a:rPr>
+              <a:t>The </a:t>
+            </a:r>
+            <a:r>
+              <a:rPr lang="de-DE" sz="1600" dirty="0" err="1">
+                <a:latin typeface="Arial"/>
+                <a:cs typeface="Arial"/>
+              </a:rPr>
+              <a:t>model</a:t>
+            </a:r>
+            <a:r>
+              <a:rPr lang="de-DE" sz="1600" dirty="0">
+                <a:latin typeface="Arial"/>
+                <a:cs typeface="Arial"/>
+              </a:rPr>
+              <a:t> </a:t>
+            </a:r>
+            <a:r>
+              <a:rPr lang="de-DE" sz="1600" dirty="0" err="1">
+                <a:latin typeface="Arial"/>
+                <a:cs typeface="Arial"/>
+              </a:rPr>
+              <a:t>is</a:t>
+            </a:r>
+            <a:r>
+              <a:rPr lang="de-DE" sz="1600" dirty="0">
+                <a:latin typeface="Arial"/>
+                <a:cs typeface="Arial"/>
+              </a:rPr>
+              <a:t> </a:t>
+            </a:r>
+            <a:r>
+              <a:rPr lang="de-DE" sz="1600" dirty="0" err="1">
+                <a:latin typeface="Arial"/>
+                <a:cs typeface="Arial"/>
+              </a:rPr>
+              <a:t>unreliable</a:t>
+            </a:r>
+            <a:endParaRPr lang="de-DE" sz="1600" dirty="0">
+              <a:latin typeface="Arial"/>
+              <a:cs typeface="Arial"/>
+            </a:endParaRPr>
+          </a:p>
+          <a:p>
+            <a:pPr marL="914400" lvl="1" indent="-457200">
+              <a:buFont typeface="Courier New" panose="020B0604020202020204" pitchFamily="34" charset="0"/>
+              <a:buChar char="o"/>
+            </a:pPr>
+            <a:r>
+              <a:rPr lang="de-DE" sz="1600" dirty="0" err="1">
+                <a:latin typeface="Arial"/>
+                <a:cs typeface="Arial"/>
+              </a:rPr>
+              <a:t>No</a:t>
+            </a:r>
+            <a:r>
+              <a:rPr lang="de-DE" sz="1600" dirty="0">
+                <a:latin typeface="Arial"/>
+                <a:cs typeface="Arial"/>
+              </a:rPr>
+              <a:t> easy fix in </a:t>
+            </a:r>
+            <a:r>
+              <a:rPr lang="de-DE" sz="1600" dirty="0" err="1">
+                <a:latin typeface="Arial"/>
+                <a:cs typeface="Arial"/>
+              </a:rPr>
+              <a:t>sight</a:t>
+            </a:r>
+            <a:endParaRPr lang="de-DE" sz="1600" dirty="0">
+              <a:latin typeface="Arial"/>
+              <a:cs typeface="Arial"/>
+            </a:endParaRPr>
+          </a:p>
+          <a:p>
+            <a:pPr marL="457200" indent="-457200">
+              <a:buAutoNum type="arabicParenR"/>
+            </a:pPr>
+            <a:endParaRPr lang="de-DE" sz="2000" b="1" dirty="0">
+              <a:latin typeface="Arial"/>
+              <a:cs typeface="Arial"/>
+            </a:endParaRPr>
+          </a:p>
+          <a:p>
+            <a:pPr marL="457200" indent="-457200">
+              <a:buAutoNum type="arabicParenR"/>
+            </a:pPr>
+            <a:r>
+              <a:rPr lang="de-DE" sz="2000" b="1" dirty="0" err="1">
+                <a:latin typeface="Arial"/>
+                <a:cs typeface="Arial"/>
+              </a:rPr>
+              <a:t>What</a:t>
+            </a:r>
+            <a:r>
+              <a:rPr lang="de-DE" sz="2000" b="1" dirty="0">
+                <a:latin typeface="Arial"/>
+                <a:cs typeface="Arial"/>
+              </a:rPr>
+              <a:t> </a:t>
+            </a:r>
+            <a:r>
+              <a:rPr lang="de-DE" sz="2000" b="1" dirty="0" err="1">
+                <a:latin typeface="Arial"/>
+                <a:cs typeface="Arial"/>
+              </a:rPr>
+              <a:t>is</a:t>
+            </a:r>
+            <a:r>
+              <a:rPr lang="de-DE" sz="2000" b="1" dirty="0">
+                <a:latin typeface="Arial"/>
+                <a:cs typeface="Arial"/>
+              </a:rPr>
+              <a:t> </a:t>
+            </a:r>
+            <a:r>
+              <a:rPr lang="de-DE" sz="2000" b="1" dirty="0" err="1">
+                <a:latin typeface="Arial"/>
+                <a:cs typeface="Arial"/>
+              </a:rPr>
+              <a:t>good</a:t>
+            </a:r>
+          </a:p>
+          <a:p>
+            <a:pPr marL="914400" lvl="1" indent="-457200">
+              <a:buFont typeface="Courier New" panose="020B0604020202020204" pitchFamily="34" charset="0"/>
+              <a:buChar char="o"/>
+            </a:pPr>
+            <a:r>
+              <a:rPr lang="de-DE" sz="1600" b="1" dirty="0">
+                <a:latin typeface="Arial"/>
+                <a:cs typeface="Arial"/>
+              </a:rPr>
+              <a:t>At least </a:t>
+            </a:r>
+            <a:r>
+              <a:rPr lang="de-DE" sz="1600" b="1" dirty="0" err="1">
+                <a:latin typeface="Arial"/>
+                <a:cs typeface="Arial"/>
+              </a:rPr>
+              <a:t>the</a:t>
+            </a:r>
+            <a:r>
+              <a:rPr lang="de-DE" sz="1600" b="1" dirty="0">
+                <a:latin typeface="Arial"/>
+                <a:cs typeface="Arial"/>
+              </a:rPr>
+              <a:t> </a:t>
+            </a:r>
+            <a:r>
+              <a:rPr lang="de-DE" sz="1600" b="1" dirty="0" err="1">
+                <a:latin typeface="Arial"/>
+                <a:cs typeface="Arial"/>
+              </a:rPr>
+              <a:t>model</a:t>
+            </a:r>
+            <a:r>
+              <a:rPr lang="de-DE" sz="1600" b="1" dirty="0">
+                <a:latin typeface="Arial"/>
+                <a:cs typeface="Arial"/>
+              </a:rPr>
+              <a:t> </a:t>
+            </a:r>
+            <a:r>
+              <a:rPr lang="de-DE" sz="1600" b="1" dirty="0" err="1">
+                <a:latin typeface="Arial"/>
+                <a:cs typeface="Arial"/>
+              </a:rPr>
+              <a:t>works</a:t>
+            </a:r>
+            <a:r>
+              <a:rPr lang="de-DE" sz="1600" b="1" dirty="0">
+                <a:latin typeface="Arial"/>
+                <a:cs typeface="Arial"/>
+              </a:rPr>
+              <a:t> on a </a:t>
+            </a:r>
+            <a:r>
+              <a:rPr lang="de-DE" sz="1600" b="1" dirty="0" err="1">
+                <a:latin typeface="Arial"/>
+                <a:cs typeface="Arial"/>
+              </a:rPr>
+              <a:t>technical</a:t>
+            </a:r>
+            <a:r>
+              <a:rPr lang="de-DE" sz="1600" b="1" dirty="0">
+                <a:latin typeface="Arial"/>
+                <a:cs typeface="Arial"/>
+              </a:rPr>
+              <a:t> </a:t>
+            </a:r>
+            <a:r>
+              <a:rPr lang="de-DE" sz="1600" b="1" dirty="0" err="1">
+                <a:latin typeface="Arial"/>
+                <a:cs typeface="Arial"/>
+              </a:rPr>
+              <a:t>basis</a:t>
             </a:r>
           </a:p>
         </p:txBody>

--- a/4_Presentation/bakery_sales_prediction-DS_Gruppe_12-190624jb.pptx
+++ b/4_Presentation/bakery_sales_prediction-DS_Gruppe_12-190624jb.pptx
@@ -5,7 +5,7 @@
     <p:sldMasterId id="2147483648" r:id="rId1"/>
   </p:sldMasterIdLst>
   <p:notesMasterIdLst>
-    <p:notesMasterId r:id="rId13"/>
+    <p:notesMasterId r:id="rId12"/>
   </p:notesMasterIdLst>
   <p:sldIdLst>
     <p:sldId id="259" r:id="rId2"/>
@@ -13,12 +13,11 @@
     <p:sldId id="261" r:id="rId4"/>
     <p:sldId id="263" r:id="rId5"/>
     <p:sldId id="264" r:id="rId6"/>
-    <p:sldId id="265" r:id="rId7"/>
-    <p:sldId id="266" r:id="rId8"/>
-    <p:sldId id="267" r:id="rId9"/>
-    <p:sldId id="268" r:id="rId10"/>
-    <p:sldId id="269" r:id="rId11"/>
-    <p:sldId id="270" r:id="rId12"/>
+    <p:sldId id="271" r:id="rId7"/>
+    <p:sldId id="265" r:id="rId8"/>
+    <p:sldId id="266" r:id="rId9"/>
+    <p:sldId id="267" r:id="rId10"/>
+    <p:sldId id="270" r:id="rId11"/>
   </p:sldIdLst>
   <p:sldSz cx="12192000" cy="6858000"/>
   <p:notesSz cx="6858000" cy="9144000"/>
@@ -129,6 +128,8 @@
 <p1510:revInfo xmlns:a="http://schemas.openxmlformats.org/drawingml/2006/main" xmlns:r="http://schemas.openxmlformats.org/officeDocument/2006/relationships" xmlns:p1510="http://schemas.microsoft.com/office/powerpoint/2015/10/main">
   <p1510:revLst>
     <p1510:client id="{0D0A64AE-4161-4B6B-9EFA-00ED8A751CB3}" v="628" dt="2024-06-24T12:26:10.427"/>
+    <p1510:client id="{210C29D7-6018-450D-B5FC-AF9D00CA6490}" v="11" dt="2024-06-24T14:44:11.366"/>
+    <p1510:client id="{F9800410-1433-44B3-9FAE-134BE5CD1F45}" v="3" dt="2024-06-24T14:44:58.321"/>
   </p1510:revLst>
 </p1510:revInfo>
 </file>
@@ -1530,7 +1531,7 @@
           <a:p>
             <a:fld id="{779A224E-0810-9944-BF21-D96EB209D288}" type="slidenum">
               <a:rPr lang="en-DE" smtClean="0"/>
-              <a:t>6</a:t>
+              <a:t>7</a:t>
             </a:fld>
             <a:endParaRPr lang="en-DE"/>
           </a:p>
@@ -1638,7 +1639,7 @@
           <a:p>
             <a:fld id="{779A224E-0810-9944-BF21-D96EB209D288}" type="slidenum">
               <a:rPr lang="en-DE" smtClean="0"/>
-              <a:t>7</a:t>
+              <a:t>8</a:t>
             </a:fld>
             <a:endParaRPr lang="en-DE"/>
           </a:p>
@@ -1746,7 +1747,7 @@
           <a:p>
             <a:fld id="{779A224E-0810-9944-BF21-D96EB209D288}" type="slidenum">
               <a:rPr lang="en-DE" smtClean="0"/>
-              <a:t>8</a:t>
+              <a:t>9</a:t>
             </a:fld>
             <a:endParaRPr lang="en-DE"/>
           </a:p>
@@ -1756,222 +1757,6 @@
     <p:extLst>
       <p:ext uri="{BB962C8B-B14F-4D97-AF65-F5344CB8AC3E}">
         <p14:creationId xmlns:p14="http://schemas.microsoft.com/office/powerpoint/2010/main" val="2588765768"/>
-      </p:ext>
-    </p:extLst>
-  </p:cSld>
-  <p:clrMapOvr>
-    <a:masterClrMapping/>
-  </p:clrMapOvr>
-</p:notes>
-</file>
-
-<file path=ppt/notesSlides/notesSlide8.xml><?xml version="1.0" encoding="utf-8"?>
-<p:notes xmlns:a="http://schemas.openxmlformats.org/drawingml/2006/main" xmlns:r="http://schemas.openxmlformats.org/officeDocument/2006/relationships" xmlns:p="http://schemas.openxmlformats.org/presentationml/2006/main">
-  <p:cSld>
-    <p:spTree>
-      <p:nvGrpSpPr>
-        <p:cNvPr id="1" name=""/>
-        <p:cNvGrpSpPr/>
-        <p:nvPr/>
-      </p:nvGrpSpPr>
-      <p:grpSpPr>
-        <a:xfrm>
-          <a:off x="0" y="0"/>
-          <a:ext cx="0" cy="0"/>
-          <a:chOff x="0" y="0"/>
-          <a:chExt cx="0" cy="0"/>
-        </a:xfrm>
-      </p:grpSpPr>
-      <p:sp>
-        <p:nvSpPr>
-          <p:cNvPr id="2" name="Slide Image Placeholder 1"/>
-          <p:cNvSpPr>
-            <a:spLocks noGrp="1" noRot="1" noChangeAspect="1"/>
-          </p:cNvSpPr>
-          <p:nvPr>
-            <p:ph type="sldImg"/>
-          </p:nvPr>
-        </p:nvSpPr>
-        <p:spPr/>
-      </p:sp>
-      <p:sp>
-        <p:nvSpPr>
-          <p:cNvPr id="3" name="Notes Placeholder 2"/>
-          <p:cNvSpPr>
-            <a:spLocks noGrp="1"/>
-          </p:cNvSpPr>
-          <p:nvPr>
-            <p:ph type="body" idx="1"/>
-          </p:nvPr>
-        </p:nvSpPr>
-        <p:spPr/>
-        <p:txBody>
-          <a:bodyPr/>
-          <a:lstStyle/>
-          <a:p>
-            <a:pPr marL="0" marR="0" lvl="0" indent="0" algn="l" defTabSz="914400" rtl="0" eaLnBrk="1" fontAlgn="auto" latinLnBrk="0" hangingPunct="1">
-              <a:lnSpc>
-                <a:spcPct val="100000"/>
-              </a:lnSpc>
-              <a:spcBef>
-                <a:spcPts val="0"/>
-              </a:spcBef>
-              <a:spcAft>
-                <a:spcPts val="0"/>
-              </a:spcAft>
-              <a:buClrTx/>
-              <a:buSzTx/>
-              <a:buFontTx/>
-              <a:buNone/>
-              <a:tabLst/>
-              <a:defRPr/>
-            </a:pPr>
-            <a:r>
-              <a:rPr lang="en-GB" dirty="0"/>
-              <a:t>Source:</a:t>
-            </a:r>
-            <a:endParaRPr lang="en-GB" b="1" dirty="0"/>
-          </a:p>
-          <a:p>
-            <a:endParaRPr lang="en-GB" dirty="0"/>
-          </a:p>
-        </p:txBody>
-      </p:sp>
-      <p:sp>
-        <p:nvSpPr>
-          <p:cNvPr id="4" name="Slide Number Placeholder 3"/>
-          <p:cNvSpPr>
-            <a:spLocks noGrp="1"/>
-          </p:cNvSpPr>
-          <p:nvPr>
-            <p:ph type="sldNum" sz="quarter" idx="5"/>
-          </p:nvPr>
-        </p:nvSpPr>
-        <p:spPr/>
-        <p:txBody>
-          <a:bodyPr/>
-          <a:lstStyle/>
-          <a:p>
-            <a:fld id="{779A224E-0810-9944-BF21-D96EB209D288}" type="slidenum">
-              <a:rPr lang="en-DE" smtClean="0"/>
-              <a:t>9</a:t>
-            </a:fld>
-            <a:endParaRPr lang="en-DE"/>
-          </a:p>
-        </p:txBody>
-      </p:sp>
-    </p:spTree>
-    <p:extLst>
-      <p:ext uri="{BB962C8B-B14F-4D97-AF65-F5344CB8AC3E}">
-        <p14:creationId xmlns:p14="http://schemas.microsoft.com/office/powerpoint/2010/main" val="2822113064"/>
-      </p:ext>
-    </p:extLst>
-  </p:cSld>
-  <p:clrMapOvr>
-    <a:masterClrMapping/>
-  </p:clrMapOvr>
-</p:notes>
-</file>
-
-<file path=ppt/notesSlides/notesSlide9.xml><?xml version="1.0" encoding="utf-8"?>
-<p:notes xmlns:a="http://schemas.openxmlformats.org/drawingml/2006/main" xmlns:r="http://schemas.openxmlformats.org/officeDocument/2006/relationships" xmlns:p="http://schemas.openxmlformats.org/presentationml/2006/main">
-  <p:cSld>
-    <p:spTree>
-      <p:nvGrpSpPr>
-        <p:cNvPr id="1" name=""/>
-        <p:cNvGrpSpPr/>
-        <p:nvPr/>
-      </p:nvGrpSpPr>
-      <p:grpSpPr>
-        <a:xfrm>
-          <a:off x="0" y="0"/>
-          <a:ext cx="0" cy="0"/>
-          <a:chOff x="0" y="0"/>
-          <a:chExt cx="0" cy="0"/>
-        </a:xfrm>
-      </p:grpSpPr>
-      <p:sp>
-        <p:nvSpPr>
-          <p:cNvPr id="2" name="Slide Image Placeholder 1"/>
-          <p:cNvSpPr>
-            <a:spLocks noGrp="1" noRot="1" noChangeAspect="1"/>
-          </p:cNvSpPr>
-          <p:nvPr>
-            <p:ph type="sldImg"/>
-          </p:nvPr>
-        </p:nvSpPr>
-        <p:spPr/>
-      </p:sp>
-      <p:sp>
-        <p:nvSpPr>
-          <p:cNvPr id="3" name="Notes Placeholder 2"/>
-          <p:cNvSpPr>
-            <a:spLocks noGrp="1"/>
-          </p:cNvSpPr>
-          <p:nvPr>
-            <p:ph type="body" idx="1"/>
-          </p:nvPr>
-        </p:nvSpPr>
-        <p:spPr/>
-        <p:txBody>
-          <a:bodyPr/>
-          <a:lstStyle/>
-          <a:p>
-            <a:pPr marL="0" marR="0" lvl="0" indent="0" algn="l" defTabSz="914400" rtl="0" eaLnBrk="1" fontAlgn="auto" latinLnBrk="0" hangingPunct="1">
-              <a:lnSpc>
-                <a:spcPct val="100000"/>
-              </a:lnSpc>
-              <a:spcBef>
-                <a:spcPts val="0"/>
-              </a:spcBef>
-              <a:spcAft>
-                <a:spcPts val="0"/>
-              </a:spcAft>
-              <a:buClrTx/>
-              <a:buSzTx/>
-              <a:buFontTx/>
-              <a:buNone/>
-              <a:tabLst/>
-              <a:defRPr/>
-            </a:pPr>
-            <a:r>
-              <a:rPr lang="en-GB" dirty="0"/>
-              <a:t>Source:</a:t>
-            </a:r>
-            <a:endParaRPr lang="en-GB" b="1" dirty="0"/>
-          </a:p>
-          <a:p>
-            <a:endParaRPr lang="en-GB" dirty="0"/>
-          </a:p>
-        </p:txBody>
-      </p:sp>
-      <p:sp>
-        <p:nvSpPr>
-          <p:cNvPr id="4" name="Slide Number Placeholder 3"/>
-          <p:cNvSpPr>
-            <a:spLocks noGrp="1"/>
-          </p:cNvSpPr>
-          <p:nvPr>
-            <p:ph type="sldNum" sz="quarter" idx="5"/>
-          </p:nvPr>
-        </p:nvSpPr>
-        <p:spPr/>
-        <p:txBody>
-          <a:bodyPr/>
-          <a:lstStyle/>
-          <a:p>
-            <a:fld id="{779A224E-0810-9944-BF21-D96EB209D288}" type="slidenum">
-              <a:rPr lang="en-DE" smtClean="0"/>
-              <a:t>10</a:t>
-            </a:fld>
-            <a:endParaRPr lang="en-DE"/>
-          </a:p>
-        </p:txBody>
-      </p:sp>
-    </p:spTree>
-    <p:extLst>
-      <p:ext uri="{BB962C8B-B14F-4D97-AF65-F5344CB8AC3E}">
-        <p14:creationId xmlns:p14="http://schemas.microsoft.com/office/powerpoint/2010/main" val="2352761736"/>
       </p:ext>
     </p:extLst>
   </p:cSld>
@@ -5442,12 +5227,176 @@
           <a:lstStyle/>
           <a:p>
             <a:pPr algn="ctr"/>
-            <a:r>
+            <a:br>
               <a:rPr lang="en-DE" sz="3200" dirty="0">
                 <a:latin typeface="Arial" panose="020B0604020202020204" pitchFamily="34" charset="0"/>
                 <a:cs typeface="Arial" panose="020B0604020202020204" pitchFamily="34" charset="0"/>
               </a:rPr>
-              <a:t>5 ⎯  Challenges and Errors</a:t>
+            </a:br>
+            <a:r>
+              <a:rPr lang="en-DE" sz="3200" dirty="0">
+                <a:latin typeface="Arial" panose="020B0604020202020204" pitchFamily="34" charset="0"/>
+                <a:cs typeface="Arial" panose="020B0604020202020204" pitchFamily="34" charset="0"/>
+              </a:rPr>
+              <a:t>Thank you for your attention! – Any questions?</a:t>
+            </a:r>
+          </a:p>
+        </p:txBody>
+      </p:sp>
+      <p:sp>
+        <p:nvSpPr>
+          <p:cNvPr id="12" name="Footer Placeholder 11">
+            <a:extLst>
+              <a:ext uri="{FF2B5EF4-FFF2-40B4-BE49-F238E27FC236}">
+                <a16:creationId xmlns:a16="http://schemas.microsoft.com/office/drawing/2014/main" id="{CA985452-CADD-F767-1A4F-80F030AD81C2}"/>
+              </a:ext>
+            </a:extLst>
+          </p:cNvPr>
+          <p:cNvSpPr>
+            <a:spLocks noGrp="1"/>
+          </p:cNvSpPr>
+          <p:nvPr>
+            <p:ph type="ftr" sz="quarter" idx="11"/>
+          </p:nvPr>
+        </p:nvSpPr>
+        <p:spPr>
+          <a:xfrm>
+            <a:off x="4038599" y="6356350"/>
+            <a:ext cx="7998725" cy="365125"/>
+          </a:xfrm>
+        </p:spPr>
+        <p:txBody>
+          <a:bodyPr/>
+          <a:lstStyle/>
+          <a:p>
+            <a:pPr algn="l"/>
+            <a:r>
+              <a:rPr lang="en-DE" dirty="0"/>
+              <a:t>      24S | Einführung in Data Science &amp; maschinelles Lernen				                    27.06.2024</a:t>
+            </a:r>
+          </a:p>
+        </p:txBody>
+      </p:sp>
+      <p:pic>
+        <p:nvPicPr>
+          <p:cNvPr id="16" name="Picture 15">
+            <a:extLst>
+              <a:ext uri="{FF2B5EF4-FFF2-40B4-BE49-F238E27FC236}">
+                <a16:creationId xmlns:a16="http://schemas.microsoft.com/office/drawing/2014/main" id="{76DAF779-5240-AC56-1687-D80C96DFA2C4}"/>
+              </a:ext>
+            </a:extLst>
+          </p:cNvPr>
+          <p:cNvPicPr>
+            <a:picLocks noChangeAspect="1"/>
+          </p:cNvPicPr>
+          <p:nvPr/>
+        </p:nvPicPr>
+        <p:blipFill>
+          <a:blip r:embed="rId2"/>
+          <a:stretch>
+            <a:fillRect/>
+          </a:stretch>
+        </p:blipFill>
+        <p:spPr>
+          <a:xfrm>
+            <a:off x="295177" y="6430912"/>
+            <a:ext cx="1177413" cy="216000"/>
+          </a:xfrm>
+          <a:prstGeom prst="rect">
+            <a:avLst/>
+          </a:prstGeom>
+        </p:spPr>
+      </p:pic>
+      <p:pic>
+        <p:nvPicPr>
+          <p:cNvPr id="7" name="Picture 6">
+            <a:extLst>
+              <a:ext uri="{FF2B5EF4-FFF2-40B4-BE49-F238E27FC236}">
+                <a16:creationId xmlns:a16="http://schemas.microsoft.com/office/drawing/2014/main" id="{BC1AA736-9526-56CE-DB6D-398323344220}"/>
+              </a:ext>
+            </a:extLst>
+          </p:cNvPr>
+          <p:cNvPicPr>
+            <a:picLocks noChangeAspect="1"/>
+          </p:cNvPicPr>
+          <p:nvPr/>
+        </p:nvPicPr>
+        <p:blipFill>
+          <a:blip r:embed="rId3"/>
+          <a:stretch>
+            <a:fillRect/>
+          </a:stretch>
+        </p:blipFill>
+        <p:spPr>
+          <a:xfrm>
+            <a:off x="3838253" y="1690688"/>
+            <a:ext cx="4284000" cy="4284000"/>
+          </a:xfrm>
+          <a:prstGeom prst="rect">
+            <a:avLst/>
+          </a:prstGeom>
+        </p:spPr>
+      </p:pic>
+    </p:spTree>
+    <p:extLst>
+      <p:ext uri="{BB962C8B-B14F-4D97-AF65-F5344CB8AC3E}">
+        <p14:creationId xmlns:p14="http://schemas.microsoft.com/office/powerpoint/2010/main" val="1692920784"/>
+      </p:ext>
+    </p:extLst>
+  </p:cSld>
+  <p:clrMapOvr>
+    <a:masterClrMapping/>
+  </p:clrMapOvr>
+</p:sld>
+</file>
+
+<file path=ppt/slides/slide2.xml><?xml version="1.0" encoding="utf-8"?>
+<p:sld xmlns:a="http://schemas.openxmlformats.org/drawingml/2006/main" xmlns:r="http://schemas.openxmlformats.org/officeDocument/2006/relationships" xmlns:p="http://schemas.openxmlformats.org/presentationml/2006/main">
+  <p:cSld>
+    <p:spTree>
+      <p:nvGrpSpPr>
+        <p:cNvPr id="1" name=""/>
+        <p:cNvGrpSpPr/>
+        <p:nvPr/>
+      </p:nvGrpSpPr>
+      <p:grpSpPr>
+        <a:xfrm>
+          <a:off x="0" y="0"/>
+          <a:ext cx="0" cy="0"/>
+          <a:chOff x="0" y="0"/>
+          <a:chExt cx="0" cy="0"/>
+        </a:xfrm>
+      </p:grpSpPr>
+      <p:sp>
+        <p:nvSpPr>
+          <p:cNvPr id="2" name="Title 1">
+            <a:extLst>
+              <a:ext uri="{FF2B5EF4-FFF2-40B4-BE49-F238E27FC236}">
+                <a16:creationId xmlns:a16="http://schemas.microsoft.com/office/drawing/2014/main" id="{76FEEBD0-899A-0836-316B-8B1C5EACA3FC}"/>
+              </a:ext>
+            </a:extLst>
+          </p:cNvPr>
+          <p:cNvSpPr>
+            <a:spLocks noGrp="1"/>
+          </p:cNvSpPr>
+          <p:nvPr>
+            <p:ph type="title"/>
+          </p:nvPr>
+        </p:nvSpPr>
+        <p:spPr/>
+        <p:txBody>
+          <a:bodyPr anchor="t">
+            <a:normAutofit/>
+          </a:bodyPr>
+          <a:lstStyle/>
+          <a:p>
+            <a:pPr algn="ctr"/>
+            <a:r>
+              <a:rPr lang="en-DE" sz="3200" dirty="0">
+                <a:latin typeface="Arial" panose="020B0604020202020204" pitchFamily="34" charset="0"/>
+                <a:cs typeface="Arial" panose="020B0604020202020204" pitchFamily="34" charset="0"/>
+              </a:rPr>
+              <a:t>1.1 ⎯ Dataset Characteristics – General Evaluation</a:t>
             </a:r>
             <a:endParaRPr lang="en-DE" sz="3200" i="1" dirty="0">
               <a:latin typeface="Arial" panose="020B0604020202020204" pitchFamily="34" charset="0"/>
@@ -5484,100 +5433,55 @@
           </a:bodyPr>
           <a:lstStyle/>
           <a:p>
-            <a:pPr marL="457200" indent="-457200">
-              <a:buFont typeface="+mj-lt"/>
-              <a:buAutoNum type="arabicPeriod"/>
+            <a:pPr marL="0" indent="0">
+              <a:buNone/>
             </a:pPr>
             <a:r>
+              <a:rPr lang="en-DE" sz="2400" dirty="0">
+                <a:latin typeface="Arial" panose="020B0604020202020204" pitchFamily="34" charset="0"/>
+                <a:cs typeface="Arial" panose="020B0604020202020204" pitchFamily="34" charset="0"/>
+              </a:rPr>
+              <a:t>Preparation of dataset </a:t>
+            </a:r>
+          </a:p>
+          <a:p>
+            <a:r>
               <a:rPr lang="en-DE" sz="2000" dirty="0">
                 <a:latin typeface="Arial" panose="020B0604020202020204" pitchFamily="34" charset="0"/>
                 <a:cs typeface="Arial" panose="020B0604020202020204" pitchFamily="34" charset="0"/>
               </a:rPr>
-              <a:t>Baseline Model</a:t>
-            </a:r>
-          </a:p>
-          <a:p>
-            <a:pPr marL="914400" lvl="1" indent="-457200">
-              <a:buFont typeface="+mj-lt"/>
-              <a:buAutoNum type="arabicPeriod"/>
-            </a:pPr>
-            <a:r>
-              <a:rPr lang="en-DE" sz="2000" b="1" dirty="0">
-                <a:latin typeface="Arial" panose="020B0604020202020204" pitchFamily="34" charset="0"/>
-                <a:cs typeface="Arial" panose="020B0604020202020204" pitchFamily="34" charset="0"/>
-              </a:rPr>
-              <a:t>Linear Regression</a:t>
-            </a:r>
+              <a:t>Merging the given data sets and removing all data without sales + adding additional features</a:t>
+            </a:r>
+          </a:p>
+          <a:p>
             <a:r>
               <a:rPr lang="en-DE" sz="2000" dirty="0">
                 <a:latin typeface="Arial" panose="020B0604020202020204" pitchFamily="34" charset="0"/>
                 <a:cs typeface="Arial" panose="020B0604020202020204" pitchFamily="34" charset="0"/>
               </a:rPr>
-              <a:t>s output was simply wrong and we could not get it sorted.</a:t>
-            </a:r>
-          </a:p>
-          <a:p>
-            <a:pPr marL="914400" lvl="1" indent="-457200">
-              <a:buFont typeface="+mj-lt"/>
-              <a:buAutoNum type="arabicPeriod"/>
-            </a:pPr>
-            <a:r>
-              <a:rPr lang="en-DE" sz="2000" dirty="0">
-                <a:latin typeface="Arial" panose="020B0604020202020204" pitchFamily="34" charset="0"/>
-                <a:cs typeface="Arial" panose="020B0604020202020204" pitchFamily="34" charset="0"/>
-              </a:rPr>
-              <a:t>Instead, we used </a:t>
-            </a:r>
-            <a:r>
-              <a:rPr lang="en-DE" sz="2000" b="1" dirty="0">
-                <a:latin typeface="Arial" panose="020B0604020202020204" pitchFamily="34" charset="0"/>
-                <a:cs typeface="Arial" panose="020B0604020202020204" pitchFamily="34" charset="0"/>
-              </a:rPr>
-              <a:t>Random Forest Regressor and incorporating polynomial features </a:t>
-            </a:r>
-            <a:r>
-              <a:rPr lang="en-DE" sz="2000" dirty="0">
-                <a:latin typeface="Arial" panose="020B0604020202020204" pitchFamily="34" charset="0"/>
-                <a:cs typeface="Arial" panose="020B0604020202020204" pitchFamily="34" charset="0"/>
-              </a:rPr>
-              <a:t>which worked just fine and allowed us to find dependencies etc.</a:t>
-            </a:r>
-          </a:p>
-          <a:p>
-            <a:pPr marL="457200" indent="-457200">
-              <a:buFont typeface="+mj-lt"/>
-              <a:buAutoNum type="arabicPeriod"/>
-            </a:pPr>
-            <a:r>
-              <a:rPr lang="en-GB" sz="2000" dirty="0">
-                <a:latin typeface="Arial" panose="020B0604020202020204" pitchFamily="34" charset="0"/>
-                <a:cs typeface="Arial" panose="020B0604020202020204" pitchFamily="34" charset="0"/>
-              </a:rPr>
-              <a:t>X</a:t>
-            </a:r>
-            <a:r>
-              <a:rPr lang="en-DE" sz="2000" dirty="0">
-                <a:latin typeface="Arial" panose="020B0604020202020204" pitchFamily="34" charset="0"/>
-                <a:cs typeface="Arial" panose="020B0604020202020204" pitchFamily="34" charset="0"/>
-              </a:rPr>
-              <a:t>xx</a:t>
-            </a:r>
-          </a:p>
-          <a:p>
-            <a:pPr marL="914400" lvl="1" indent="-457200">
-              <a:buFont typeface="+mj-lt"/>
-              <a:buAutoNum type="arabicPeriod"/>
-            </a:pPr>
+              <a:t>Exploring the dataset</a:t>
+            </a:r>
+          </a:p>
+          <a:p>
             <a:endParaRPr lang="en-DE" sz="2000" dirty="0">
               <a:latin typeface="Arial" panose="020B0604020202020204" pitchFamily="34" charset="0"/>
               <a:cs typeface="Arial" panose="020B0604020202020204" pitchFamily="34" charset="0"/>
             </a:endParaRPr>
           </a:p>
           <a:p>
-            <a:endParaRPr lang="en-DE" sz="2000" dirty="0">
-              <a:latin typeface="Arial" panose="020B0604020202020204" pitchFamily="34" charset="0"/>
-              <a:cs typeface="Arial" panose="020B0604020202020204" pitchFamily="34" charset="0"/>
-            </a:endParaRPr>
+            <a:pPr marL="0" indent="0">
+              <a:buNone/>
+            </a:pPr>
+            <a:endParaRPr lang="en-DE" sz="2400" dirty="0"/>
+          </a:p>
+          <a:p>
+            <a:endParaRPr lang="en-DE" sz="2400" dirty="0"/>
+          </a:p>
+          <a:p>
+            <a:pPr marL="0" indent="0">
+              <a:buNone/>
+            </a:pPr>
+            <a:endParaRPr lang="en-DE" sz="2400" dirty="0"/>
           </a:p>
         </p:txBody>
       </p:sp>
@@ -5742,10 +5646,40 @@
           </a:p>
         </p:txBody>
       </p:sp>
+      <p:pic>
+        <p:nvPicPr>
+          <p:cNvPr id="6" name="Picture 5">
+            <a:extLst>
+              <a:ext uri="{FF2B5EF4-FFF2-40B4-BE49-F238E27FC236}">
+                <a16:creationId xmlns:a16="http://schemas.microsoft.com/office/drawing/2014/main" id="{CB56922B-CBBD-3C87-56DC-F6A12E439FE3}"/>
+              </a:ext>
+            </a:extLst>
+          </p:cNvPr>
+          <p:cNvPicPr>
+            <a:picLocks noChangeAspect="1"/>
+          </p:cNvPicPr>
+          <p:nvPr/>
+        </p:nvPicPr>
+        <p:blipFill>
+          <a:blip r:embed="rId4"/>
+          <a:stretch>
+            <a:fillRect/>
+          </a:stretch>
+        </p:blipFill>
+        <p:spPr>
+          <a:xfrm>
+            <a:off x="1955398" y="2478572"/>
+            <a:ext cx="7772400" cy="3698391"/>
+          </a:xfrm>
+          <a:prstGeom prst="rect">
+            <a:avLst/>
+          </a:prstGeom>
+        </p:spPr>
+      </p:pic>
     </p:spTree>
     <p:extLst>
       <p:ext uri="{BB962C8B-B14F-4D97-AF65-F5344CB8AC3E}">
-        <p14:creationId xmlns:p14="http://schemas.microsoft.com/office/powerpoint/2010/main" val="3189373774"/>
+        <p14:creationId xmlns:p14="http://schemas.microsoft.com/office/powerpoint/2010/main" val="1212487470"/>
       </p:ext>
     </p:extLst>
   </p:cSld>
@@ -5755,7 +5689,7 @@
 </p:sld>
 </file>
 
-<file path=ppt/slides/slide11.xml><?xml version="1.0" encoding="utf-8"?>
+<file path=ppt/slides/slide3.xml><?xml version="1.0" encoding="utf-8"?>
 <p:sld xmlns:a="http://schemas.openxmlformats.org/drawingml/2006/main" xmlns:r="http://schemas.openxmlformats.org/officeDocument/2006/relationships" xmlns:p="http://schemas.openxmlformats.org/presentationml/2006/main">
   <p:cSld>
     <p:spTree>
@@ -5796,28 +5730,29 @@
           <a:lstStyle/>
           <a:p>
             <a:pPr algn="ctr"/>
-            <a:br>
+            <a:r>
               <a:rPr lang="en-DE" sz="3200" dirty="0">
                 <a:latin typeface="Arial" panose="020B0604020202020204" pitchFamily="34" charset="0"/>
                 <a:cs typeface="Arial" panose="020B0604020202020204" pitchFamily="34" charset="0"/>
               </a:rPr>
-            </a:br>
-            <a:r>
-              <a:rPr lang="en-DE" sz="3200" dirty="0">
-                <a:latin typeface="Arial" panose="020B0604020202020204" pitchFamily="34" charset="0"/>
-                <a:cs typeface="Arial" panose="020B0604020202020204" pitchFamily="34" charset="0"/>
-              </a:rPr>
-              <a:t>Thank you for your attention! – Any questions?</a:t>
-            </a:r>
-          </a:p>
-        </p:txBody>
-      </p:sp>
-      <p:sp>
-        <p:nvSpPr>
-          <p:cNvPr id="12" name="Footer Placeholder 11">
-            <a:extLst>
-              <a:ext uri="{FF2B5EF4-FFF2-40B4-BE49-F238E27FC236}">
-                <a16:creationId xmlns:a16="http://schemas.microsoft.com/office/drawing/2014/main" id="{CA985452-CADD-F767-1A4F-80F030AD81C2}"/>
+              <a:t>1.2 ⎯ Dataset Characteristics – Feature </a:t>
+            </a:r>
+            <a:r>
+              <a:rPr lang="en-DE" sz="3200" i="1" dirty="0">
+                <a:latin typeface="Arial" panose="020B0604020202020204" pitchFamily="34" charset="0"/>
+                <a:cs typeface="Arial" panose="020B0604020202020204" pitchFamily="34" charset="0"/>
+              </a:rPr>
+              <a:t>Ferientage</a:t>
+            </a:r>
+          </a:p>
+        </p:txBody>
+      </p:sp>
+      <p:sp>
+        <p:nvSpPr>
+          <p:cNvPr id="15" name="Text Placeholder 14">
+            <a:extLst>
+              <a:ext uri="{FF2B5EF4-FFF2-40B4-BE49-F238E27FC236}">
+                <a16:creationId xmlns:a16="http://schemas.microsoft.com/office/drawing/2014/main" id="{7F9924BB-44AD-7794-008F-F9686C404D39}"/>
               </a:ext>
             </a:extLst>
           </p:cNvPr>
@@ -5825,70 +5760,99 @@
             <a:spLocks noGrp="1"/>
           </p:cNvSpPr>
           <p:nvPr>
-            <p:ph type="ftr" sz="quarter" idx="11"/>
+            <p:ph type="body" idx="1"/>
           </p:nvPr>
         </p:nvSpPr>
         <p:spPr>
           <a:xfrm>
-            <a:off x="4038599" y="6356350"/>
-            <a:ext cx="7998725" cy="365125"/>
+            <a:off x="619746" y="4520336"/>
+            <a:ext cx="10735641" cy="1197557"/>
           </a:xfrm>
         </p:spPr>
         <p:txBody>
-          <a:bodyPr/>
+          <a:bodyPr>
+            <a:normAutofit/>
+          </a:bodyPr>
           <a:lstStyle/>
           <a:p>
-            <a:pPr algn="l"/>
-            <a:r>
-              <a:rPr lang="en-DE" dirty="0"/>
-              <a:t>      24S | Einführung in Data Science &amp; maschinelles Lernen				                    27.06.2024</a:t>
+            <a:pPr algn="just"/>
+            <a:r>
+              <a:rPr lang="en-DE" sz="2000" dirty="0">
+                <a:latin typeface="Arial" panose="020B0604020202020204" pitchFamily="34" charset="0"/>
+                <a:cs typeface="Arial" panose="020B0604020202020204" pitchFamily="34" charset="0"/>
+              </a:rPr>
+              <a:t>Note</a:t>
+            </a:r>
+            <a:r>
+              <a:rPr lang="en-DE" sz="2000" b="0" dirty="0">
+                <a:latin typeface="Arial" panose="020B0604020202020204" pitchFamily="34" charset="0"/>
+                <a:cs typeface="Arial" panose="020B0604020202020204" pitchFamily="34" charset="0"/>
+              </a:rPr>
+              <a:t>: Weekends are not considered </a:t>
+            </a:r>
+            <a:r>
+              <a:rPr lang="en-DE" sz="2000" b="0" i="1" dirty="0">
+                <a:latin typeface="Arial" panose="020B0604020202020204" pitchFamily="34" charset="0"/>
+                <a:cs typeface="Arial" panose="020B0604020202020204" pitchFamily="34" charset="0"/>
+              </a:rPr>
+              <a:t>Ferientage</a:t>
+            </a:r>
+            <a:r>
+              <a:rPr lang="en-DE" sz="2000" b="0" dirty="0">
+                <a:latin typeface="Arial" panose="020B0604020202020204" pitchFamily="34" charset="0"/>
+                <a:cs typeface="Arial" panose="020B0604020202020204" pitchFamily="34" charset="0"/>
+              </a:rPr>
+              <a:t> by default.</a:t>
+            </a:r>
+          </a:p>
+          <a:p>
+            <a:pPr algn="just"/>
+            <a:r>
+              <a:rPr lang="en-GB" sz="2000" b="0" dirty="0">
+                <a:latin typeface="Arial" panose="020B0604020202020204" pitchFamily="34" charset="0"/>
+                <a:cs typeface="Arial" panose="020B0604020202020204" pitchFamily="34" charset="0"/>
+              </a:rPr>
+              <a:t>T</a:t>
+            </a:r>
+            <a:r>
+              <a:rPr lang="en-DE" sz="2000" b="0" dirty="0">
+                <a:latin typeface="Arial" panose="020B0604020202020204" pitchFamily="34" charset="0"/>
+                <a:cs typeface="Arial" panose="020B0604020202020204" pitchFamily="34" charset="0"/>
+              </a:rPr>
+              <a:t>he plot just taking the time frame </a:t>
+            </a:r>
+            <a:r>
+              <a:rPr lang="en-DE" sz="2000" b="0" i="1" dirty="0">
+                <a:latin typeface="Arial" panose="020B0604020202020204" pitchFamily="34" charset="0"/>
+                <a:cs typeface="Arial" panose="020B0604020202020204" pitchFamily="34" charset="0"/>
+              </a:rPr>
+              <a:t>Ferientage</a:t>
+            </a:r>
+            <a:r>
+              <a:rPr lang="en-DE" sz="2000" b="0" dirty="0">
+                <a:latin typeface="Arial" panose="020B0604020202020204" pitchFamily="34" charset="0"/>
+                <a:cs typeface="Arial" panose="020B0604020202020204" pitchFamily="34" charset="0"/>
+              </a:rPr>
+              <a:t> into acount shows a reasonable increase of sales. However, there are no outlier.</a:t>
             </a:r>
           </a:p>
         </p:txBody>
       </p:sp>
       <p:pic>
         <p:nvPicPr>
-          <p:cNvPr id="16" name="Picture 15">
-            <a:extLst>
-              <a:ext uri="{FF2B5EF4-FFF2-40B4-BE49-F238E27FC236}">
-                <a16:creationId xmlns:a16="http://schemas.microsoft.com/office/drawing/2014/main" id="{76DAF779-5240-AC56-1687-D80C96DFA2C4}"/>
+          <p:cNvPr id="10" name="Content Placeholder 9">
+            <a:extLst>
+              <a:ext uri="{FF2B5EF4-FFF2-40B4-BE49-F238E27FC236}">
+                <a16:creationId xmlns:a16="http://schemas.microsoft.com/office/drawing/2014/main" id="{C8CD472C-C1BC-83C4-8A91-6A64E35C6DF4}"/>
               </a:ext>
             </a:extLst>
           </p:cNvPr>
           <p:cNvPicPr>
-            <a:picLocks noChangeAspect="1"/>
+            <a:picLocks noGrp="1" noChangeAspect="1"/>
           </p:cNvPicPr>
-          <p:nvPr/>
-        </p:nvPicPr>
-        <p:blipFill>
-          <a:blip r:embed="rId2"/>
-          <a:stretch>
-            <a:fillRect/>
-          </a:stretch>
-        </p:blipFill>
-        <p:spPr>
-          <a:xfrm>
-            <a:off x="295177" y="6430912"/>
-            <a:ext cx="1177413" cy="216000"/>
-          </a:xfrm>
-          <a:prstGeom prst="rect">
-            <a:avLst/>
-          </a:prstGeom>
-        </p:spPr>
-      </p:pic>
-      <p:pic>
-        <p:nvPicPr>
-          <p:cNvPr id="7" name="Picture 6">
-            <a:extLst>
-              <a:ext uri="{FF2B5EF4-FFF2-40B4-BE49-F238E27FC236}">
-                <a16:creationId xmlns:a16="http://schemas.microsoft.com/office/drawing/2014/main" id="{BC1AA736-9526-56CE-DB6D-398323344220}"/>
-              </a:ext>
-            </a:extLst>
-          </p:cNvPr>
-          <p:cNvPicPr>
-            <a:picLocks noChangeAspect="1"/>
-          </p:cNvPicPr>
-          <p:nvPr/>
+          <p:nvPr>
+            <p:ph sz="half" idx="2"/>
+          </p:nvPr>
         </p:nvPicPr>
         <p:blipFill>
           <a:blip r:embed="rId3"/>
@@ -5898,162 +5862,40 @@
         </p:blipFill>
         <p:spPr>
           <a:xfrm>
-            <a:off x="3838253" y="1690688"/>
-            <a:ext cx="4284000" cy="4284000"/>
+            <a:off x="619747" y="1390012"/>
+            <a:ext cx="5157787" cy="3016698"/>
           </a:xfrm>
-          <a:prstGeom prst="rect">
-            <a:avLst/>
-          </a:prstGeom>
         </p:spPr>
       </p:pic>
-    </p:spTree>
-    <p:extLst>
-      <p:ext uri="{BB962C8B-B14F-4D97-AF65-F5344CB8AC3E}">
-        <p14:creationId xmlns:p14="http://schemas.microsoft.com/office/powerpoint/2010/main" val="1692920784"/>
-      </p:ext>
-    </p:extLst>
-  </p:cSld>
-  <p:clrMapOvr>
-    <a:masterClrMapping/>
-  </p:clrMapOvr>
-</p:sld>
-</file>
-
-<file path=ppt/slides/slide2.xml><?xml version="1.0" encoding="utf-8"?>
-<p:sld xmlns:a="http://schemas.openxmlformats.org/drawingml/2006/main" xmlns:r="http://schemas.openxmlformats.org/officeDocument/2006/relationships" xmlns:p="http://schemas.openxmlformats.org/presentationml/2006/main">
-  <p:cSld>
-    <p:spTree>
-      <p:nvGrpSpPr>
-        <p:cNvPr id="1" name=""/>
-        <p:cNvGrpSpPr/>
-        <p:nvPr/>
-      </p:nvGrpSpPr>
-      <p:grpSpPr>
-        <a:xfrm>
-          <a:off x="0" y="0"/>
-          <a:ext cx="0" cy="0"/>
-          <a:chOff x="0" y="0"/>
-          <a:chExt cx="0" cy="0"/>
-        </a:xfrm>
-      </p:grpSpPr>
-      <p:sp>
-        <p:nvSpPr>
-          <p:cNvPr id="2" name="Title 1">
-            <a:extLst>
-              <a:ext uri="{FF2B5EF4-FFF2-40B4-BE49-F238E27FC236}">
-                <a16:creationId xmlns:a16="http://schemas.microsoft.com/office/drawing/2014/main" id="{76FEEBD0-899A-0836-316B-8B1C5EACA3FC}"/>
-              </a:ext>
-            </a:extLst>
-          </p:cNvPr>
-          <p:cNvSpPr>
-            <a:spLocks noGrp="1"/>
-          </p:cNvSpPr>
-          <p:nvPr>
-            <p:ph type="title"/>
-          </p:nvPr>
-        </p:nvSpPr>
-        <p:spPr/>
-        <p:txBody>
-          <a:bodyPr anchor="t">
-            <a:normAutofit/>
-          </a:bodyPr>
-          <a:lstStyle/>
-          <a:p>
-            <a:pPr algn="ctr"/>
-            <a:r>
-              <a:rPr lang="en-DE" sz="3200" dirty="0">
-                <a:latin typeface="Arial" panose="020B0604020202020204" pitchFamily="34" charset="0"/>
-                <a:cs typeface="Arial" panose="020B0604020202020204" pitchFamily="34" charset="0"/>
-              </a:rPr>
-              <a:t>1.1 ⎯ Dataset Characteristics – General Evaluation</a:t>
-            </a:r>
-            <a:endParaRPr lang="en-DE" sz="3200" i="1" dirty="0">
-              <a:latin typeface="Arial" panose="020B0604020202020204" pitchFamily="34" charset="0"/>
-              <a:cs typeface="Arial" panose="020B0604020202020204" pitchFamily="34" charset="0"/>
-            </a:endParaRPr>
-          </a:p>
-        </p:txBody>
-      </p:sp>
-      <p:sp>
-        <p:nvSpPr>
-          <p:cNvPr id="4" name="Content Placeholder 3">
-            <a:extLst>
-              <a:ext uri="{FF2B5EF4-FFF2-40B4-BE49-F238E27FC236}">
-                <a16:creationId xmlns:a16="http://schemas.microsoft.com/office/drawing/2014/main" id="{37299919-F1DD-2701-539A-BCF6E0C6B3CD}"/>
-              </a:ext>
-            </a:extLst>
-          </p:cNvPr>
-          <p:cNvSpPr>
-            <a:spLocks noGrp="1"/>
-          </p:cNvSpPr>
-          <p:nvPr>
-            <p:ph idx="1"/>
-          </p:nvPr>
-        </p:nvSpPr>
+      <p:pic>
+        <p:nvPicPr>
+          <p:cNvPr id="12" name="Content Placeholder 11">
+            <a:extLst>
+              <a:ext uri="{FF2B5EF4-FFF2-40B4-BE49-F238E27FC236}">
+                <a16:creationId xmlns:a16="http://schemas.microsoft.com/office/drawing/2014/main" id="{94879E17-DD4F-89BC-76F1-95EFA8714ED4}"/>
+              </a:ext>
+            </a:extLst>
+          </p:cNvPr>
+          <p:cNvPicPr>
+            <a:picLocks noGrp="1" noChangeAspect="1"/>
+          </p:cNvPicPr>
+          <p:nvPr>
+            <p:ph sz="quarter" idx="4"/>
+          </p:nvPr>
+        </p:nvPicPr>
+        <p:blipFill>
+          <a:blip r:embed="rId4"/>
+          <a:stretch>
+            <a:fillRect/>
+          </a:stretch>
+        </p:blipFill>
         <p:spPr>
           <a:xfrm>
-            <a:off x="838200" y="1030147"/>
-            <a:ext cx="10515600" cy="5146816"/>
+            <a:off x="6172200" y="1390012"/>
+            <a:ext cx="5183188" cy="3031554"/>
           </a:xfrm>
         </p:spPr>
-        <p:txBody>
-          <a:bodyPr>
-            <a:normAutofit/>
-          </a:bodyPr>
-          <a:lstStyle/>
-          <a:p>
-            <a:pPr marL="0" indent="0">
-              <a:buNone/>
-            </a:pPr>
-            <a:r>
-              <a:rPr lang="en-DE" sz="2400" dirty="0">
-                <a:latin typeface="Arial" panose="020B0604020202020204" pitchFamily="34" charset="0"/>
-                <a:cs typeface="Arial" panose="020B0604020202020204" pitchFamily="34" charset="0"/>
-              </a:rPr>
-              <a:t>Preparation of dataset </a:t>
-            </a:r>
-          </a:p>
-          <a:p>
-            <a:r>
-              <a:rPr lang="en-DE" sz="2000" dirty="0">
-                <a:latin typeface="Arial" panose="020B0604020202020204" pitchFamily="34" charset="0"/>
-                <a:cs typeface="Arial" panose="020B0604020202020204" pitchFamily="34" charset="0"/>
-              </a:rPr>
-              <a:t>Merging the given data sets and removing all data without sales + adding additional features</a:t>
-            </a:r>
-          </a:p>
-          <a:p>
-            <a:r>
-              <a:rPr lang="en-DE" sz="2000" dirty="0">
-                <a:latin typeface="Arial" panose="020B0604020202020204" pitchFamily="34" charset="0"/>
-                <a:cs typeface="Arial" panose="020B0604020202020204" pitchFamily="34" charset="0"/>
-              </a:rPr>
-              <a:t>Exploring the dataset</a:t>
-            </a:r>
-          </a:p>
-          <a:p>
-            <a:endParaRPr lang="en-DE" sz="2000" dirty="0">
-              <a:latin typeface="Arial" panose="020B0604020202020204" pitchFamily="34" charset="0"/>
-              <a:cs typeface="Arial" panose="020B0604020202020204" pitchFamily="34" charset="0"/>
-            </a:endParaRPr>
-          </a:p>
-          <a:p>
-            <a:pPr marL="0" indent="0">
-              <a:buNone/>
-            </a:pPr>
-            <a:endParaRPr lang="en-DE" sz="2400" dirty="0"/>
-          </a:p>
-          <a:p>
-            <a:endParaRPr lang="en-DE" sz="2400" dirty="0"/>
-          </a:p>
-          <a:p>
-            <a:pPr marL="0" indent="0">
-              <a:buNone/>
-            </a:pPr>
-            <a:endParaRPr lang="en-DE" sz="2400" dirty="0"/>
-          </a:p>
-        </p:txBody>
-      </p:sp>
+      </p:pic>
       <p:pic>
         <p:nvPicPr>
           <p:cNvPr id="16" name="Picture 15">
@@ -6069,7 +5911,7 @@
           <p:nvPr/>
         </p:nvPicPr>
         <p:blipFill>
-          <a:blip r:embed="rId3"/>
+          <a:blip r:embed="rId5"/>
           <a:stretch>
             <a:fillRect/>
           </a:stretch>
@@ -6215,40 +6057,10 @@
           </a:p>
         </p:txBody>
       </p:sp>
-      <p:pic>
-        <p:nvPicPr>
-          <p:cNvPr id="6" name="Picture 5">
-            <a:extLst>
-              <a:ext uri="{FF2B5EF4-FFF2-40B4-BE49-F238E27FC236}">
-                <a16:creationId xmlns:a16="http://schemas.microsoft.com/office/drawing/2014/main" id="{CB56922B-CBBD-3C87-56DC-F6A12E439FE3}"/>
-              </a:ext>
-            </a:extLst>
-          </p:cNvPr>
-          <p:cNvPicPr>
-            <a:picLocks noChangeAspect="1"/>
-          </p:cNvPicPr>
-          <p:nvPr/>
-        </p:nvPicPr>
-        <p:blipFill>
-          <a:blip r:embed="rId4"/>
-          <a:stretch>
-            <a:fillRect/>
-          </a:stretch>
-        </p:blipFill>
-        <p:spPr>
-          <a:xfrm>
-            <a:off x="1955398" y="2478572"/>
-            <a:ext cx="7772400" cy="3698391"/>
-          </a:xfrm>
-          <a:prstGeom prst="rect">
-            <a:avLst/>
-          </a:prstGeom>
-        </p:spPr>
-      </p:pic>
     </p:spTree>
     <p:extLst>
       <p:ext uri="{BB962C8B-B14F-4D97-AF65-F5344CB8AC3E}">
-        <p14:creationId xmlns:p14="http://schemas.microsoft.com/office/powerpoint/2010/main" val="1212487470"/>
+        <p14:creationId xmlns:p14="http://schemas.microsoft.com/office/powerpoint/2010/main" val="1015118730"/>
       </p:ext>
     </p:extLst>
   </p:cSld>
@@ -6258,7 +6070,7 @@
 </p:sld>
 </file>
 
-<file path=ppt/slides/slide3.xml><?xml version="1.0" encoding="utf-8"?>
+<file path=ppt/slides/slide4.xml><?xml version="1.0" encoding="utf-8"?>
 <p:sld xmlns:a="http://schemas.openxmlformats.org/drawingml/2006/main" xmlns:r="http://schemas.openxmlformats.org/officeDocument/2006/relationships" xmlns:p="http://schemas.openxmlformats.org/presentationml/2006/main">
   <p:cSld>
     <p:spTree>
@@ -6304,167 +6116,15 @@
                 <a:latin typeface="Arial" panose="020B0604020202020204" pitchFamily="34" charset="0"/>
                 <a:cs typeface="Arial" panose="020B0604020202020204" pitchFamily="34" charset="0"/>
               </a:rPr>
-              <a:t>1.2 ⎯ Dataset Characteristics – Feature </a:t>
-            </a:r>
-            <a:r>
-              <a:rPr lang="en-DE" sz="3200" i="1" dirty="0">
-                <a:latin typeface="Arial" panose="020B0604020202020204" pitchFamily="34" charset="0"/>
-                <a:cs typeface="Arial" panose="020B0604020202020204" pitchFamily="34" charset="0"/>
-              </a:rPr>
-              <a:t>Ferientage</a:t>
-            </a:r>
-          </a:p>
-        </p:txBody>
-      </p:sp>
-      <p:sp>
-        <p:nvSpPr>
-          <p:cNvPr id="15" name="Text Placeholder 14">
-            <a:extLst>
-              <a:ext uri="{FF2B5EF4-FFF2-40B4-BE49-F238E27FC236}">
-                <a16:creationId xmlns:a16="http://schemas.microsoft.com/office/drawing/2014/main" id="{7F9924BB-44AD-7794-008F-F9686C404D39}"/>
-              </a:ext>
-            </a:extLst>
-          </p:cNvPr>
-          <p:cNvSpPr>
-            <a:spLocks noGrp="1"/>
-          </p:cNvSpPr>
-          <p:nvPr>
-            <p:ph type="body" idx="1"/>
-          </p:nvPr>
-        </p:nvSpPr>
-        <p:spPr>
-          <a:xfrm>
-            <a:off x="619746" y="4520336"/>
-            <a:ext cx="10735641" cy="1197557"/>
-          </a:xfrm>
-        </p:spPr>
-        <p:txBody>
-          <a:bodyPr>
-            <a:normAutofit/>
-          </a:bodyPr>
-          <a:lstStyle/>
-          <a:p>
-            <a:pPr algn="just"/>
-            <a:r>
-              <a:rPr lang="en-DE" sz="2000" dirty="0">
-                <a:latin typeface="Arial" panose="020B0604020202020204" pitchFamily="34" charset="0"/>
-                <a:cs typeface="Arial" panose="020B0604020202020204" pitchFamily="34" charset="0"/>
-              </a:rPr>
-              <a:t>Note</a:t>
-            </a:r>
-            <a:r>
-              <a:rPr lang="en-DE" sz="2000" b="0" dirty="0">
-                <a:latin typeface="Arial" panose="020B0604020202020204" pitchFamily="34" charset="0"/>
-                <a:cs typeface="Arial" panose="020B0604020202020204" pitchFamily="34" charset="0"/>
-              </a:rPr>
-              <a:t>: Weekends are not considered </a:t>
-            </a:r>
-            <a:r>
-              <a:rPr lang="en-DE" sz="2000" b="0" i="1" dirty="0">
-                <a:latin typeface="Arial" panose="020B0604020202020204" pitchFamily="34" charset="0"/>
-                <a:cs typeface="Arial" panose="020B0604020202020204" pitchFamily="34" charset="0"/>
-              </a:rPr>
-              <a:t>Ferientage</a:t>
-            </a:r>
-            <a:r>
-              <a:rPr lang="en-DE" sz="2000" b="0" dirty="0">
-                <a:latin typeface="Arial" panose="020B0604020202020204" pitchFamily="34" charset="0"/>
-                <a:cs typeface="Arial" panose="020B0604020202020204" pitchFamily="34" charset="0"/>
-              </a:rPr>
-              <a:t> by default.</a:t>
-            </a:r>
-          </a:p>
-          <a:p>
-            <a:pPr algn="just"/>
-            <a:r>
-              <a:rPr lang="en-GB" sz="2000" b="0" dirty="0">
-                <a:latin typeface="Arial" panose="020B0604020202020204" pitchFamily="34" charset="0"/>
-                <a:cs typeface="Arial" panose="020B0604020202020204" pitchFamily="34" charset="0"/>
-              </a:rPr>
-              <a:t>T</a:t>
-            </a:r>
-            <a:r>
-              <a:rPr lang="en-DE" sz="2000" b="0" dirty="0">
-                <a:latin typeface="Arial" panose="020B0604020202020204" pitchFamily="34" charset="0"/>
-                <a:cs typeface="Arial" panose="020B0604020202020204" pitchFamily="34" charset="0"/>
-              </a:rPr>
-              <a:t>he plot just taking the time frame </a:t>
-            </a:r>
-            <a:r>
-              <a:rPr lang="en-DE" sz="2000" b="0" i="1" dirty="0">
-                <a:latin typeface="Arial" panose="020B0604020202020204" pitchFamily="34" charset="0"/>
-                <a:cs typeface="Arial" panose="020B0604020202020204" pitchFamily="34" charset="0"/>
-              </a:rPr>
-              <a:t>Ferientage</a:t>
-            </a:r>
-            <a:r>
-              <a:rPr lang="en-DE" sz="2000" b="0" dirty="0">
-                <a:latin typeface="Arial" panose="020B0604020202020204" pitchFamily="34" charset="0"/>
-                <a:cs typeface="Arial" panose="020B0604020202020204" pitchFamily="34" charset="0"/>
-              </a:rPr>
-              <a:t> into acount shows a reasonable increase of sales. However, there are no outlier.</a:t>
-            </a:r>
-          </a:p>
-        </p:txBody>
-      </p:sp>
-      <p:pic>
-        <p:nvPicPr>
-          <p:cNvPr id="10" name="Content Placeholder 9">
-            <a:extLst>
-              <a:ext uri="{FF2B5EF4-FFF2-40B4-BE49-F238E27FC236}">
-                <a16:creationId xmlns:a16="http://schemas.microsoft.com/office/drawing/2014/main" id="{C8CD472C-C1BC-83C4-8A91-6A64E35C6DF4}"/>
-              </a:ext>
-            </a:extLst>
-          </p:cNvPr>
-          <p:cNvPicPr>
-            <a:picLocks noGrp="1" noChangeAspect="1"/>
-          </p:cNvPicPr>
-          <p:nvPr>
-            <p:ph sz="half" idx="2"/>
-          </p:nvPr>
-        </p:nvPicPr>
-        <p:blipFill>
-          <a:blip r:embed="rId3"/>
-          <a:stretch>
-            <a:fillRect/>
-          </a:stretch>
-        </p:blipFill>
-        <p:spPr>
-          <a:xfrm>
-            <a:off x="619747" y="1390012"/>
-            <a:ext cx="5157787" cy="3016698"/>
-          </a:xfrm>
-        </p:spPr>
-      </p:pic>
-      <p:pic>
-        <p:nvPicPr>
-          <p:cNvPr id="12" name="Content Placeholder 11">
-            <a:extLst>
-              <a:ext uri="{FF2B5EF4-FFF2-40B4-BE49-F238E27FC236}">
-                <a16:creationId xmlns:a16="http://schemas.microsoft.com/office/drawing/2014/main" id="{94879E17-DD4F-89BC-76F1-95EFA8714ED4}"/>
-              </a:ext>
-            </a:extLst>
-          </p:cNvPr>
-          <p:cNvPicPr>
-            <a:picLocks noGrp="1" noChangeAspect="1"/>
-          </p:cNvPicPr>
-          <p:nvPr>
-            <p:ph sz="quarter" idx="4"/>
-          </p:nvPr>
-        </p:nvPicPr>
-        <p:blipFill>
-          <a:blip r:embed="rId4"/>
-          <a:stretch>
-            <a:fillRect/>
-          </a:stretch>
-        </p:blipFill>
-        <p:spPr>
-          <a:xfrm>
-            <a:off x="6172200" y="1390012"/>
-            <a:ext cx="5183188" cy="3031554"/>
-          </a:xfrm>
-        </p:spPr>
-      </p:pic>
+              <a:t>1.3 ⎯ Dataset Characteristics – Feature Season</a:t>
+            </a:r>
+            <a:endParaRPr lang="en-DE" sz="3200" i="1" dirty="0">
+              <a:latin typeface="Arial" panose="020B0604020202020204" pitchFamily="34" charset="0"/>
+              <a:cs typeface="Arial" panose="020B0604020202020204" pitchFamily="34" charset="0"/>
+            </a:endParaRPr>
+          </a:p>
+        </p:txBody>
+      </p:sp>
       <p:pic>
         <p:nvPicPr>
           <p:cNvPr id="16" name="Picture 15">
@@ -6480,7 +6140,7 @@
           <p:nvPr/>
         </p:nvPicPr>
         <p:blipFill>
-          <a:blip r:embed="rId5"/>
+          <a:blip r:embed="rId3"/>
           <a:stretch>
             <a:fillRect/>
           </a:stretch>
@@ -6626,10 +6286,492 @@
           </a:p>
         </p:txBody>
       </p:sp>
+      <p:pic>
+        <p:nvPicPr>
+          <p:cNvPr id="14" name="Content Placeholder 13">
+            <a:extLst>
+              <a:ext uri="{FF2B5EF4-FFF2-40B4-BE49-F238E27FC236}">
+                <a16:creationId xmlns:a16="http://schemas.microsoft.com/office/drawing/2014/main" id="{04837B78-3B04-5A6D-EB72-14EAF2ECC297}"/>
+              </a:ext>
+            </a:extLst>
+          </p:cNvPr>
+          <p:cNvPicPr>
+            <a:picLocks noGrp="1" noChangeAspect="1"/>
+          </p:cNvPicPr>
+          <p:nvPr>
+            <p:ph sz="half" idx="2"/>
+          </p:nvPr>
+        </p:nvPicPr>
+        <p:blipFill>
+          <a:blip r:embed="rId4"/>
+          <a:stretch>
+            <a:fillRect/>
+          </a:stretch>
+        </p:blipFill>
+        <p:spPr>
+          <a:xfrm>
+            <a:off x="573570" y="1202058"/>
+            <a:ext cx="5156321" cy="3405600"/>
+          </a:xfrm>
+        </p:spPr>
+      </p:pic>
+      <p:pic>
+        <p:nvPicPr>
+          <p:cNvPr id="18" name="Content Placeholder 17">
+            <a:extLst>
+              <a:ext uri="{FF2B5EF4-FFF2-40B4-BE49-F238E27FC236}">
+                <a16:creationId xmlns:a16="http://schemas.microsoft.com/office/drawing/2014/main" id="{4240A303-928B-7720-B40E-C31317232AEC}"/>
+              </a:ext>
+            </a:extLst>
+          </p:cNvPr>
+          <p:cNvPicPr>
+            <a:picLocks noGrp="1" noChangeAspect="1"/>
+          </p:cNvPicPr>
+          <p:nvPr>
+            <p:ph sz="quarter" idx="4"/>
+          </p:nvPr>
+        </p:nvPicPr>
+        <p:blipFill>
+          <a:blip r:embed="rId5"/>
+          <a:stretch>
+            <a:fillRect/>
+          </a:stretch>
+        </p:blipFill>
+        <p:spPr>
+          <a:xfrm>
+            <a:off x="6096000" y="1185282"/>
+            <a:ext cx="5183188" cy="3423344"/>
+          </a:xfrm>
+        </p:spPr>
+      </p:pic>
+      <p:sp>
+        <p:nvSpPr>
+          <p:cNvPr id="25" name="Text Placeholder 14">
+            <a:extLst>
+              <a:ext uri="{FF2B5EF4-FFF2-40B4-BE49-F238E27FC236}">
+                <a16:creationId xmlns:a16="http://schemas.microsoft.com/office/drawing/2014/main" id="{9EB61749-3185-95D0-DC20-B2B8E651E949}"/>
+              </a:ext>
+            </a:extLst>
+          </p:cNvPr>
+          <p:cNvSpPr>
+            <a:spLocks noGrp="1"/>
+          </p:cNvSpPr>
+          <p:nvPr>
+            <p:ph type="body" idx="1"/>
+          </p:nvPr>
+        </p:nvSpPr>
+        <p:spPr>
+          <a:xfrm>
+            <a:off x="573570" y="4830004"/>
+            <a:ext cx="10705618" cy="1197557"/>
+          </a:xfrm>
+        </p:spPr>
+        <p:txBody>
+          <a:bodyPr>
+            <a:normAutofit lnSpcReduction="10000"/>
+          </a:bodyPr>
+          <a:lstStyle/>
+          <a:p>
+            <a:pPr algn="just"/>
+            <a:r>
+              <a:rPr lang="en-DE" sz="2000" dirty="0">
+                <a:latin typeface="Arial" panose="020B0604020202020204" pitchFamily="34" charset="0"/>
+                <a:cs typeface="Arial" panose="020B0604020202020204" pitchFamily="34" charset="0"/>
+              </a:rPr>
+              <a:t>Note</a:t>
+            </a:r>
+            <a:r>
+              <a:rPr lang="en-DE" sz="2000" b="0" dirty="0">
+                <a:latin typeface="Arial" panose="020B0604020202020204" pitchFamily="34" charset="0"/>
+                <a:cs typeface="Arial" panose="020B0604020202020204" pitchFamily="34" charset="0"/>
+              </a:rPr>
+              <a:t>: Only </a:t>
+            </a:r>
+            <a:r>
+              <a:rPr lang="en-DE" sz="2000" b="0" i="1" dirty="0">
+                <a:latin typeface="Arial" panose="020B0604020202020204" pitchFamily="34" charset="0"/>
+                <a:cs typeface="Arial" panose="020B0604020202020204" pitchFamily="34" charset="0"/>
+              </a:rPr>
+              <a:t>Summer</a:t>
+            </a:r>
+            <a:r>
+              <a:rPr lang="en-DE" sz="2000" b="0" dirty="0">
+                <a:latin typeface="Arial" panose="020B0604020202020204" pitchFamily="34" charset="0"/>
+                <a:cs typeface="Arial" panose="020B0604020202020204" pitchFamily="34" charset="0"/>
+              </a:rPr>
+              <a:t> and </a:t>
+            </a:r>
+            <a:r>
+              <a:rPr lang="en-DE" sz="2000" b="0" i="1" dirty="0">
+                <a:latin typeface="Arial" panose="020B0604020202020204" pitchFamily="34" charset="0"/>
+                <a:cs typeface="Arial" panose="020B0604020202020204" pitchFamily="34" charset="0"/>
+              </a:rPr>
+              <a:t>Winter</a:t>
+            </a:r>
+            <a:r>
+              <a:rPr lang="en-DE" sz="2000" b="0" dirty="0">
+                <a:latin typeface="Arial" panose="020B0604020202020204" pitchFamily="34" charset="0"/>
+                <a:cs typeface="Arial" panose="020B0604020202020204" pitchFamily="34" charset="0"/>
+              </a:rPr>
+              <a:t> are shown here as </a:t>
+            </a:r>
+            <a:r>
+              <a:rPr lang="en-DE" sz="2000" b="0" i="1" dirty="0">
+                <a:latin typeface="Arial" panose="020B0604020202020204" pitchFamily="34" charset="0"/>
+                <a:cs typeface="Arial" panose="020B0604020202020204" pitchFamily="34" charset="0"/>
+              </a:rPr>
+              <a:t>Spring</a:t>
+            </a:r>
+            <a:r>
+              <a:rPr lang="en-DE" sz="2000" b="0" dirty="0">
+                <a:latin typeface="Arial" panose="020B0604020202020204" pitchFamily="34" charset="0"/>
+                <a:cs typeface="Arial" panose="020B0604020202020204" pitchFamily="34" charset="0"/>
+              </a:rPr>
+              <a:t> matches </a:t>
+            </a:r>
+            <a:r>
+              <a:rPr lang="en-DE" sz="2000" b="0" i="1" dirty="0">
+                <a:latin typeface="Arial" panose="020B0604020202020204" pitchFamily="34" charset="0"/>
+                <a:cs typeface="Arial" panose="020B0604020202020204" pitchFamily="34" charset="0"/>
+              </a:rPr>
+              <a:t>Summer</a:t>
+            </a:r>
+            <a:r>
+              <a:rPr lang="en-DE" sz="2000" b="0" dirty="0">
+                <a:latin typeface="Arial" panose="020B0604020202020204" pitchFamily="34" charset="0"/>
+                <a:cs typeface="Arial" panose="020B0604020202020204" pitchFamily="34" charset="0"/>
+              </a:rPr>
+              <a:t> and </a:t>
+            </a:r>
+            <a:r>
+              <a:rPr lang="en-DE" sz="2000" b="0" i="1" dirty="0">
+                <a:latin typeface="Arial" panose="020B0604020202020204" pitchFamily="34" charset="0"/>
+                <a:cs typeface="Arial" panose="020B0604020202020204" pitchFamily="34" charset="0"/>
+              </a:rPr>
+              <a:t>Autumn</a:t>
+            </a:r>
+            <a:r>
+              <a:rPr lang="en-DE" sz="2000" b="0" dirty="0">
+                <a:latin typeface="Arial" panose="020B0604020202020204" pitchFamily="34" charset="0"/>
+                <a:cs typeface="Arial" panose="020B0604020202020204" pitchFamily="34" charset="0"/>
+              </a:rPr>
+              <a:t> is showing similar behaviour like </a:t>
+            </a:r>
+            <a:r>
+              <a:rPr lang="en-DE" sz="2000" b="0" i="1" dirty="0">
+                <a:latin typeface="Arial" panose="020B0604020202020204" pitchFamily="34" charset="0"/>
+                <a:cs typeface="Arial" panose="020B0604020202020204" pitchFamily="34" charset="0"/>
+              </a:rPr>
+              <a:t>Winter</a:t>
+            </a:r>
+            <a:r>
+              <a:rPr lang="en-DE" sz="2000" b="0" dirty="0">
+                <a:latin typeface="Arial" panose="020B0604020202020204" pitchFamily="34" charset="0"/>
+                <a:cs typeface="Arial" panose="020B0604020202020204" pitchFamily="34" charset="0"/>
+              </a:rPr>
+              <a:t>.</a:t>
+            </a:r>
+          </a:p>
+          <a:p>
+            <a:pPr algn="just"/>
+            <a:r>
+              <a:rPr lang="de-DE" sz="2000" b="0" dirty="0">
+                <a:latin typeface="Arial" panose="020B0604020202020204" pitchFamily="34" charset="0"/>
+                <a:cs typeface="Arial" panose="020B0604020202020204" pitchFamily="34" charset="0"/>
+              </a:rPr>
+              <a:t>The </a:t>
+            </a:r>
+            <a:r>
+              <a:rPr lang="de-DE" sz="2000" b="0" dirty="0" err="1">
+                <a:latin typeface="Arial" panose="020B0604020202020204" pitchFamily="34" charset="0"/>
+                <a:cs typeface="Arial" panose="020B0604020202020204" pitchFamily="34" charset="0"/>
+              </a:rPr>
+              <a:t>plots</a:t>
+            </a:r>
+            <a:r>
+              <a:rPr lang="de-DE" sz="2000" b="0" dirty="0">
+                <a:latin typeface="Arial" panose="020B0604020202020204" pitchFamily="34" charset="0"/>
+                <a:cs typeface="Arial" panose="020B0604020202020204" pitchFamily="34" charset="0"/>
+              </a:rPr>
+              <a:t> </a:t>
+            </a:r>
+            <a:r>
+              <a:rPr lang="de-DE" sz="2000" b="0" dirty="0" err="1">
+                <a:latin typeface="Arial" panose="020B0604020202020204" pitchFamily="34" charset="0"/>
+                <a:cs typeface="Arial" panose="020B0604020202020204" pitchFamily="34" charset="0"/>
+              </a:rPr>
+              <a:t>indicate</a:t>
+            </a:r>
+            <a:r>
+              <a:rPr lang="de-DE" sz="2000" b="0" dirty="0">
+                <a:latin typeface="Arial" panose="020B0604020202020204" pitchFamily="34" charset="0"/>
+                <a:cs typeface="Arial" panose="020B0604020202020204" pitchFamily="34" charset="0"/>
+              </a:rPr>
+              <a:t> </a:t>
+            </a:r>
+            <a:r>
+              <a:rPr lang="de-DE" sz="2000" b="0" dirty="0" err="1">
+                <a:latin typeface="Arial" panose="020B0604020202020204" pitchFamily="34" charset="0"/>
+                <a:cs typeface="Arial" panose="020B0604020202020204" pitchFamily="34" charset="0"/>
+              </a:rPr>
+              <a:t>that</a:t>
+            </a:r>
+            <a:r>
+              <a:rPr lang="de-DE" sz="2000" b="0" dirty="0">
+                <a:latin typeface="Arial" panose="020B0604020202020204" pitchFamily="34" charset="0"/>
+                <a:cs typeface="Arial" panose="020B0604020202020204" pitchFamily="34" charset="0"/>
+              </a:rPr>
+              <a:t> </a:t>
+            </a:r>
+            <a:r>
+              <a:rPr lang="de-DE" sz="2000" b="0" dirty="0" err="1">
+                <a:latin typeface="Arial" panose="020B0604020202020204" pitchFamily="34" charset="0"/>
+                <a:cs typeface="Arial" panose="020B0604020202020204" pitchFamily="34" charset="0"/>
+              </a:rPr>
+              <a:t>the</a:t>
+            </a:r>
+            <a:r>
+              <a:rPr lang="de-DE" sz="2000" b="0" dirty="0">
+                <a:latin typeface="Arial" panose="020B0604020202020204" pitchFamily="34" charset="0"/>
+                <a:cs typeface="Arial" panose="020B0604020202020204" pitchFamily="34" charset="0"/>
+              </a:rPr>
+              <a:t> </a:t>
+            </a:r>
+            <a:r>
+              <a:rPr lang="de-DE" sz="2000" b="0" dirty="0" err="1">
+                <a:latin typeface="Arial" panose="020B0604020202020204" pitchFamily="34" charset="0"/>
+                <a:cs typeface="Arial" panose="020B0604020202020204" pitchFamily="34" charset="0"/>
+              </a:rPr>
+              <a:t>average</a:t>
+            </a:r>
+            <a:r>
+              <a:rPr lang="de-DE" sz="2000" b="0" dirty="0">
+                <a:latin typeface="Arial" panose="020B0604020202020204" pitchFamily="34" charset="0"/>
+                <a:cs typeface="Arial" panose="020B0604020202020204" pitchFamily="34" charset="0"/>
+              </a:rPr>
+              <a:t> </a:t>
+            </a:r>
+            <a:r>
+              <a:rPr lang="de-DE" sz="2000" b="0" dirty="0" err="1">
+                <a:latin typeface="Arial" panose="020B0604020202020204" pitchFamily="34" charset="0"/>
+                <a:cs typeface="Arial" panose="020B0604020202020204" pitchFamily="34" charset="0"/>
+              </a:rPr>
+              <a:t>number</a:t>
+            </a:r>
+            <a:r>
+              <a:rPr lang="de-DE" sz="2000" b="0" dirty="0">
+                <a:latin typeface="Arial" panose="020B0604020202020204" pitchFamily="34" charset="0"/>
+                <a:cs typeface="Arial" panose="020B0604020202020204" pitchFamily="34" charset="0"/>
+              </a:rPr>
+              <a:t> </a:t>
+            </a:r>
+            <a:r>
+              <a:rPr lang="de-DE" sz="2000" b="0" dirty="0" err="1">
+                <a:latin typeface="Arial" panose="020B0604020202020204" pitchFamily="34" charset="0"/>
+                <a:cs typeface="Arial" panose="020B0604020202020204" pitchFamily="34" charset="0"/>
+              </a:rPr>
+              <a:t>of</a:t>
+            </a:r>
+            <a:r>
+              <a:rPr lang="de-DE" sz="2000" b="0" dirty="0">
+                <a:latin typeface="Arial" panose="020B0604020202020204" pitchFamily="34" charset="0"/>
+                <a:cs typeface="Arial" panose="020B0604020202020204" pitchFamily="34" charset="0"/>
+              </a:rPr>
+              <a:t> </a:t>
+            </a:r>
+            <a:r>
+              <a:rPr lang="de-DE" sz="2000" b="0" dirty="0" err="1">
+                <a:latin typeface="Arial" panose="020B0604020202020204" pitchFamily="34" charset="0"/>
+                <a:cs typeface="Arial" panose="020B0604020202020204" pitchFamily="34" charset="0"/>
+              </a:rPr>
+              <a:t>sales</a:t>
+            </a:r>
+            <a:r>
+              <a:rPr lang="de-DE" sz="2000" b="0" dirty="0">
+                <a:latin typeface="Arial" panose="020B0604020202020204" pitchFamily="34" charset="0"/>
+                <a:cs typeface="Arial" panose="020B0604020202020204" pitchFamily="34" charset="0"/>
+              </a:rPr>
+              <a:t> </a:t>
+            </a:r>
+            <a:r>
+              <a:rPr lang="de-DE" sz="2000" b="0" dirty="0" err="1">
+                <a:latin typeface="Arial" panose="020B0604020202020204" pitchFamily="34" charset="0"/>
+                <a:cs typeface="Arial" panose="020B0604020202020204" pitchFamily="34" charset="0"/>
+              </a:rPr>
+              <a:t>is</a:t>
+            </a:r>
+            <a:r>
+              <a:rPr lang="de-DE" sz="2000" b="0" dirty="0">
+                <a:latin typeface="Arial" panose="020B0604020202020204" pitchFamily="34" charset="0"/>
+                <a:cs typeface="Arial" panose="020B0604020202020204" pitchFamily="34" charset="0"/>
+              </a:rPr>
+              <a:t> </a:t>
+            </a:r>
+            <a:r>
+              <a:rPr lang="de-DE" sz="2000" b="0" dirty="0" err="1">
+                <a:latin typeface="Arial" panose="020B0604020202020204" pitchFamily="34" charset="0"/>
+                <a:cs typeface="Arial" panose="020B0604020202020204" pitchFamily="34" charset="0"/>
+              </a:rPr>
+              <a:t>definitely</a:t>
+            </a:r>
+            <a:r>
+              <a:rPr lang="de-DE" sz="2000" b="0" dirty="0">
+                <a:latin typeface="Arial" panose="020B0604020202020204" pitchFamily="34" charset="0"/>
+                <a:cs typeface="Arial" panose="020B0604020202020204" pitchFamily="34" charset="0"/>
+              </a:rPr>
+              <a:t> </a:t>
+            </a:r>
+            <a:r>
+              <a:rPr lang="de-DE" sz="2000" b="0" dirty="0" err="1">
+                <a:latin typeface="Arial" panose="020B0604020202020204" pitchFamily="34" charset="0"/>
+                <a:cs typeface="Arial" panose="020B0604020202020204" pitchFamily="34" charset="0"/>
+              </a:rPr>
+              <a:t>higher</a:t>
+            </a:r>
+            <a:r>
+              <a:rPr lang="de-DE" sz="2000" b="0" dirty="0">
+                <a:latin typeface="Arial" panose="020B0604020202020204" pitchFamily="34" charset="0"/>
+                <a:cs typeface="Arial" panose="020B0604020202020204" pitchFamily="34" charset="0"/>
+              </a:rPr>
+              <a:t> in </a:t>
+            </a:r>
+            <a:r>
+              <a:rPr lang="de-DE" sz="2000" b="0" dirty="0" err="1">
+                <a:latin typeface="Arial" panose="020B0604020202020204" pitchFamily="34" charset="0"/>
+                <a:cs typeface="Arial" panose="020B0604020202020204" pitchFamily="34" charset="0"/>
+              </a:rPr>
+              <a:t>summer</a:t>
+            </a:r>
+            <a:r>
+              <a:rPr lang="de-DE" sz="2000" b="0" dirty="0">
+                <a:latin typeface="Arial" panose="020B0604020202020204" pitchFamily="34" charset="0"/>
+                <a:cs typeface="Arial" panose="020B0604020202020204" pitchFamily="34" charset="0"/>
+              </a:rPr>
+              <a:t> (spring) </a:t>
+            </a:r>
+            <a:r>
+              <a:rPr lang="de-DE" sz="2000" b="0" dirty="0" err="1">
+                <a:latin typeface="Arial" panose="020B0604020202020204" pitchFamily="34" charset="0"/>
+                <a:cs typeface="Arial" panose="020B0604020202020204" pitchFamily="34" charset="0"/>
+              </a:rPr>
+              <a:t>assuming</a:t>
+            </a:r>
+            <a:r>
+              <a:rPr lang="de-DE" sz="2000" b="0" dirty="0">
+                <a:latin typeface="Arial" panose="020B0604020202020204" pitchFamily="34" charset="0"/>
+                <a:cs typeface="Arial" panose="020B0604020202020204" pitchFamily="34" charset="0"/>
+              </a:rPr>
+              <a:t> </a:t>
+            </a:r>
+            <a:r>
+              <a:rPr lang="de-DE" sz="2000" b="0" dirty="0" err="1">
+                <a:latin typeface="Arial" panose="020B0604020202020204" pitchFamily="34" charset="0"/>
+                <a:cs typeface="Arial" panose="020B0604020202020204" pitchFamily="34" charset="0"/>
+              </a:rPr>
+              <a:t>weather</a:t>
+            </a:r>
+            <a:r>
+              <a:rPr lang="de-DE" sz="2000" b="0" dirty="0">
+                <a:latin typeface="Arial" panose="020B0604020202020204" pitchFamily="34" charset="0"/>
+                <a:cs typeface="Arial" panose="020B0604020202020204" pitchFamily="34" charset="0"/>
+              </a:rPr>
+              <a:t> </a:t>
+            </a:r>
+            <a:r>
+              <a:rPr lang="de-DE" sz="2000" b="0" dirty="0" err="1">
+                <a:latin typeface="Arial" panose="020B0604020202020204" pitchFamily="34" charset="0"/>
+                <a:cs typeface="Arial" panose="020B0604020202020204" pitchFamily="34" charset="0"/>
+              </a:rPr>
+              <a:t>conditions</a:t>
+            </a:r>
+            <a:r>
+              <a:rPr lang="de-DE" sz="2000" b="0" dirty="0">
+                <a:latin typeface="Arial" panose="020B0604020202020204" pitchFamily="34" charset="0"/>
+                <a:cs typeface="Arial" panose="020B0604020202020204" pitchFamily="34" charset="0"/>
+              </a:rPr>
+              <a:t> </a:t>
+            </a:r>
+            <a:r>
+              <a:rPr lang="de-DE" sz="2000" b="0" dirty="0" err="1">
+                <a:latin typeface="Arial" panose="020B0604020202020204" pitchFamily="34" charset="0"/>
+                <a:cs typeface="Arial" panose="020B0604020202020204" pitchFamily="34" charset="0"/>
+              </a:rPr>
+              <a:t>are</a:t>
+            </a:r>
+            <a:r>
+              <a:rPr lang="de-DE" sz="2000" b="0" dirty="0">
+                <a:latin typeface="Arial" panose="020B0604020202020204" pitchFamily="34" charset="0"/>
+                <a:cs typeface="Arial" panose="020B0604020202020204" pitchFamily="34" charset="0"/>
+              </a:rPr>
+              <a:t> </a:t>
+            </a:r>
+            <a:r>
+              <a:rPr lang="de-DE" sz="2000" b="0" dirty="0" err="1">
+                <a:latin typeface="Arial" panose="020B0604020202020204" pitchFamily="34" charset="0"/>
+                <a:cs typeface="Arial" panose="020B0604020202020204" pitchFamily="34" charset="0"/>
+              </a:rPr>
+              <a:t>having</a:t>
+            </a:r>
+            <a:r>
+              <a:rPr lang="de-DE" sz="2000" b="0" dirty="0">
+                <a:latin typeface="Arial" panose="020B0604020202020204" pitchFamily="34" charset="0"/>
+                <a:cs typeface="Arial" panose="020B0604020202020204" pitchFamily="34" charset="0"/>
+              </a:rPr>
+              <a:t> an </a:t>
+            </a:r>
+            <a:r>
+              <a:rPr lang="de-DE" sz="2000" b="0" dirty="0" err="1">
+                <a:latin typeface="Arial" panose="020B0604020202020204" pitchFamily="34" charset="0"/>
+                <a:cs typeface="Arial" panose="020B0604020202020204" pitchFamily="34" charset="0"/>
+              </a:rPr>
+              <a:t>impact</a:t>
+            </a:r>
+            <a:r>
+              <a:rPr lang="de-DE" sz="2000" b="0" dirty="0">
+                <a:latin typeface="Arial" panose="020B0604020202020204" pitchFamily="34" charset="0"/>
+                <a:cs typeface="Arial" panose="020B0604020202020204" pitchFamily="34" charset="0"/>
+              </a:rPr>
+              <a:t> in </a:t>
+            </a:r>
+            <a:r>
+              <a:rPr lang="de-DE" sz="2000" b="0" dirty="0" err="1">
+                <a:latin typeface="Arial" panose="020B0604020202020204" pitchFamily="34" charset="0"/>
+                <a:cs typeface="Arial" panose="020B0604020202020204" pitchFamily="34" charset="0"/>
+              </a:rPr>
+              <a:t>purchase</a:t>
+            </a:r>
+            <a:r>
+              <a:rPr lang="de-DE" sz="2000" b="0" dirty="0">
+                <a:latin typeface="Arial" panose="020B0604020202020204" pitchFamily="34" charset="0"/>
+                <a:cs typeface="Arial" panose="020B0604020202020204" pitchFamily="34" charset="0"/>
+              </a:rPr>
+              <a:t> </a:t>
+            </a:r>
+            <a:r>
+              <a:rPr lang="de-DE" sz="2000" b="0" dirty="0" err="1">
+                <a:latin typeface="Arial" panose="020B0604020202020204" pitchFamily="34" charset="0"/>
+                <a:cs typeface="Arial" panose="020B0604020202020204" pitchFamily="34" charset="0"/>
+              </a:rPr>
+              <a:t>behaviour</a:t>
+            </a:r>
+            <a:r>
+              <a:rPr lang="de-DE" sz="2000" b="0" dirty="0">
+                <a:latin typeface="Arial" panose="020B0604020202020204" pitchFamily="34" charset="0"/>
+                <a:cs typeface="Arial" panose="020B0604020202020204" pitchFamily="34" charset="0"/>
+              </a:rPr>
+              <a:t>.</a:t>
+            </a:r>
+            <a:endParaRPr lang="en-DE" sz="2000" b="0" dirty="0">
+              <a:latin typeface="Arial" panose="020B0604020202020204" pitchFamily="34" charset="0"/>
+              <a:cs typeface="Arial" panose="020B0604020202020204" pitchFamily="34" charset="0"/>
+            </a:endParaRPr>
+          </a:p>
+        </p:txBody>
+      </p:sp>
     </p:spTree>
     <p:extLst>
       <p:ext uri="{BB962C8B-B14F-4D97-AF65-F5344CB8AC3E}">
-        <p14:creationId xmlns:p14="http://schemas.microsoft.com/office/powerpoint/2010/main" val="1015118730"/>
+        <p14:creationId xmlns:p14="http://schemas.microsoft.com/office/powerpoint/2010/main" val="1684026643"/>
       </p:ext>
     </p:extLst>
   </p:cSld>
@@ -6639,7 +6781,7 @@
 </p:sld>
 </file>
 
-<file path=ppt/slides/slide4.xml><?xml version="1.0" encoding="utf-8"?>
+<file path=ppt/slides/slide5.xml><?xml version="1.0" encoding="utf-8"?>
 <p:sld xmlns:a="http://schemas.openxmlformats.org/drawingml/2006/main" xmlns:r="http://schemas.openxmlformats.org/officeDocument/2006/relationships" xmlns:p="http://schemas.openxmlformats.org/presentationml/2006/main">
   <p:cSld>
     <p:spTree>
@@ -6685,9 +6827,400 @@
                 <a:latin typeface="Arial" panose="020B0604020202020204" pitchFamily="34" charset="0"/>
                 <a:cs typeface="Arial" panose="020B0604020202020204" pitchFamily="34" charset="0"/>
               </a:rPr>
-              <a:t>1.3 ⎯ Dataset Characteristics – Feature Season</a:t>
+              <a:t>2 ⎯ Baseline Model</a:t>
             </a:r>
             <a:endParaRPr lang="en-DE" sz="3200" i="1" dirty="0">
+              <a:latin typeface="Arial" panose="020B0604020202020204" pitchFamily="34" charset="0"/>
+              <a:cs typeface="Arial" panose="020B0604020202020204" pitchFamily="34" charset="0"/>
+            </a:endParaRPr>
+          </a:p>
+        </p:txBody>
+      </p:sp>
+      <p:sp>
+        <p:nvSpPr>
+          <p:cNvPr id="4" name="Content Placeholder 3">
+            <a:extLst>
+              <a:ext uri="{FF2B5EF4-FFF2-40B4-BE49-F238E27FC236}">
+                <a16:creationId xmlns:a16="http://schemas.microsoft.com/office/drawing/2014/main" id="{37299919-F1DD-2701-539A-BCF6E0C6B3CD}"/>
+              </a:ext>
+            </a:extLst>
+          </p:cNvPr>
+          <p:cNvSpPr>
+            <a:spLocks noGrp="1"/>
+          </p:cNvSpPr>
+          <p:nvPr>
+            <p:ph idx="1"/>
+          </p:nvPr>
+        </p:nvSpPr>
+        <p:spPr>
+          <a:xfrm>
+            <a:off x="838200" y="1030147"/>
+            <a:ext cx="10515600" cy="5146816"/>
+          </a:xfrm>
+        </p:spPr>
+        <p:txBody>
+          <a:bodyPr>
+            <a:normAutofit/>
+          </a:bodyPr>
+          <a:lstStyle/>
+          <a:p>
+            <a:pPr marL="457200" indent="-457200">
+              <a:buFont typeface="+mj-lt"/>
+              <a:buAutoNum type="arabicParenR"/>
+            </a:pPr>
+            <a:r>
+              <a:rPr lang="en-DE" sz="2000" b="1" dirty="0">
+                <a:latin typeface="Arial" panose="020B0604020202020204" pitchFamily="34" charset="0"/>
+                <a:cs typeface="Arial" panose="020B0604020202020204" pitchFamily="34" charset="0"/>
+              </a:rPr>
+              <a:t>Model </a:t>
+            </a:r>
+            <a:r>
+              <a:rPr lang="en-DE" sz="2000" dirty="0">
+                <a:latin typeface="Arial" panose="020B0604020202020204" pitchFamily="34" charset="0"/>
+                <a:cs typeface="Arial" panose="020B0604020202020204" pitchFamily="34" charset="0"/>
+              </a:rPr>
+              <a:t>	</a:t>
+            </a:r>
+          </a:p>
+          <a:p>
+            <a:pPr marL="457200" lvl="1" indent="0">
+              <a:buNone/>
+            </a:pPr>
+            <a:r>
+              <a:rPr lang="en-DE" sz="2000" dirty="0">
+                <a:latin typeface="Arial" panose="020B0604020202020204" pitchFamily="34" charset="0"/>
+                <a:cs typeface="Arial" panose="020B0604020202020204" pitchFamily="34" charset="0"/>
+              </a:rPr>
+              <a:t>Random Forest Regressor and incorporating polynomial features</a:t>
+            </a:r>
+          </a:p>
+          <a:p>
+            <a:pPr marL="457200" indent="-457200">
+              <a:buFont typeface="+mj-lt"/>
+              <a:buAutoNum type="arabicParenR"/>
+            </a:pPr>
+            <a:r>
+              <a:rPr lang="en-DE" sz="2000" b="1" dirty="0">
+                <a:latin typeface="Arial" panose="020B0604020202020204" pitchFamily="34" charset="0"/>
+                <a:cs typeface="Arial" panose="020B0604020202020204" pitchFamily="34" charset="0"/>
+              </a:rPr>
+              <a:t>Features</a:t>
+            </a:r>
+          </a:p>
+          <a:p>
+            <a:pPr marL="457200" lvl="1" indent="0">
+              <a:buNone/>
+            </a:pPr>
+            <a:r>
+              <a:rPr lang="en-GB" sz="2000" dirty="0">
+                <a:latin typeface="Arial" panose="020B0604020202020204" pitchFamily="34" charset="0"/>
+                <a:cs typeface="Arial" panose="020B0604020202020204" pitchFamily="34" charset="0"/>
+              </a:rPr>
+              <a:t>'</a:t>
+            </a:r>
+            <a:r>
+              <a:rPr lang="en-GB" sz="2000" dirty="0" err="1">
+                <a:latin typeface="Arial" panose="020B0604020202020204" pitchFamily="34" charset="0"/>
+                <a:cs typeface="Arial" panose="020B0604020202020204" pitchFamily="34" charset="0"/>
+              </a:rPr>
+              <a:t>Temperatur</a:t>
+            </a:r>
+            <a:r>
+              <a:rPr lang="en-GB" sz="2000" dirty="0">
+                <a:latin typeface="Arial" panose="020B0604020202020204" pitchFamily="34" charset="0"/>
+                <a:cs typeface="Arial" panose="020B0604020202020204" pitchFamily="34" charset="0"/>
+              </a:rPr>
+              <a:t>', '</a:t>
+            </a:r>
+            <a:r>
+              <a:rPr lang="en-GB" sz="2000" dirty="0" err="1">
+                <a:latin typeface="Arial" panose="020B0604020202020204" pitchFamily="34" charset="0"/>
+                <a:cs typeface="Arial" panose="020B0604020202020204" pitchFamily="34" charset="0"/>
+              </a:rPr>
+              <a:t>KielerWoche</a:t>
+            </a:r>
+            <a:r>
+              <a:rPr lang="en-GB" sz="2000" dirty="0">
+                <a:latin typeface="Arial" panose="020B0604020202020204" pitchFamily="34" charset="0"/>
+                <a:cs typeface="Arial" panose="020B0604020202020204" pitchFamily="34" charset="0"/>
+              </a:rPr>
+              <a:t>', '</a:t>
+            </a:r>
+            <a:r>
+              <a:rPr lang="en-GB" sz="2000" dirty="0" err="1">
+                <a:latin typeface="Arial" panose="020B0604020202020204" pitchFamily="34" charset="0"/>
+                <a:cs typeface="Arial" panose="020B0604020202020204" pitchFamily="34" charset="0"/>
+              </a:rPr>
+              <a:t>Warengruppe</a:t>
+            </a:r>
+            <a:r>
+              <a:rPr lang="en-GB" sz="2000" dirty="0">
+                <a:latin typeface="Arial" panose="020B0604020202020204" pitchFamily="34" charset="0"/>
+                <a:cs typeface="Arial" panose="020B0604020202020204" pitchFamily="34" charset="0"/>
+              </a:rPr>
+              <a:t>', '</a:t>
+            </a:r>
+            <a:r>
+              <a:rPr lang="en-GB" sz="2000" dirty="0" err="1">
+                <a:latin typeface="Arial" panose="020B0604020202020204" pitchFamily="34" charset="0"/>
+                <a:cs typeface="Arial" panose="020B0604020202020204" pitchFamily="34" charset="0"/>
+              </a:rPr>
+              <a:t>Bewoelkung</a:t>
+            </a:r>
+            <a:r>
+              <a:rPr lang="en-GB" sz="2000" dirty="0">
+                <a:latin typeface="Arial" panose="020B0604020202020204" pitchFamily="34" charset="0"/>
+                <a:cs typeface="Arial" panose="020B0604020202020204" pitchFamily="34" charset="0"/>
+              </a:rPr>
+              <a:t>', '</a:t>
+            </a:r>
+            <a:r>
+              <a:rPr lang="en-GB" sz="2000" dirty="0" err="1">
+                <a:latin typeface="Arial" panose="020B0604020202020204" pitchFamily="34" charset="0"/>
+                <a:cs typeface="Arial" panose="020B0604020202020204" pitchFamily="34" charset="0"/>
+              </a:rPr>
+              <a:t>Windgeschwindigkeit</a:t>
+            </a:r>
+            <a:r>
+              <a:rPr lang="en-GB" sz="2000" dirty="0">
+                <a:latin typeface="Arial" panose="020B0604020202020204" pitchFamily="34" charset="0"/>
+                <a:cs typeface="Arial" panose="020B0604020202020204" pitchFamily="34" charset="0"/>
+              </a:rPr>
+              <a:t>', '</a:t>
+            </a:r>
+            <a:r>
+              <a:rPr lang="en-GB" sz="2000" dirty="0" err="1">
+                <a:latin typeface="Arial" panose="020B0604020202020204" pitchFamily="34" charset="0"/>
+                <a:cs typeface="Arial" panose="020B0604020202020204" pitchFamily="34" charset="0"/>
+              </a:rPr>
+              <a:t>Feiertage</a:t>
+            </a:r>
+            <a:r>
+              <a:rPr lang="en-GB" sz="2000" dirty="0">
+                <a:latin typeface="Arial" panose="020B0604020202020204" pitchFamily="34" charset="0"/>
+                <a:cs typeface="Arial" panose="020B0604020202020204" pitchFamily="34" charset="0"/>
+              </a:rPr>
+              <a:t>', '</a:t>
+            </a:r>
+            <a:r>
+              <a:rPr lang="en-GB" sz="2000" dirty="0" err="1">
+                <a:latin typeface="Arial" panose="020B0604020202020204" pitchFamily="34" charset="0"/>
+                <a:cs typeface="Arial" panose="020B0604020202020204" pitchFamily="34" charset="0"/>
+              </a:rPr>
+              <a:t>Ferientage</a:t>
+            </a:r>
+            <a:r>
+              <a:rPr lang="en-GB" sz="2000" dirty="0">
+                <a:latin typeface="Arial" panose="020B0604020202020204" pitchFamily="34" charset="0"/>
+                <a:cs typeface="Arial" panose="020B0604020202020204" pitchFamily="34" charset="0"/>
+              </a:rPr>
+              <a:t>', '</a:t>
+            </a:r>
+            <a:r>
+              <a:rPr lang="en-GB" sz="2000" dirty="0" err="1">
+                <a:latin typeface="Arial" panose="020B0604020202020204" pitchFamily="34" charset="0"/>
+                <a:cs typeface="Arial" panose="020B0604020202020204" pitchFamily="34" charset="0"/>
+              </a:rPr>
+              <a:t>Wetterklasse</a:t>
+            </a:r>
+            <a:r>
+              <a:rPr lang="en-GB" sz="2000" dirty="0">
+                <a:latin typeface="Arial" panose="020B0604020202020204" pitchFamily="34" charset="0"/>
+                <a:cs typeface="Arial" panose="020B0604020202020204" pitchFamily="34" charset="0"/>
+              </a:rPr>
+              <a:t>', '</a:t>
+            </a:r>
+            <a:r>
+              <a:rPr lang="en-GB" sz="2000" dirty="0" err="1">
+                <a:latin typeface="Arial" panose="020B0604020202020204" pitchFamily="34" charset="0"/>
+                <a:cs typeface="Arial" panose="020B0604020202020204" pitchFamily="34" charset="0"/>
+              </a:rPr>
+              <a:t>Niederschlag</a:t>
+            </a:r>
+            <a:r>
+              <a:rPr lang="en-GB" sz="2000" dirty="0">
+                <a:latin typeface="Arial" panose="020B0604020202020204" pitchFamily="34" charset="0"/>
+                <a:cs typeface="Arial" panose="020B0604020202020204" pitchFamily="34" charset="0"/>
+              </a:rPr>
+              <a:t>'</a:t>
+            </a:r>
+            <a:endParaRPr lang="en-DE" sz="2000" dirty="0">
+              <a:latin typeface="Arial" panose="020B0604020202020204" pitchFamily="34" charset="0"/>
+              <a:cs typeface="Arial" panose="020B0604020202020204" pitchFamily="34" charset="0"/>
+            </a:endParaRPr>
+          </a:p>
+          <a:p>
+            <a:pPr marL="457200" indent="-457200">
+              <a:buFont typeface="+mj-lt"/>
+              <a:buAutoNum type="arabicParenR"/>
+            </a:pPr>
+            <a:r>
+              <a:rPr lang="en-DE" sz="2000" b="1" dirty="0">
+                <a:latin typeface="Arial" panose="020B0604020202020204" pitchFamily="34" charset="0"/>
+                <a:cs typeface="Arial" panose="020B0604020202020204" pitchFamily="34" charset="0"/>
+              </a:rPr>
+              <a:t>Output</a:t>
+            </a:r>
+          </a:p>
+          <a:p>
+            <a:pPr marL="457200" lvl="1" indent="0">
+              <a:buNone/>
+            </a:pPr>
+            <a:r>
+              <a:rPr lang="en-GB" sz="2000" b="0" i="0" dirty="0">
+                <a:effectLst/>
+                <a:latin typeface="Arial" panose="020B0604020202020204" pitchFamily="34" charset="0"/>
+                <a:cs typeface="Arial" panose="020B0604020202020204" pitchFamily="34" charset="0"/>
+              </a:rPr>
+              <a:t>Cross-validated R2 scores: array([0.7297873 , 0.6889417 , 0.65568813, 0.59231637, 0.61656247])</a:t>
+            </a:r>
+          </a:p>
+          <a:p>
+            <a:pPr marL="457200" lvl="1" indent="0">
+              <a:buNone/>
+            </a:pPr>
+            <a:r>
+              <a:rPr lang="en-GB" sz="2000" b="0" i="0" dirty="0">
+                <a:effectLst/>
+                <a:latin typeface="Arial" panose="020B0604020202020204" pitchFamily="34" charset="0"/>
+                <a:cs typeface="Arial" panose="020B0604020202020204" pitchFamily="34" charset="0"/>
+              </a:rPr>
+              <a:t>Mean R2 score: 0.6566591945000697</a:t>
+            </a:r>
+          </a:p>
+          <a:p>
+            <a:pPr marL="457200" lvl="1" indent="0">
+              <a:buNone/>
+            </a:pPr>
+            <a:r>
+              <a:rPr lang="en-GB" sz="2000" b="1" i="0" dirty="0">
+                <a:solidFill>
+                  <a:srgbClr val="00B050"/>
+                </a:solidFill>
+                <a:effectLst/>
+                <a:latin typeface="Arial" panose="020B0604020202020204" pitchFamily="34" charset="0"/>
+                <a:cs typeface="Arial" panose="020B0604020202020204" pitchFamily="34" charset="0"/>
+              </a:rPr>
+              <a:t>R2 score: 0.6954848698278695</a:t>
+            </a:r>
+          </a:p>
+          <a:p>
+            <a:pPr marL="457200" lvl="1" indent="0">
+              <a:buNone/>
+            </a:pPr>
+            <a:r>
+              <a:rPr lang="en-GB" sz="2000" b="0" i="0" dirty="0">
+                <a:effectLst/>
+                <a:latin typeface="Arial" panose="020B0604020202020204" pitchFamily="34" charset="0"/>
+                <a:cs typeface="Arial" panose="020B0604020202020204" pitchFamily="34" charset="0"/>
+              </a:rPr>
+              <a:t>Mean squared error: 6038.842551516265</a:t>
+            </a:r>
+          </a:p>
+          <a:p>
+            <a:pPr marL="457200" lvl="1" indent="0">
+              <a:buNone/>
+            </a:pPr>
+            <a:r>
+              <a:rPr lang="en-GB" sz="2000" b="0" i="0" dirty="0">
+                <a:effectLst/>
+                <a:latin typeface="Arial" panose="020B0604020202020204" pitchFamily="34" charset="0"/>
+                <a:cs typeface="Arial" panose="020B0604020202020204" pitchFamily="34" charset="0"/>
+              </a:rPr>
+              <a:t>Mean absolute error: 44.857032558501054</a:t>
+            </a:r>
+            <a:endParaRPr lang="en-DE" sz="2000" dirty="0">
+              <a:latin typeface="Arial" panose="020B0604020202020204" pitchFamily="34" charset="0"/>
+              <a:cs typeface="Arial" panose="020B0604020202020204" pitchFamily="34" charset="0"/>
+            </a:endParaRPr>
+          </a:p>
+          <a:p>
+            <a:pPr marL="457200" indent="-457200">
+              <a:buFont typeface="+mj-lt"/>
+              <a:buAutoNum type="arabicParenR"/>
+            </a:pPr>
+            <a:r>
+              <a:rPr lang="en-DE" sz="2000" b="1" dirty="0">
+                <a:latin typeface="Arial" panose="020B0604020202020204" pitchFamily="34" charset="0"/>
+                <a:cs typeface="Arial" panose="020B0604020202020204" pitchFamily="34" charset="0"/>
+              </a:rPr>
+              <a:t>Conclusion</a:t>
+            </a:r>
+          </a:p>
+          <a:p>
+            <a:pPr marL="457200" lvl="1" indent="0">
+              <a:buNone/>
+            </a:pPr>
+            <a:r>
+              <a:rPr lang="en-GB" sz="2000" b="1" i="0" dirty="0">
+                <a:solidFill>
+                  <a:srgbClr val="00B050"/>
+                </a:solidFill>
+                <a:effectLst/>
+                <a:latin typeface="Arial" panose="020B0604020202020204" pitchFamily="34" charset="0"/>
+                <a:cs typeface="Arial" panose="020B0604020202020204" pitchFamily="34" charset="0"/>
+              </a:rPr>
+              <a:t>R2 score: 0.6954848698278695</a:t>
+            </a:r>
+            <a:r>
+              <a:rPr lang="en-GB" sz="2000" i="0" dirty="0">
+                <a:effectLst/>
+                <a:latin typeface="Arial" panose="020B0604020202020204" pitchFamily="34" charset="0"/>
+                <a:cs typeface="Arial" panose="020B0604020202020204" pitchFamily="34" charset="0"/>
+              </a:rPr>
+              <a:t> is considered good </a:t>
+            </a:r>
+            <a:r>
+              <a:rPr lang="en-GB" sz="2000" i="0" dirty="0">
+                <a:effectLst/>
+                <a:latin typeface="Arial" panose="020B0604020202020204" pitchFamily="34" charset="0"/>
+                <a:cs typeface="Arial" panose="020B0604020202020204" pitchFamily="34" charset="0"/>
+                <a:sym typeface="Wingdings" pitchFamily="2" charset="2"/>
+              </a:rPr>
+              <a:t> Baseline Model is reliable and effective predicting </a:t>
+            </a:r>
+            <a:r>
+              <a:rPr lang="en-GB" sz="2000" i="1" dirty="0" err="1">
+                <a:effectLst/>
+                <a:latin typeface="Arial" panose="020B0604020202020204" pitchFamily="34" charset="0"/>
+                <a:cs typeface="Arial" panose="020B0604020202020204" pitchFamily="34" charset="0"/>
+                <a:sym typeface="Wingdings" pitchFamily="2" charset="2"/>
+              </a:rPr>
+              <a:t>Umsatz</a:t>
+            </a:r>
+            <a:r>
+              <a:rPr lang="en-GB" sz="2000" i="1" dirty="0">
+                <a:effectLst/>
+                <a:latin typeface="Arial" panose="020B0604020202020204" pitchFamily="34" charset="0"/>
+                <a:cs typeface="Arial" panose="020B0604020202020204" pitchFamily="34" charset="0"/>
+                <a:sym typeface="Wingdings" pitchFamily="2" charset="2"/>
+              </a:rPr>
+              <a:t>.</a:t>
+            </a:r>
+            <a:endParaRPr lang="en-GB" sz="2000" b="1" i="1" dirty="0">
+              <a:solidFill>
+                <a:srgbClr val="00B050"/>
+              </a:solidFill>
+              <a:effectLst/>
+              <a:latin typeface="Arial" panose="020B0604020202020204" pitchFamily="34" charset="0"/>
+              <a:cs typeface="Arial" panose="020B0604020202020204" pitchFamily="34" charset="0"/>
+            </a:endParaRPr>
+          </a:p>
+          <a:p>
+            <a:pPr marL="457200" lvl="1" indent="0">
+              <a:buNone/>
+            </a:pPr>
+            <a:endParaRPr lang="en-DE" sz="2000" dirty="0">
+              <a:latin typeface="Arial" panose="020B0604020202020204" pitchFamily="34" charset="0"/>
+              <a:cs typeface="Arial" panose="020B0604020202020204" pitchFamily="34" charset="0"/>
+            </a:endParaRPr>
+          </a:p>
+          <a:p>
+            <a:pPr marL="0" indent="0">
+              <a:buNone/>
+            </a:pPr>
+            <a:endParaRPr lang="en-DE" sz="2000" dirty="0">
               <a:latin typeface="Arial" panose="020B0604020202020204" pitchFamily="34" charset="0"/>
               <a:cs typeface="Arial" panose="020B0604020202020204" pitchFamily="34" charset="0"/>
             </a:endParaRPr>
@@ -6855,492 +7388,10 @@
           </a:p>
         </p:txBody>
       </p:sp>
-      <p:pic>
-        <p:nvPicPr>
-          <p:cNvPr id="14" name="Content Placeholder 13">
-            <a:extLst>
-              <a:ext uri="{FF2B5EF4-FFF2-40B4-BE49-F238E27FC236}">
-                <a16:creationId xmlns:a16="http://schemas.microsoft.com/office/drawing/2014/main" id="{04837B78-3B04-5A6D-EB72-14EAF2ECC297}"/>
-              </a:ext>
-            </a:extLst>
-          </p:cNvPr>
-          <p:cNvPicPr>
-            <a:picLocks noGrp="1" noChangeAspect="1"/>
-          </p:cNvPicPr>
-          <p:nvPr>
-            <p:ph sz="half" idx="2"/>
-          </p:nvPr>
-        </p:nvPicPr>
-        <p:blipFill>
-          <a:blip r:embed="rId4"/>
-          <a:stretch>
-            <a:fillRect/>
-          </a:stretch>
-        </p:blipFill>
-        <p:spPr>
-          <a:xfrm>
-            <a:off x="573570" y="1202058"/>
-            <a:ext cx="5156321" cy="3405600"/>
-          </a:xfrm>
-        </p:spPr>
-      </p:pic>
-      <p:pic>
-        <p:nvPicPr>
-          <p:cNvPr id="18" name="Content Placeholder 17">
-            <a:extLst>
-              <a:ext uri="{FF2B5EF4-FFF2-40B4-BE49-F238E27FC236}">
-                <a16:creationId xmlns:a16="http://schemas.microsoft.com/office/drawing/2014/main" id="{4240A303-928B-7720-B40E-C31317232AEC}"/>
-              </a:ext>
-            </a:extLst>
-          </p:cNvPr>
-          <p:cNvPicPr>
-            <a:picLocks noGrp="1" noChangeAspect="1"/>
-          </p:cNvPicPr>
-          <p:nvPr>
-            <p:ph sz="quarter" idx="4"/>
-          </p:nvPr>
-        </p:nvPicPr>
-        <p:blipFill>
-          <a:blip r:embed="rId5"/>
-          <a:stretch>
-            <a:fillRect/>
-          </a:stretch>
-        </p:blipFill>
-        <p:spPr>
-          <a:xfrm>
-            <a:off x="6096000" y="1185282"/>
-            <a:ext cx="5183188" cy="3423344"/>
-          </a:xfrm>
-        </p:spPr>
-      </p:pic>
-      <p:sp>
-        <p:nvSpPr>
-          <p:cNvPr id="25" name="Text Placeholder 14">
-            <a:extLst>
-              <a:ext uri="{FF2B5EF4-FFF2-40B4-BE49-F238E27FC236}">
-                <a16:creationId xmlns:a16="http://schemas.microsoft.com/office/drawing/2014/main" id="{9EB61749-3185-95D0-DC20-B2B8E651E949}"/>
-              </a:ext>
-            </a:extLst>
-          </p:cNvPr>
-          <p:cNvSpPr>
-            <a:spLocks noGrp="1"/>
-          </p:cNvSpPr>
-          <p:nvPr>
-            <p:ph type="body" idx="1"/>
-          </p:nvPr>
-        </p:nvSpPr>
-        <p:spPr>
-          <a:xfrm>
-            <a:off x="573570" y="4830004"/>
-            <a:ext cx="10705618" cy="1197557"/>
-          </a:xfrm>
-        </p:spPr>
-        <p:txBody>
-          <a:bodyPr>
-            <a:normAutofit lnSpcReduction="10000"/>
-          </a:bodyPr>
-          <a:lstStyle/>
-          <a:p>
-            <a:pPr algn="just"/>
-            <a:r>
-              <a:rPr lang="en-DE" sz="2000" dirty="0">
-                <a:latin typeface="Arial" panose="020B0604020202020204" pitchFamily="34" charset="0"/>
-                <a:cs typeface="Arial" panose="020B0604020202020204" pitchFamily="34" charset="0"/>
-              </a:rPr>
-              <a:t>Note</a:t>
-            </a:r>
-            <a:r>
-              <a:rPr lang="en-DE" sz="2000" b="0" dirty="0">
-                <a:latin typeface="Arial" panose="020B0604020202020204" pitchFamily="34" charset="0"/>
-                <a:cs typeface="Arial" panose="020B0604020202020204" pitchFamily="34" charset="0"/>
-              </a:rPr>
-              <a:t>: Only </a:t>
-            </a:r>
-            <a:r>
-              <a:rPr lang="en-DE" sz="2000" b="0" i="1" dirty="0">
-                <a:latin typeface="Arial" panose="020B0604020202020204" pitchFamily="34" charset="0"/>
-                <a:cs typeface="Arial" panose="020B0604020202020204" pitchFamily="34" charset="0"/>
-              </a:rPr>
-              <a:t>Summer</a:t>
-            </a:r>
-            <a:r>
-              <a:rPr lang="en-DE" sz="2000" b="0" dirty="0">
-                <a:latin typeface="Arial" panose="020B0604020202020204" pitchFamily="34" charset="0"/>
-                <a:cs typeface="Arial" panose="020B0604020202020204" pitchFamily="34" charset="0"/>
-              </a:rPr>
-              <a:t> and </a:t>
-            </a:r>
-            <a:r>
-              <a:rPr lang="en-DE" sz="2000" b="0" i="1" dirty="0">
-                <a:latin typeface="Arial" panose="020B0604020202020204" pitchFamily="34" charset="0"/>
-                <a:cs typeface="Arial" panose="020B0604020202020204" pitchFamily="34" charset="0"/>
-              </a:rPr>
-              <a:t>Winter</a:t>
-            </a:r>
-            <a:r>
-              <a:rPr lang="en-DE" sz="2000" b="0" dirty="0">
-                <a:latin typeface="Arial" panose="020B0604020202020204" pitchFamily="34" charset="0"/>
-                <a:cs typeface="Arial" panose="020B0604020202020204" pitchFamily="34" charset="0"/>
-              </a:rPr>
-              <a:t> are shown here as </a:t>
-            </a:r>
-            <a:r>
-              <a:rPr lang="en-DE" sz="2000" b="0" i="1" dirty="0">
-                <a:latin typeface="Arial" panose="020B0604020202020204" pitchFamily="34" charset="0"/>
-                <a:cs typeface="Arial" panose="020B0604020202020204" pitchFamily="34" charset="0"/>
-              </a:rPr>
-              <a:t>Spring</a:t>
-            </a:r>
-            <a:r>
-              <a:rPr lang="en-DE" sz="2000" b="0" dirty="0">
-                <a:latin typeface="Arial" panose="020B0604020202020204" pitchFamily="34" charset="0"/>
-                <a:cs typeface="Arial" panose="020B0604020202020204" pitchFamily="34" charset="0"/>
-              </a:rPr>
-              <a:t> matches </a:t>
-            </a:r>
-            <a:r>
-              <a:rPr lang="en-DE" sz="2000" b="0" i="1" dirty="0">
-                <a:latin typeface="Arial" panose="020B0604020202020204" pitchFamily="34" charset="0"/>
-                <a:cs typeface="Arial" panose="020B0604020202020204" pitchFamily="34" charset="0"/>
-              </a:rPr>
-              <a:t>Summer</a:t>
-            </a:r>
-            <a:r>
-              <a:rPr lang="en-DE" sz="2000" b="0" dirty="0">
-                <a:latin typeface="Arial" panose="020B0604020202020204" pitchFamily="34" charset="0"/>
-                <a:cs typeface="Arial" panose="020B0604020202020204" pitchFamily="34" charset="0"/>
-              </a:rPr>
-              <a:t> and </a:t>
-            </a:r>
-            <a:r>
-              <a:rPr lang="en-DE" sz="2000" b="0" i="1" dirty="0">
-                <a:latin typeface="Arial" panose="020B0604020202020204" pitchFamily="34" charset="0"/>
-                <a:cs typeface="Arial" panose="020B0604020202020204" pitchFamily="34" charset="0"/>
-              </a:rPr>
-              <a:t>Autumn</a:t>
-            </a:r>
-            <a:r>
-              <a:rPr lang="en-DE" sz="2000" b="0" dirty="0">
-                <a:latin typeface="Arial" panose="020B0604020202020204" pitchFamily="34" charset="0"/>
-                <a:cs typeface="Arial" panose="020B0604020202020204" pitchFamily="34" charset="0"/>
-              </a:rPr>
-              <a:t> is showing similar behaviour like </a:t>
-            </a:r>
-            <a:r>
-              <a:rPr lang="en-DE" sz="2000" b="0" i="1" dirty="0">
-                <a:latin typeface="Arial" panose="020B0604020202020204" pitchFamily="34" charset="0"/>
-                <a:cs typeface="Arial" panose="020B0604020202020204" pitchFamily="34" charset="0"/>
-              </a:rPr>
-              <a:t>Winter</a:t>
-            </a:r>
-            <a:r>
-              <a:rPr lang="en-DE" sz="2000" b="0" dirty="0">
-                <a:latin typeface="Arial" panose="020B0604020202020204" pitchFamily="34" charset="0"/>
-                <a:cs typeface="Arial" panose="020B0604020202020204" pitchFamily="34" charset="0"/>
-              </a:rPr>
-              <a:t>.</a:t>
-            </a:r>
-          </a:p>
-          <a:p>
-            <a:pPr algn="just"/>
-            <a:r>
-              <a:rPr lang="de-DE" sz="2000" b="0" dirty="0">
-                <a:latin typeface="Arial" panose="020B0604020202020204" pitchFamily="34" charset="0"/>
-                <a:cs typeface="Arial" panose="020B0604020202020204" pitchFamily="34" charset="0"/>
-              </a:rPr>
-              <a:t>The </a:t>
-            </a:r>
-            <a:r>
-              <a:rPr lang="de-DE" sz="2000" b="0" dirty="0" err="1">
-                <a:latin typeface="Arial" panose="020B0604020202020204" pitchFamily="34" charset="0"/>
-                <a:cs typeface="Arial" panose="020B0604020202020204" pitchFamily="34" charset="0"/>
-              </a:rPr>
-              <a:t>plots</a:t>
-            </a:r>
-            <a:r>
-              <a:rPr lang="de-DE" sz="2000" b="0" dirty="0">
-                <a:latin typeface="Arial" panose="020B0604020202020204" pitchFamily="34" charset="0"/>
-                <a:cs typeface="Arial" panose="020B0604020202020204" pitchFamily="34" charset="0"/>
-              </a:rPr>
-              <a:t> </a:t>
-            </a:r>
-            <a:r>
-              <a:rPr lang="de-DE" sz="2000" b="0" dirty="0" err="1">
-                <a:latin typeface="Arial" panose="020B0604020202020204" pitchFamily="34" charset="0"/>
-                <a:cs typeface="Arial" panose="020B0604020202020204" pitchFamily="34" charset="0"/>
-              </a:rPr>
-              <a:t>indicate</a:t>
-            </a:r>
-            <a:r>
-              <a:rPr lang="de-DE" sz="2000" b="0" dirty="0">
-                <a:latin typeface="Arial" panose="020B0604020202020204" pitchFamily="34" charset="0"/>
-                <a:cs typeface="Arial" panose="020B0604020202020204" pitchFamily="34" charset="0"/>
-              </a:rPr>
-              <a:t> </a:t>
-            </a:r>
-            <a:r>
-              <a:rPr lang="de-DE" sz="2000" b="0" dirty="0" err="1">
-                <a:latin typeface="Arial" panose="020B0604020202020204" pitchFamily="34" charset="0"/>
-                <a:cs typeface="Arial" panose="020B0604020202020204" pitchFamily="34" charset="0"/>
-              </a:rPr>
-              <a:t>that</a:t>
-            </a:r>
-            <a:r>
-              <a:rPr lang="de-DE" sz="2000" b="0" dirty="0">
-                <a:latin typeface="Arial" panose="020B0604020202020204" pitchFamily="34" charset="0"/>
-                <a:cs typeface="Arial" panose="020B0604020202020204" pitchFamily="34" charset="0"/>
-              </a:rPr>
-              <a:t> </a:t>
-            </a:r>
-            <a:r>
-              <a:rPr lang="de-DE" sz="2000" b="0" dirty="0" err="1">
-                <a:latin typeface="Arial" panose="020B0604020202020204" pitchFamily="34" charset="0"/>
-                <a:cs typeface="Arial" panose="020B0604020202020204" pitchFamily="34" charset="0"/>
-              </a:rPr>
-              <a:t>the</a:t>
-            </a:r>
-            <a:r>
-              <a:rPr lang="de-DE" sz="2000" b="0" dirty="0">
-                <a:latin typeface="Arial" panose="020B0604020202020204" pitchFamily="34" charset="0"/>
-                <a:cs typeface="Arial" panose="020B0604020202020204" pitchFamily="34" charset="0"/>
-              </a:rPr>
-              <a:t> </a:t>
-            </a:r>
-            <a:r>
-              <a:rPr lang="de-DE" sz="2000" b="0" dirty="0" err="1">
-                <a:latin typeface="Arial" panose="020B0604020202020204" pitchFamily="34" charset="0"/>
-                <a:cs typeface="Arial" panose="020B0604020202020204" pitchFamily="34" charset="0"/>
-              </a:rPr>
-              <a:t>average</a:t>
-            </a:r>
-            <a:r>
-              <a:rPr lang="de-DE" sz="2000" b="0" dirty="0">
-                <a:latin typeface="Arial" panose="020B0604020202020204" pitchFamily="34" charset="0"/>
-                <a:cs typeface="Arial" panose="020B0604020202020204" pitchFamily="34" charset="0"/>
-              </a:rPr>
-              <a:t> </a:t>
-            </a:r>
-            <a:r>
-              <a:rPr lang="de-DE" sz="2000" b="0" dirty="0" err="1">
-                <a:latin typeface="Arial" panose="020B0604020202020204" pitchFamily="34" charset="0"/>
-                <a:cs typeface="Arial" panose="020B0604020202020204" pitchFamily="34" charset="0"/>
-              </a:rPr>
-              <a:t>number</a:t>
-            </a:r>
-            <a:r>
-              <a:rPr lang="de-DE" sz="2000" b="0" dirty="0">
-                <a:latin typeface="Arial" panose="020B0604020202020204" pitchFamily="34" charset="0"/>
-                <a:cs typeface="Arial" panose="020B0604020202020204" pitchFamily="34" charset="0"/>
-              </a:rPr>
-              <a:t> </a:t>
-            </a:r>
-            <a:r>
-              <a:rPr lang="de-DE" sz="2000" b="0" dirty="0" err="1">
-                <a:latin typeface="Arial" panose="020B0604020202020204" pitchFamily="34" charset="0"/>
-                <a:cs typeface="Arial" panose="020B0604020202020204" pitchFamily="34" charset="0"/>
-              </a:rPr>
-              <a:t>of</a:t>
-            </a:r>
-            <a:r>
-              <a:rPr lang="de-DE" sz="2000" b="0" dirty="0">
-                <a:latin typeface="Arial" panose="020B0604020202020204" pitchFamily="34" charset="0"/>
-                <a:cs typeface="Arial" panose="020B0604020202020204" pitchFamily="34" charset="0"/>
-              </a:rPr>
-              <a:t> </a:t>
-            </a:r>
-            <a:r>
-              <a:rPr lang="de-DE" sz="2000" b="0" dirty="0" err="1">
-                <a:latin typeface="Arial" panose="020B0604020202020204" pitchFamily="34" charset="0"/>
-                <a:cs typeface="Arial" panose="020B0604020202020204" pitchFamily="34" charset="0"/>
-              </a:rPr>
-              <a:t>sales</a:t>
-            </a:r>
-            <a:r>
-              <a:rPr lang="de-DE" sz="2000" b="0" dirty="0">
-                <a:latin typeface="Arial" panose="020B0604020202020204" pitchFamily="34" charset="0"/>
-                <a:cs typeface="Arial" panose="020B0604020202020204" pitchFamily="34" charset="0"/>
-              </a:rPr>
-              <a:t> </a:t>
-            </a:r>
-            <a:r>
-              <a:rPr lang="de-DE" sz="2000" b="0" dirty="0" err="1">
-                <a:latin typeface="Arial" panose="020B0604020202020204" pitchFamily="34" charset="0"/>
-                <a:cs typeface="Arial" panose="020B0604020202020204" pitchFamily="34" charset="0"/>
-              </a:rPr>
-              <a:t>is</a:t>
-            </a:r>
-            <a:r>
-              <a:rPr lang="de-DE" sz="2000" b="0" dirty="0">
-                <a:latin typeface="Arial" panose="020B0604020202020204" pitchFamily="34" charset="0"/>
-                <a:cs typeface="Arial" panose="020B0604020202020204" pitchFamily="34" charset="0"/>
-              </a:rPr>
-              <a:t> </a:t>
-            </a:r>
-            <a:r>
-              <a:rPr lang="de-DE" sz="2000" b="0" dirty="0" err="1">
-                <a:latin typeface="Arial" panose="020B0604020202020204" pitchFamily="34" charset="0"/>
-                <a:cs typeface="Arial" panose="020B0604020202020204" pitchFamily="34" charset="0"/>
-              </a:rPr>
-              <a:t>definitely</a:t>
-            </a:r>
-            <a:r>
-              <a:rPr lang="de-DE" sz="2000" b="0" dirty="0">
-                <a:latin typeface="Arial" panose="020B0604020202020204" pitchFamily="34" charset="0"/>
-                <a:cs typeface="Arial" panose="020B0604020202020204" pitchFamily="34" charset="0"/>
-              </a:rPr>
-              <a:t> </a:t>
-            </a:r>
-            <a:r>
-              <a:rPr lang="de-DE" sz="2000" b="0" dirty="0" err="1">
-                <a:latin typeface="Arial" panose="020B0604020202020204" pitchFamily="34" charset="0"/>
-                <a:cs typeface="Arial" panose="020B0604020202020204" pitchFamily="34" charset="0"/>
-              </a:rPr>
-              <a:t>higher</a:t>
-            </a:r>
-            <a:r>
-              <a:rPr lang="de-DE" sz="2000" b="0" dirty="0">
-                <a:latin typeface="Arial" panose="020B0604020202020204" pitchFamily="34" charset="0"/>
-                <a:cs typeface="Arial" panose="020B0604020202020204" pitchFamily="34" charset="0"/>
-              </a:rPr>
-              <a:t> in </a:t>
-            </a:r>
-            <a:r>
-              <a:rPr lang="de-DE" sz="2000" b="0" dirty="0" err="1">
-                <a:latin typeface="Arial" panose="020B0604020202020204" pitchFamily="34" charset="0"/>
-                <a:cs typeface="Arial" panose="020B0604020202020204" pitchFamily="34" charset="0"/>
-              </a:rPr>
-              <a:t>summer</a:t>
-            </a:r>
-            <a:r>
-              <a:rPr lang="de-DE" sz="2000" b="0" dirty="0">
-                <a:latin typeface="Arial" panose="020B0604020202020204" pitchFamily="34" charset="0"/>
-                <a:cs typeface="Arial" panose="020B0604020202020204" pitchFamily="34" charset="0"/>
-              </a:rPr>
-              <a:t> (spring) </a:t>
-            </a:r>
-            <a:r>
-              <a:rPr lang="de-DE" sz="2000" b="0" dirty="0" err="1">
-                <a:latin typeface="Arial" panose="020B0604020202020204" pitchFamily="34" charset="0"/>
-                <a:cs typeface="Arial" panose="020B0604020202020204" pitchFamily="34" charset="0"/>
-              </a:rPr>
-              <a:t>assuming</a:t>
-            </a:r>
-            <a:r>
-              <a:rPr lang="de-DE" sz="2000" b="0" dirty="0">
-                <a:latin typeface="Arial" panose="020B0604020202020204" pitchFamily="34" charset="0"/>
-                <a:cs typeface="Arial" panose="020B0604020202020204" pitchFamily="34" charset="0"/>
-              </a:rPr>
-              <a:t> </a:t>
-            </a:r>
-            <a:r>
-              <a:rPr lang="de-DE" sz="2000" b="0" dirty="0" err="1">
-                <a:latin typeface="Arial" panose="020B0604020202020204" pitchFamily="34" charset="0"/>
-                <a:cs typeface="Arial" panose="020B0604020202020204" pitchFamily="34" charset="0"/>
-              </a:rPr>
-              <a:t>weather</a:t>
-            </a:r>
-            <a:r>
-              <a:rPr lang="de-DE" sz="2000" b="0" dirty="0">
-                <a:latin typeface="Arial" panose="020B0604020202020204" pitchFamily="34" charset="0"/>
-                <a:cs typeface="Arial" panose="020B0604020202020204" pitchFamily="34" charset="0"/>
-              </a:rPr>
-              <a:t> </a:t>
-            </a:r>
-            <a:r>
-              <a:rPr lang="de-DE" sz="2000" b="0" dirty="0" err="1">
-                <a:latin typeface="Arial" panose="020B0604020202020204" pitchFamily="34" charset="0"/>
-                <a:cs typeface="Arial" panose="020B0604020202020204" pitchFamily="34" charset="0"/>
-              </a:rPr>
-              <a:t>conditions</a:t>
-            </a:r>
-            <a:r>
-              <a:rPr lang="de-DE" sz="2000" b="0" dirty="0">
-                <a:latin typeface="Arial" panose="020B0604020202020204" pitchFamily="34" charset="0"/>
-                <a:cs typeface="Arial" panose="020B0604020202020204" pitchFamily="34" charset="0"/>
-              </a:rPr>
-              <a:t> </a:t>
-            </a:r>
-            <a:r>
-              <a:rPr lang="de-DE" sz="2000" b="0" dirty="0" err="1">
-                <a:latin typeface="Arial" panose="020B0604020202020204" pitchFamily="34" charset="0"/>
-                <a:cs typeface="Arial" panose="020B0604020202020204" pitchFamily="34" charset="0"/>
-              </a:rPr>
-              <a:t>are</a:t>
-            </a:r>
-            <a:r>
-              <a:rPr lang="de-DE" sz="2000" b="0" dirty="0">
-                <a:latin typeface="Arial" panose="020B0604020202020204" pitchFamily="34" charset="0"/>
-                <a:cs typeface="Arial" panose="020B0604020202020204" pitchFamily="34" charset="0"/>
-              </a:rPr>
-              <a:t> </a:t>
-            </a:r>
-            <a:r>
-              <a:rPr lang="de-DE" sz="2000" b="0" dirty="0" err="1">
-                <a:latin typeface="Arial" panose="020B0604020202020204" pitchFamily="34" charset="0"/>
-                <a:cs typeface="Arial" panose="020B0604020202020204" pitchFamily="34" charset="0"/>
-              </a:rPr>
-              <a:t>having</a:t>
-            </a:r>
-            <a:r>
-              <a:rPr lang="de-DE" sz="2000" b="0" dirty="0">
-                <a:latin typeface="Arial" panose="020B0604020202020204" pitchFamily="34" charset="0"/>
-                <a:cs typeface="Arial" panose="020B0604020202020204" pitchFamily="34" charset="0"/>
-              </a:rPr>
-              <a:t> an </a:t>
-            </a:r>
-            <a:r>
-              <a:rPr lang="de-DE" sz="2000" b="0" dirty="0" err="1">
-                <a:latin typeface="Arial" panose="020B0604020202020204" pitchFamily="34" charset="0"/>
-                <a:cs typeface="Arial" panose="020B0604020202020204" pitchFamily="34" charset="0"/>
-              </a:rPr>
-              <a:t>impact</a:t>
-            </a:r>
-            <a:r>
-              <a:rPr lang="de-DE" sz="2000" b="0" dirty="0">
-                <a:latin typeface="Arial" panose="020B0604020202020204" pitchFamily="34" charset="0"/>
-                <a:cs typeface="Arial" panose="020B0604020202020204" pitchFamily="34" charset="0"/>
-              </a:rPr>
-              <a:t> in </a:t>
-            </a:r>
-            <a:r>
-              <a:rPr lang="de-DE" sz="2000" b="0" dirty="0" err="1">
-                <a:latin typeface="Arial" panose="020B0604020202020204" pitchFamily="34" charset="0"/>
-                <a:cs typeface="Arial" panose="020B0604020202020204" pitchFamily="34" charset="0"/>
-              </a:rPr>
-              <a:t>purchase</a:t>
-            </a:r>
-            <a:r>
-              <a:rPr lang="de-DE" sz="2000" b="0" dirty="0">
-                <a:latin typeface="Arial" panose="020B0604020202020204" pitchFamily="34" charset="0"/>
-                <a:cs typeface="Arial" panose="020B0604020202020204" pitchFamily="34" charset="0"/>
-              </a:rPr>
-              <a:t> </a:t>
-            </a:r>
-            <a:r>
-              <a:rPr lang="de-DE" sz="2000" b="0" dirty="0" err="1">
-                <a:latin typeface="Arial" panose="020B0604020202020204" pitchFamily="34" charset="0"/>
-                <a:cs typeface="Arial" panose="020B0604020202020204" pitchFamily="34" charset="0"/>
-              </a:rPr>
-              <a:t>behaviour</a:t>
-            </a:r>
-            <a:r>
-              <a:rPr lang="de-DE" sz="2000" b="0" dirty="0">
-                <a:latin typeface="Arial" panose="020B0604020202020204" pitchFamily="34" charset="0"/>
-                <a:cs typeface="Arial" panose="020B0604020202020204" pitchFamily="34" charset="0"/>
-              </a:rPr>
-              <a:t>.</a:t>
-            </a:r>
-            <a:endParaRPr lang="en-DE" sz="2000" b="0" dirty="0">
-              <a:latin typeface="Arial" panose="020B0604020202020204" pitchFamily="34" charset="0"/>
-              <a:cs typeface="Arial" panose="020B0604020202020204" pitchFamily="34" charset="0"/>
-            </a:endParaRPr>
-          </a:p>
-        </p:txBody>
-      </p:sp>
     </p:spTree>
     <p:extLst>
       <p:ext uri="{BB962C8B-B14F-4D97-AF65-F5344CB8AC3E}">
-        <p14:creationId xmlns:p14="http://schemas.microsoft.com/office/powerpoint/2010/main" val="1684026643"/>
+        <p14:creationId xmlns:p14="http://schemas.microsoft.com/office/powerpoint/2010/main" val="3495303478"/>
       </p:ext>
     </p:extLst>
   </p:cSld>
@@ -7350,7 +7401,7 @@
 </p:sld>
 </file>
 
-<file path=ppt/slides/slide5.xml><?xml version="1.0" encoding="utf-8"?>
+<file path=ppt/slides/slide6.xml><?xml version="1.0" encoding="utf-8"?>
 <p:sld xmlns:a="http://schemas.openxmlformats.org/drawingml/2006/main" xmlns:r="http://schemas.openxmlformats.org/officeDocument/2006/relationships" xmlns:p="http://schemas.openxmlformats.org/presentationml/2006/main">
   <p:cSld>
     <p:spTree>
@@ -7369,6 +7420,161 @@
       </p:grpSpPr>
       <p:sp>
         <p:nvSpPr>
+          <p:cNvPr id="2" name="Titel 1">
+            <a:extLst>
+              <a:ext uri="{FF2B5EF4-FFF2-40B4-BE49-F238E27FC236}">
+                <a16:creationId xmlns:a16="http://schemas.microsoft.com/office/drawing/2014/main" id="{A896E6CB-51D2-1386-D5B2-5100A2BC0933}"/>
+              </a:ext>
+            </a:extLst>
+          </p:cNvPr>
+          <p:cNvSpPr>
+            <a:spLocks noGrp="1"/>
+          </p:cNvSpPr>
+          <p:nvPr>
+            <p:ph type="title"/>
+          </p:nvPr>
+        </p:nvSpPr>
+        <p:spPr/>
+        <p:txBody>
+          <a:bodyPr/>
+          <a:lstStyle/>
+          <a:p>
+            <a:pPr algn="ctr"/>
+            <a:r>
+              <a:rPr lang="en-US" sz="3200" dirty="0">
+                <a:latin typeface="Arial"/>
+                <a:cs typeface="Arial"/>
+              </a:rPr>
+              <a:t>2 ⎯ Baseline Model</a:t>
+            </a:r>
+            <a:endParaRPr lang="en-US" sz="3200">
+              <a:latin typeface="Arial"/>
+              <a:cs typeface="Arial"/>
+            </a:endParaRPr>
+          </a:p>
+          <a:p>
+            <a:endParaRPr lang="de-DE" dirty="0">
+              <a:cs typeface="Calibri Light"/>
+            </a:endParaRPr>
+          </a:p>
+        </p:txBody>
+      </p:sp>
+      <p:sp>
+        <p:nvSpPr>
+          <p:cNvPr id="3" name="Inhaltsplatzhalter 2">
+            <a:extLst>
+              <a:ext uri="{FF2B5EF4-FFF2-40B4-BE49-F238E27FC236}">
+                <a16:creationId xmlns:a16="http://schemas.microsoft.com/office/drawing/2014/main" id="{EE025EF8-8464-B4E3-B571-94965B8E747F}"/>
+              </a:ext>
+            </a:extLst>
+          </p:cNvPr>
+          <p:cNvSpPr>
+            <a:spLocks noGrp="1"/>
+          </p:cNvSpPr>
+          <p:nvPr>
+            <p:ph idx="1"/>
+          </p:nvPr>
+        </p:nvSpPr>
+        <p:spPr/>
+        <p:txBody>
+          <a:bodyPr vert="horz" lIns="91440" tIns="45720" rIns="91440" bIns="45720" rtlCol="0" anchor="t">
+            <a:normAutofit/>
+          </a:bodyPr>
+          <a:lstStyle/>
+          <a:p>
+            <a:pPr marL="914400" lvl="1" indent="-457200">
+              <a:buAutoNum type="arabicPeriod"/>
+            </a:pPr>
+            <a:r>
+              <a:rPr lang="en-US" sz="2000" b="1" dirty="0">
+                <a:latin typeface="Arial"/>
+                <a:cs typeface="Arial"/>
+              </a:rPr>
+              <a:t>Linear Regression</a:t>
+            </a:r>
+            <a:r>
+              <a:rPr lang="en-US" sz="2000" dirty="0">
+                <a:latin typeface="Arial"/>
+                <a:cs typeface="Arial"/>
+              </a:rPr>
+              <a:t>s output was simply wrong and we could not get it sorted.</a:t>
+            </a:r>
+            <a:endParaRPr lang="de-DE" dirty="0"/>
+          </a:p>
+          <a:p>
+            <a:pPr marL="914400" lvl="1" indent="-457200">
+              <a:buAutoNum type="arabicPeriod"/>
+            </a:pPr>
+            <a:endParaRPr lang="en-US" sz="2000" dirty="0">
+              <a:latin typeface="Arial"/>
+              <a:cs typeface="Arial"/>
+            </a:endParaRPr>
+          </a:p>
+          <a:p>
+            <a:pPr marL="914400" lvl="1" indent="-457200">
+              <a:buAutoNum type="arabicPeriod"/>
+            </a:pPr>
+            <a:r>
+              <a:rPr lang="en-US" sz="2000" dirty="0">
+                <a:latin typeface="Arial"/>
+                <a:cs typeface="Arial"/>
+              </a:rPr>
+              <a:t>Instead, we used </a:t>
+            </a:r>
+            <a:r>
+              <a:rPr lang="en-US" sz="2000" b="1" dirty="0">
+                <a:latin typeface="Arial"/>
+                <a:cs typeface="Arial"/>
+              </a:rPr>
+              <a:t>Random Forest Regressor and incorporating polynomial features </a:t>
+            </a:r>
+            <a:r>
+              <a:rPr lang="en-US" sz="2000" dirty="0">
+                <a:latin typeface="Arial"/>
+                <a:cs typeface="Arial"/>
+              </a:rPr>
+              <a:t>which worked just fine and allowed us to find dependencies etc.</a:t>
+            </a:r>
+          </a:p>
+          <a:p>
+            <a:endParaRPr lang="de-DE" dirty="0">
+              <a:cs typeface="Calibri"/>
+            </a:endParaRPr>
+          </a:p>
+        </p:txBody>
+      </p:sp>
+    </p:spTree>
+    <p:extLst>
+      <p:ext uri="{BB962C8B-B14F-4D97-AF65-F5344CB8AC3E}">
+        <p14:creationId xmlns:p14="http://schemas.microsoft.com/office/powerpoint/2010/main" val="769488962"/>
+      </p:ext>
+    </p:extLst>
+  </p:cSld>
+  <p:clrMapOvr>
+    <a:masterClrMapping/>
+  </p:clrMapOvr>
+</p:sld>
+</file>
+
+<file path=ppt/slides/slide7.xml><?xml version="1.0" encoding="utf-8"?>
+<p:sld xmlns:a="http://schemas.openxmlformats.org/drawingml/2006/main" xmlns:r="http://schemas.openxmlformats.org/officeDocument/2006/relationships" xmlns:p="http://schemas.openxmlformats.org/presentationml/2006/main">
+  <p:cSld>
+    <p:spTree>
+      <p:nvGrpSpPr>
+        <p:cNvPr id="1" name=""/>
+        <p:cNvGrpSpPr/>
+        <p:nvPr/>
+      </p:nvGrpSpPr>
+      <p:grpSpPr>
+        <a:xfrm>
+          <a:off x="0" y="0"/>
+          <a:ext cx="0" cy="0"/>
+          <a:chOff x="0" y="0"/>
+          <a:chExt cx="0" cy="0"/>
+        </a:xfrm>
+      </p:grpSpPr>
+      <p:sp>
+        <p:nvSpPr>
           <p:cNvPr id="2" name="Title 1">
             <a:extLst>
               <a:ext uri="{FF2B5EF4-FFF2-40B4-BE49-F238E27FC236}">
@@ -7392,11 +7598,11 @@
           <a:p>
             <a:pPr algn="ctr"/>
             <a:r>
-              <a:rPr lang="en-DE" sz="3200" dirty="0">
-                <a:latin typeface="Arial" panose="020B0604020202020204" pitchFamily="34" charset="0"/>
-                <a:cs typeface="Arial" panose="020B0604020202020204" pitchFamily="34" charset="0"/>
-              </a:rPr>
-              <a:t>2 ⎯ Baseline Model</a:t>
+              <a:rPr lang="en-DE" sz="3200">
+                <a:latin typeface="Arial"/>
+                <a:cs typeface="Arial"/>
+              </a:rPr>
+              <a:t>3.1 ⎯  Defining the First Model</a:t>
             </a:r>
             <a:endParaRPr lang="en-DE" sz="3200" i="1" dirty="0">
               <a:latin typeface="Arial" panose="020B0604020202020204" pitchFamily="34" charset="0"/>
@@ -7428,368 +7634,407 @@
           </a:xfrm>
         </p:spPr>
         <p:txBody>
-          <a:bodyPr>
+          <a:bodyPr vert="horz" lIns="91440" tIns="45720" rIns="91440" bIns="45720" rtlCol="0" anchor="t">
             <a:normAutofit/>
           </a:bodyPr>
           <a:lstStyle/>
           <a:p>
             <a:pPr marL="457200" indent="-457200">
-              <a:buFont typeface="+mj-lt"/>
               <a:buAutoNum type="arabicParenR"/>
             </a:pPr>
             <a:r>
-              <a:rPr lang="en-DE" sz="2000" b="1" dirty="0">
-                <a:latin typeface="Arial" panose="020B0604020202020204" pitchFamily="34" charset="0"/>
-                <a:cs typeface="Arial" panose="020B0604020202020204" pitchFamily="34" charset="0"/>
-              </a:rPr>
-              <a:t>Model </a:t>
-            </a:r>
-            <a:r>
-              <a:rPr lang="en-DE" sz="2000" dirty="0">
-                <a:latin typeface="Arial" panose="020B0604020202020204" pitchFamily="34" charset="0"/>
-                <a:cs typeface="Arial" panose="020B0604020202020204" pitchFamily="34" charset="0"/>
-              </a:rPr>
-              <a:t>	</a:t>
-            </a:r>
+              <a:rPr lang="de-DE" sz="2000" b="1" dirty="0">
+                <a:latin typeface="Arial"/>
+                <a:cs typeface="Arial"/>
+              </a:rPr>
+              <a:t>Architecture</a:t>
+            </a:r>
+            <a:endParaRPr lang="de-DE" sz="2000" b="1" dirty="0">
+              <a:latin typeface="Arial" panose="020B0604020202020204" pitchFamily="34" charset="0"/>
+              <a:cs typeface="Arial" panose="020B0604020202020204" pitchFamily="34" charset="0"/>
+            </a:endParaRPr>
+          </a:p>
+          <a:p>
+            <a:pPr marL="914400" lvl="1" indent="-457200">
+              <a:buFont typeface="Courier New" panose="020B0604020202020204" pitchFamily="34" charset="0"/>
+              <a:buChar char="o"/>
+            </a:pPr>
+            <a:r>
+              <a:rPr lang="de-DE" sz="1600" dirty="0">
+                <a:latin typeface="Arial"/>
+                <a:cs typeface="Arial"/>
+              </a:rPr>
+              <a:t>Simple NN </a:t>
+            </a:r>
+            <a:r>
+              <a:rPr lang="de-DE" sz="1600" dirty="0" err="1">
+                <a:latin typeface="Arial"/>
+                <a:cs typeface="Arial"/>
+              </a:rPr>
+              <a:t>with</a:t>
+            </a:r>
+            <a:r>
+              <a:rPr lang="de-DE" sz="1600" dirty="0">
+                <a:latin typeface="Arial"/>
+                <a:cs typeface="Arial"/>
+              </a:rPr>
+              <a:t> 3 </a:t>
+            </a:r>
+            <a:r>
+              <a:rPr lang="de-DE" sz="1600" dirty="0" err="1">
+                <a:latin typeface="Arial"/>
+                <a:cs typeface="Arial"/>
+              </a:rPr>
+              <a:t>Dense</a:t>
+            </a:r>
+            <a:r>
+              <a:rPr lang="de-DE" sz="1600" dirty="0">
+                <a:latin typeface="Arial"/>
+                <a:cs typeface="Arial"/>
+              </a:rPr>
+              <a:t> </a:t>
+            </a:r>
+            <a:r>
+              <a:rPr lang="de-DE" sz="1600" dirty="0" err="1">
+                <a:latin typeface="Arial"/>
+                <a:cs typeface="Arial"/>
+              </a:rPr>
+              <a:t>Layers</a:t>
+            </a:r>
+            <a:endParaRPr lang="de-DE" sz="1600" dirty="0">
+              <a:latin typeface="Arial" panose="020B0604020202020204" pitchFamily="34" charset="0"/>
+              <a:cs typeface="Arial" panose="020B0604020202020204" pitchFamily="34" charset="0"/>
+            </a:endParaRPr>
+          </a:p>
+          <a:p>
+            <a:pPr marL="914400" lvl="1" indent="-457200">
+              <a:buFont typeface="Courier New" panose="020B0604020202020204" pitchFamily="34" charset="0"/>
+              <a:buChar char="o"/>
+            </a:pPr>
+            <a:r>
+              <a:rPr lang="de-DE" sz="1600" dirty="0" err="1">
+                <a:latin typeface="Arial"/>
+                <a:cs typeface="Arial"/>
+              </a:rPr>
+              <a:t>Important</a:t>
+            </a:r>
+            <a:r>
+              <a:rPr lang="de-DE" sz="1600" dirty="0">
+                <a:latin typeface="Arial"/>
+                <a:cs typeface="Arial"/>
+              </a:rPr>
+              <a:t> Last Layer </a:t>
+            </a:r>
+            <a:r>
+              <a:rPr lang="de-DE" sz="1600" dirty="0" err="1">
+                <a:latin typeface="Arial"/>
+                <a:cs typeface="Arial"/>
+              </a:rPr>
+              <a:t>only</a:t>
+            </a:r>
+            <a:r>
+              <a:rPr lang="de-DE" sz="1600" dirty="0">
+                <a:latin typeface="Arial"/>
+                <a:cs typeface="Arial"/>
+              </a:rPr>
+              <a:t> </a:t>
+            </a:r>
+            <a:r>
+              <a:rPr lang="de-DE" sz="1600" dirty="0" err="1">
+                <a:latin typeface="Arial"/>
+                <a:cs typeface="Arial"/>
+              </a:rPr>
+              <a:t>one</a:t>
+            </a:r>
+            <a:r>
+              <a:rPr lang="de-DE" sz="1600" dirty="0">
+                <a:latin typeface="Arial"/>
+                <a:cs typeface="Arial"/>
+              </a:rPr>
+              <a:t> </a:t>
+            </a:r>
+            <a:r>
+              <a:rPr lang="de-DE" sz="1600" dirty="0" err="1">
+                <a:latin typeface="Arial"/>
+                <a:cs typeface="Arial"/>
+              </a:rPr>
+              <a:t>neuron</a:t>
+            </a:r>
+            <a:endParaRPr lang="de-DE" sz="1600" dirty="0">
+              <a:latin typeface="Arial" panose="020B0604020202020204" pitchFamily="34" charset="0"/>
+              <a:cs typeface="Arial" panose="020B0604020202020204" pitchFamily="34" charset="0"/>
+            </a:endParaRPr>
           </a:p>
           <a:p>
             <a:pPr marL="457200" lvl="1" indent="0">
               <a:buNone/>
             </a:pPr>
-            <a:r>
-              <a:rPr lang="en-DE" sz="2000" dirty="0">
-                <a:latin typeface="Arial" panose="020B0604020202020204" pitchFamily="34" charset="0"/>
-                <a:cs typeface="Arial" panose="020B0604020202020204" pitchFamily="34" charset="0"/>
-              </a:rPr>
-              <a:t>Random Forest Regressor and incorporating polynomial features</a:t>
-            </a:r>
+            <a:endParaRPr lang="de-DE" sz="1600" b="1" dirty="0">
+              <a:latin typeface="Arial"/>
+              <a:cs typeface="Arial"/>
+            </a:endParaRPr>
           </a:p>
           <a:p>
             <a:pPr marL="457200" indent="-457200">
-              <a:buFont typeface="+mj-lt"/>
               <a:buAutoNum type="arabicParenR"/>
             </a:pPr>
             <a:r>
-              <a:rPr lang="en-DE" sz="2000" b="1" dirty="0">
-                <a:latin typeface="Arial" panose="020B0604020202020204" pitchFamily="34" charset="0"/>
-                <a:cs typeface="Arial" panose="020B0604020202020204" pitchFamily="34" charset="0"/>
-              </a:rPr>
-              <a:t>Features</a:t>
-            </a:r>
-          </a:p>
-          <a:p>
-            <a:pPr marL="457200" lvl="1" indent="0">
-              <a:buNone/>
-            </a:pPr>
-            <a:r>
-              <a:rPr lang="en-GB" sz="2000" dirty="0">
-                <a:latin typeface="Arial" panose="020B0604020202020204" pitchFamily="34" charset="0"/>
-                <a:cs typeface="Arial" panose="020B0604020202020204" pitchFamily="34" charset="0"/>
-              </a:rPr>
-              <a:t>'</a:t>
-            </a:r>
-            <a:r>
-              <a:rPr lang="en-GB" sz="2000" dirty="0" err="1">
-                <a:latin typeface="Arial" panose="020B0604020202020204" pitchFamily="34" charset="0"/>
-                <a:cs typeface="Arial" panose="020B0604020202020204" pitchFamily="34" charset="0"/>
-              </a:rPr>
-              <a:t>Temperatur</a:t>
-            </a:r>
-            <a:r>
-              <a:rPr lang="en-GB" sz="2000" dirty="0">
-                <a:latin typeface="Arial" panose="020B0604020202020204" pitchFamily="34" charset="0"/>
-                <a:cs typeface="Arial" panose="020B0604020202020204" pitchFamily="34" charset="0"/>
-              </a:rPr>
-              <a:t>', '</a:t>
-            </a:r>
-            <a:r>
-              <a:rPr lang="en-GB" sz="2000" dirty="0" err="1">
-                <a:latin typeface="Arial" panose="020B0604020202020204" pitchFamily="34" charset="0"/>
-                <a:cs typeface="Arial" panose="020B0604020202020204" pitchFamily="34" charset="0"/>
-              </a:rPr>
-              <a:t>KielerWoche</a:t>
-            </a:r>
-            <a:r>
-              <a:rPr lang="en-GB" sz="2000" dirty="0">
-                <a:latin typeface="Arial" panose="020B0604020202020204" pitchFamily="34" charset="0"/>
-                <a:cs typeface="Arial" panose="020B0604020202020204" pitchFamily="34" charset="0"/>
-              </a:rPr>
-              <a:t>', '</a:t>
-            </a:r>
-            <a:r>
-              <a:rPr lang="en-GB" sz="2000" dirty="0" err="1">
-                <a:latin typeface="Arial" panose="020B0604020202020204" pitchFamily="34" charset="0"/>
-                <a:cs typeface="Arial" panose="020B0604020202020204" pitchFamily="34" charset="0"/>
-              </a:rPr>
-              <a:t>Warengruppe</a:t>
-            </a:r>
-            <a:r>
-              <a:rPr lang="en-GB" sz="2000" dirty="0">
-                <a:latin typeface="Arial" panose="020B0604020202020204" pitchFamily="34" charset="0"/>
-                <a:cs typeface="Arial" panose="020B0604020202020204" pitchFamily="34" charset="0"/>
-              </a:rPr>
-              <a:t>', '</a:t>
-            </a:r>
-            <a:r>
-              <a:rPr lang="en-GB" sz="2000" dirty="0" err="1">
-                <a:latin typeface="Arial" panose="020B0604020202020204" pitchFamily="34" charset="0"/>
-                <a:cs typeface="Arial" panose="020B0604020202020204" pitchFamily="34" charset="0"/>
-              </a:rPr>
-              <a:t>Bewoelkung</a:t>
-            </a:r>
-            <a:r>
-              <a:rPr lang="en-GB" sz="2000" dirty="0">
-                <a:latin typeface="Arial" panose="020B0604020202020204" pitchFamily="34" charset="0"/>
-                <a:cs typeface="Arial" panose="020B0604020202020204" pitchFamily="34" charset="0"/>
-              </a:rPr>
-              <a:t>', '</a:t>
-            </a:r>
-            <a:r>
-              <a:rPr lang="en-GB" sz="2000" dirty="0" err="1">
-                <a:latin typeface="Arial" panose="020B0604020202020204" pitchFamily="34" charset="0"/>
-                <a:cs typeface="Arial" panose="020B0604020202020204" pitchFamily="34" charset="0"/>
-              </a:rPr>
-              <a:t>Windgeschwindigkeit</a:t>
-            </a:r>
-            <a:r>
-              <a:rPr lang="en-GB" sz="2000" dirty="0">
-                <a:latin typeface="Arial" panose="020B0604020202020204" pitchFamily="34" charset="0"/>
-                <a:cs typeface="Arial" panose="020B0604020202020204" pitchFamily="34" charset="0"/>
-              </a:rPr>
-              <a:t>', '</a:t>
-            </a:r>
-            <a:r>
-              <a:rPr lang="en-GB" sz="2000" dirty="0" err="1">
-                <a:latin typeface="Arial" panose="020B0604020202020204" pitchFamily="34" charset="0"/>
-                <a:cs typeface="Arial" panose="020B0604020202020204" pitchFamily="34" charset="0"/>
-              </a:rPr>
-              <a:t>Feiertage</a:t>
-            </a:r>
-            <a:r>
-              <a:rPr lang="en-GB" sz="2000" dirty="0">
-                <a:latin typeface="Arial" panose="020B0604020202020204" pitchFamily="34" charset="0"/>
-                <a:cs typeface="Arial" panose="020B0604020202020204" pitchFamily="34" charset="0"/>
-              </a:rPr>
-              <a:t>', '</a:t>
-            </a:r>
-            <a:r>
-              <a:rPr lang="en-GB" sz="2000" dirty="0" err="1">
-                <a:latin typeface="Arial" panose="020B0604020202020204" pitchFamily="34" charset="0"/>
-                <a:cs typeface="Arial" panose="020B0604020202020204" pitchFamily="34" charset="0"/>
-              </a:rPr>
-              <a:t>Ferientage</a:t>
-            </a:r>
-            <a:r>
-              <a:rPr lang="en-GB" sz="2000" dirty="0">
-                <a:latin typeface="Arial" panose="020B0604020202020204" pitchFamily="34" charset="0"/>
-                <a:cs typeface="Arial" panose="020B0604020202020204" pitchFamily="34" charset="0"/>
-              </a:rPr>
-              <a:t>', '</a:t>
-            </a:r>
-            <a:r>
-              <a:rPr lang="en-GB" sz="2000" dirty="0" err="1">
-                <a:latin typeface="Arial" panose="020B0604020202020204" pitchFamily="34" charset="0"/>
-                <a:cs typeface="Arial" panose="020B0604020202020204" pitchFamily="34" charset="0"/>
-              </a:rPr>
-              <a:t>Wetterklasse</a:t>
-            </a:r>
-            <a:r>
-              <a:rPr lang="en-GB" sz="2000" dirty="0">
-                <a:latin typeface="Arial" panose="020B0604020202020204" pitchFamily="34" charset="0"/>
-                <a:cs typeface="Arial" panose="020B0604020202020204" pitchFamily="34" charset="0"/>
-              </a:rPr>
-              <a:t>', '</a:t>
-            </a:r>
-            <a:r>
-              <a:rPr lang="en-GB" sz="2000" dirty="0" err="1">
-                <a:latin typeface="Arial" panose="020B0604020202020204" pitchFamily="34" charset="0"/>
-                <a:cs typeface="Arial" panose="020B0604020202020204" pitchFamily="34" charset="0"/>
-              </a:rPr>
-              <a:t>Niederschlag</a:t>
-            </a:r>
-            <a:r>
-              <a:rPr lang="en-GB" sz="2000" dirty="0">
-                <a:latin typeface="Arial" panose="020B0604020202020204" pitchFamily="34" charset="0"/>
-                <a:cs typeface="Arial" panose="020B0604020202020204" pitchFamily="34" charset="0"/>
-              </a:rPr>
-              <a:t>'</a:t>
-            </a:r>
-            <a:endParaRPr lang="en-DE" sz="2000" dirty="0">
+              <a:rPr lang="de-DE" sz="2000" b="1" dirty="0">
+                <a:latin typeface="Arial"/>
+                <a:cs typeface="Arial"/>
+              </a:rPr>
+              <a:t>Errors</a:t>
+            </a:r>
+            <a:endParaRPr lang="de-DE" sz="2000" b="1" dirty="0">
               <a:latin typeface="Arial" panose="020B0604020202020204" pitchFamily="34" charset="0"/>
               <a:cs typeface="Arial" panose="020B0604020202020204" pitchFamily="34" charset="0"/>
             </a:endParaRPr>
           </a:p>
           <a:p>
-            <a:pPr marL="457200" indent="-457200">
-              <a:buFont typeface="+mj-lt"/>
-              <a:buAutoNum type="arabicParenR"/>
+            <a:pPr marL="914400" lvl="1" indent="-457200">
+              <a:buFont typeface="Courier New" panose="020B0604020202020204" pitchFamily="34" charset="0"/>
+              <a:buChar char="o"/>
             </a:pPr>
             <a:r>
-              <a:rPr lang="en-DE" sz="2000" b="1" dirty="0">
-                <a:latin typeface="Arial" panose="020B0604020202020204" pitchFamily="34" charset="0"/>
-                <a:cs typeface="Arial" panose="020B0604020202020204" pitchFamily="34" charset="0"/>
-              </a:rPr>
-              <a:t>Output</a:t>
-            </a:r>
-          </a:p>
-          <a:p>
-            <a:pPr marL="457200" lvl="1" indent="0">
-              <a:buNone/>
-            </a:pPr>
-            <a:r>
-              <a:rPr lang="en-GB" sz="2000" b="0" i="0" dirty="0">
-                <a:effectLst/>
-                <a:latin typeface="Arial" panose="020B0604020202020204" pitchFamily="34" charset="0"/>
-                <a:cs typeface="Arial" panose="020B0604020202020204" pitchFamily="34" charset="0"/>
-              </a:rPr>
-              <a:t>Cross-validated R2 scores: array([0.7297873 , 0.6889417 , 0.65568813, 0.59231637, 0.61656247])</a:t>
-            </a:r>
-          </a:p>
-          <a:p>
-            <a:pPr marL="457200" lvl="1" indent="0">
-              <a:buNone/>
-            </a:pPr>
-            <a:r>
-              <a:rPr lang="en-GB" sz="2000" b="0" i="0" dirty="0">
-                <a:effectLst/>
-                <a:latin typeface="Arial" panose="020B0604020202020204" pitchFamily="34" charset="0"/>
-                <a:cs typeface="Arial" panose="020B0604020202020204" pitchFamily="34" charset="0"/>
-              </a:rPr>
-              <a:t>Mean R2 score: 0.6566591945000697</a:t>
-            </a:r>
-          </a:p>
-          <a:p>
-            <a:pPr marL="457200" lvl="1" indent="0">
-              <a:buNone/>
-            </a:pPr>
-            <a:r>
-              <a:rPr lang="en-GB" sz="2000" b="1" i="0" dirty="0">
-                <a:solidFill>
-                  <a:srgbClr val="00B050"/>
-                </a:solidFill>
-                <a:effectLst/>
-                <a:latin typeface="Arial" panose="020B0604020202020204" pitchFamily="34" charset="0"/>
-                <a:cs typeface="Arial" panose="020B0604020202020204" pitchFamily="34" charset="0"/>
-              </a:rPr>
-              <a:t>R2 score: 0.6954848698278695</a:t>
-            </a:r>
-          </a:p>
-          <a:p>
-            <a:pPr marL="457200" lvl="1" indent="0">
-              <a:buNone/>
-            </a:pPr>
-            <a:r>
-              <a:rPr lang="en-GB" sz="2000" b="0" i="0" dirty="0">
-                <a:effectLst/>
-                <a:latin typeface="Arial" panose="020B0604020202020204" pitchFamily="34" charset="0"/>
-                <a:cs typeface="Arial" panose="020B0604020202020204" pitchFamily="34" charset="0"/>
-              </a:rPr>
-              <a:t>Mean squared error: 6038.842551516265</a:t>
-            </a:r>
-          </a:p>
-          <a:p>
-            <a:pPr marL="457200" lvl="1" indent="0">
-              <a:buNone/>
-            </a:pPr>
-            <a:r>
-              <a:rPr lang="en-GB" sz="2000" b="0" i="0" dirty="0">
-                <a:effectLst/>
-                <a:latin typeface="Arial" panose="020B0604020202020204" pitchFamily="34" charset="0"/>
-                <a:cs typeface="Arial" panose="020B0604020202020204" pitchFamily="34" charset="0"/>
-              </a:rPr>
-              <a:t>Mean absolute error: 44.857032558501054</a:t>
-            </a:r>
-            <a:endParaRPr lang="en-DE" sz="2000" dirty="0">
+              <a:rPr lang="de-DE" sz="1600" dirty="0">
+                <a:latin typeface="Arial"/>
+                <a:cs typeface="Arial"/>
+              </a:rPr>
+              <a:t>Input Shape</a:t>
+            </a:r>
+            <a:endParaRPr lang="de-DE" sz="1600" dirty="0">
               <a:latin typeface="Arial" panose="020B0604020202020204" pitchFamily="34" charset="0"/>
               <a:cs typeface="Arial" panose="020B0604020202020204" pitchFamily="34" charset="0"/>
             </a:endParaRPr>
           </a:p>
           <a:p>
+            <a:pPr marL="914400" lvl="1" indent="-457200">
+              <a:buFont typeface="Courier New" panose="020B0604020202020204" pitchFamily="34" charset="0"/>
+              <a:buChar char="o"/>
+            </a:pPr>
+            <a:r>
+              <a:rPr lang="de-DE" sz="1600" dirty="0" err="1">
+                <a:latin typeface="Arial"/>
+                <a:cs typeface="Arial"/>
+              </a:rPr>
+              <a:t>Wrong</a:t>
+            </a:r>
+            <a:r>
+              <a:rPr lang="de-DE" sz="1600" dirty="0">
+                <a:latin typeface="Arial"/>
+                <a:cs typeface="Arial"/>
+              </a:rPr>
+              <a:t> </a:t>
+            </a:r>
+            <a:r>
+              <a:rPr lang="de-DE" sz="1600" dirty="0" err="1">
+                <a:latin typeface="Arial"/>
+                <a:cs typeface="Arial"/>
+              </a:rPr>
+              <a:t>Activation</a:t>
+            </a:r>
+            <a:r>
+              <a:rPr lang="de-DE" sz="1600" dirty="0">
+                <a:latin typeface="Arial"/>
+                <a:cs typeface="Arial"/>
+              </a:rPr>
+              <a:t> on last </a:t>
+            </a:r>
+            <a:r>
+              <a:rPr lang="de-DE" sz="1600" dirty="0" err="1">
+                <a:latin typeface="Arial"/>
+                <a:cs typeface="Arial"/>
+              </a:rPr>
+              <a:t>layer</a:t>
+            </a:r>
+            <a:endParaRPr lang="de-DE" sz="1600" dirty="0">
+              <a:latin typeface="Arial"/>
+              <a:cs typeface="Arial"/>
+            </a:endParaRPr>
+          </a:p>
+          <a:p>
+            <a:pPr marL="914400" lvl="1" indent="-457200">
+              <a:buFont typeface="Courier New" panose="020B0604020202020204" pitchFamily="34" charset="0"/>
+              <a:buChar char="o"/>
+            </a:pPr>
+            <a:endParaRPr lang="de-DE" sz="1600" b="1" dirty="0">
+              <a:latin typeface="Arial"/>
+              <a:cs typeface="Arial"/>
+            </a:endParaRPr>
+          </a:p>
+          <a:p>
             <a:pPr marL="457200" indent="-457200">
-              <a:buFont typeface="+mj-lt"/>
               <a:buAutoNum type="arabicParenR"/>
             </a:pPr>
             <a:r>
-              <a:rPr lang="en-DE" sz="2000" b="1" dirty="0">
-                <a:latin typeface="Arial" panose="020B0604020202020204" pitchFamily="34" charset="0"/>
-                <a:cs typeface="Arial" panose="020B0604020202020204" pitchFamily="34" charset="0"/>
-              </a:rPr>
-              <a:t>Conclusion</a:t>
-            </a:r>
-          </a:p>
-          <a:p>
-            <a:pPr marL="457200" lvl="1" indent="0">
-              <a:buNone/>
-            </a:pPr>
-            <a:r>
-              <a:rPr lang="en-GB" sz="2000" b="1" i="0" dirty="0">
-                <a:solidFill>
-                  <a:srgbClr val="00B050"/>
-                </a:solidFill>
-                <a:effectLst/>
-                <a:latin typeface="Arial" panose="020B0604020202020204" pitchFamily="34" charset="0"/>
-                <a:cs typeface="Arial" panose="020B0604020202020204" pitchFamily="34" charset="0"/>
-              </a:rPr>
-              <a:t>R2 score: 0.6954848698278695</a:t>
-            </a:r>
-            <a:r>
-              <a:rPr lang="en-GB" sz="2000" i="0" dirty="0">
-                <a:effectLst/>
-                <a:latin typeface="Arial" panose="020B0604020202020204" pitchFamily="34" charset="0"/>
-                <a:cs typeface="Arial" panose="020B0604020202020204" pitchFamily="34" charset="0"/>
-              </a:rPr>
-              <a:t> is considered good </a:t>
-            </a:r>
-            <a:r>
-              <a:rPr lang="en-GB" sz="2000" i="0" dirty="0">
-                <a:effectLst/>
-                <a:latin typeface="Arial" panose="020B0604020202020204" pitchFamily="34" charset="0"/>
-                <a:cs typeface="Arial" panose="020B0604020202020204" pitchFamily="34" charset="0"/>
-                <a:sym typeface="Wingdings" pitchFamily="2" charset="2"/>
-              </a:rPr>
-              <a:t> Baseline Model is reliable and effective predicting </a:t>
-            </a:r>
-            <a:r>
-              <a:rPr lang="en-GB" sz="2000" i="1" dirty="0" err="1">
-                <a:effectLst/>
-                <a:latin typeface="Arial" panose="020B0604020202020204" pitchFamily="34" charset="0"/>
-                <a:cs typeface="Arial" panose="020B0604020202020204" pitchFamily="34" charset="0"/>
-                <a:sym typeface="Wingdings" pitchFamily="2" charset="2"/>
-              </a:rPr>
-              <a:t>Umsatz</a:t>
-            </a:r>
-            <a:r>
-              <a:rPr lang="en-GB" sz="2000" i="1" dirty="0">
-                <a:effectLst/>
-                <a:latin typeface="Arial" panose="020B0604020202020204" pitchFamily="34" charset="0"/>
-                <a:cs typeface="Arial" panose="020B0604020202020204" pitchFamily="34" charset="0"/>
-                <a:sym typeface="Wingdings" pitchFamily="2" charset="2"/>
-              </a:rPr>
-              <a:t>.</a:t>
-            </a:r>
-            <a:endParaRPr lang="en-GB" sz="2000" b="1" i="1" dirty="0">
-              <a:solidFill>
-                <a:srgbClr val="00B050"/>
-              </a:solidFill>
-              <a:effectLst/>
+              <a:rPr lang="de-DE" sz="2000" b="1" dirty="0">
+                <a:latin typeface="Arial"/>
+                <a:cs typeface="Arial"/>
+              </a:rPr>
+              <a:t>Learning?</a:t>
+            </a:r>
+            <a:endParaRPr lang="de-DE" sz="2000" b="1" dirty="0">
               <a:latin typeface="Arial" panose="020B0604020202020204" pitchFamily="34" charset="0"/>
               <a:cs typeface="Arial" panose="020B0604020202020204" pitchFamily="34" charset="0"/>
             </a:endParaRPr>
           </a:p>
           <a:p>
-            <a:pPr marL="457200" lvl="1" indent="0">
-              <a:buNone/>
+            <a:pPr marL="914400" lvl="1" indent="-457200">
+              <a:buFont typeface="Courier New" panose="020B0604020202020204" pitchFamily="34" charset="0"/>
+              <a:buChar char="o"/>
             </a:pPr>
-            <a:endParaRPr lang="en-DE" sz="2000" dirty="0">
+            <a:r>
+              <a:rPr lang="de-DE" sz="1600" dirty="0" err="1">
+                <a:latin typeface="Arial"/>
+                <a:cs typeface="Arial"/>
+              </a:rPr>
+              <a:t>Get</a:t>
+            </a:r>
+            <a:r>
+              <a:rPr lang="de-DE" sz="1600" dirty="0">
+                <a:latin typeface="Arial"/>
+                <a:cs typeface="Arial"/>
+              </a:rPr>
+              <a:t> </a:t>
+            </a:r>
+            <a:r>
+              <a:rPr lang="de-DE" sz="1600" dirty="0" err="1">
+                <a:latin typeface="Arial"/>
+                <a:cs typeface="Arial"/>
+              </a:rPr>
+              <a:t>the</a:t>
+            </a:r>
+            <a:r>
+              <a:rPr lang="de-DE" sz="1600" dirty="0">
+                <a:latin typeface="Arial"/>
+                <a:cs typeface="Arial"/>
+              </a:rPr>
+              <a:t> </a:t>
+            </a:r>
+            <a:r>
+              <a:rPr lang="de-DE" sz="1600" dirty="0" err="1">
+                <a:latin typeface="Arial"/>
+                <a:cs typeface="Arial"/>
+              </a:rPr>
+              <a:t>basic</a:t>
+            </a:r>
+            <a:r>
+              <a:rPr lang="de-DE" sz="1600" dirty="0">
+                <a:latin typeface="Arial"/>
+                <a:cs typeface="Arial"/>
+              </a:rPr>
+              <a:t> </a:t>
+            </a:r>
+            <a:r>
+              <a:rPr lang="de-DE" sz="1600" dirty="0" err="1">
+                <a:latin typeface="Arial"/>
+                <a:cs typeface="Arial"/>
+              </a:rPr>
+              <a:t>right</a:t>
+            </a:r>
+            <a:r>
+              <a:rPr lang="de-DE" sz="1600" dirty="0">
+                <a:latin typeface="Arial"/>
+                <a:cs typeface="Arial"/>
+              </a:rPr>
+              <a:t>!</a:t>
+            </a:r>
+          </a:p>
+          <a:p>
+            <a:pPr marL="914400" lvl="1" indent="-457200">
+              <a:buFont typeface="Courier New" panose="020B0604020202020204" pitchFamily="34" charset="0"/>
+              <a:buChar char="o"/>
+            </a:pPr>
+            <a:r>
+              <a:rPr lang="de-DE" sz="1600" dirty="0">
+                <a:latin typeface="Arial"/>
+                <a:cs typeface="Arial"/>
+              </a:rPr>
+              <a:t>RTFM</a:t>
+            </a:r>
+            <a:endParaRPr lang="de-DE" sz="1600">
               <a:latin typeface="Arial" panose="020B0604020202020204" pitchFamily="34" charset="0"/>
               <a:cs typeface="Arial" panose="020B0604020202020204" pitchFamily="34" charset="0"/>
             </a:endParaRPr>
           </a:p>
           <a:p>
-            <a:pPr marL="0" indent="0">
-              <a:buNone/>
+            <a:pPr marL="914400" lvl="1" indent="-457200">
+              <a:buFont typeface="Courier New" panose="020B0604020202020204" pitchFamily="34" charset="0"/>
+              <a:buChar char="o"/>
             </a:pPr>
-            <a:endParaRPr lang="en-DE" sz="2000" dirty="0">
+            <a:r>
+              <a:rPr lang="de-DE" sz="1600" dirty="0">
+                <a:latin typeface="Arial"/>
+                <a:cs typeface="Arial"/>
+              </a:rPr>
+              <a:t>Google </a:t>
+            </a:r>
+            <a:r>
+              <a:rPr lang="de-DE" sz="1600" dirty="0" err="1">
+                <a:latin typeface="Arial"/>
+                <a:cs typeface="Arial"/>
+              </a:rPr>
+              <a:t>maybe</a:t>
+            </a:r>
+            <a:r>
+              <a:rPr lang="de-DE" sz="1600" dirty="0">
+                <a:latin typeface="Arial"/>
+                <a:cs typeface="Arial"/>
+              </a:rPr>
+              <a:t>, </a:t>
+            </a:r>
+            <a:r>
+              <a:rPr lang="de-DE" sz="1600" dirty="0" err="1">
+                <a:latin typeface="Arial"/>
+                <a:cs typeface="Arial"/>
+              </a:rPr>
+              <a:t>annoy</a:t>
+            </a:r>
+            <a:r>
+              <a:rPr lang="de-DE" sz="1600" dirty="0">
+                <a:latin typeface="Arial"/>
+                <a:cs typeface="Arial"/>
+              </a:rPr>
+              <a:t> </a:t>
+            </a:r>
+            <a:r>
+              <a:rPr lang="de-DE" sz="1600" dirty="0" err="1">
+                <a:latin typeface="Arial"/>
+                <a:cs typeface="Arial"/>
+              </a:rPr>
+              <a:t>the</a:t>
+            </a:r>
+            <a:r>
+              <a:rPr lang="de-DE" sz="1600" dirty="0">
+                <a:latin typeface="Arial"/>
+                <a:cs typeface="Arial"/>
+              </a:rPr>
+              <a:t> Chatbot</a:t>
+            </a:r>
+          </a:p>
+          <a:p>
+            <a:pPr marL="457200" indent="-457200">
+              <a:buAutoNum type="arabicParenR"/>
+            </a:pPr>
+            <a:endParaRPr lang="de-DE" sz="2000" b="1" dirty="0">
+              <a:latin typeface="Arial" panose="020B0604020202020204" pitchFamily="34" charset="0"/>
+              <a:cs typeface="Arial" panose="020B0604020202020204" pitchFamily="34" charset="0"/>
+            </a:endParaRPr>
+          </a:p>
+          <a:p>
+            <a:pPr marL="457200" indent="-457200">
+              <a:buAutoNum type="arabicParenR"/>
+            </a:pPr>
+            <a:endParaRPr lang="de-DE" sz="2000" b="1" dirty="0">
+              <a:latin typeface="Arial" panose="020B0604020202020204" pitchFamily="34" charset="0"/>
+              <a:cs typeface="Arial" panose="020B0604020202020204" pitchFamily="34" charset="0"/>
+            </a:endParaRPr>
+          </a:p>
+          <a:p>
+            <a:pPr marL="457200" indent="-457200">
+              <a:buAutoNum type="arabicParenR"/>
+            </a:pPr>
+            <a:endParaRPr lang="de-DE" sz="2000" b="1" dirty="0">
               <a:latin typeface="Arial" panose="020B0604020202020204" pitchFamily="34" charset="0"/>
               <a:cs typeface="Arial" panose="020B0604020202020204" pitchFamily="34" charset="0"/>
             </a:endParaRPr>
@@ -7960,7 +8205,7 @@
     </p:spTree>
     <p:extLst>
       <p:ext uri="{BB962C8B-B14F-4D97-AF65-F5344CB8AC3E}">
-        <p14:creationId xmlns:p14="http://schemas.microsoft.com/office/powerpoint/2010/main" val="3495303478"/>
+        <p14:creationId xmlns:p14="http://schemas.microsoft.com/office/powerpoint/2010/main" val="3229970152"/>
       </p:ext>
     </p:extLst>
   </p:cSld>
@@ -7970,7 +8215,7 @@
 </p:sld>
 </file>
 
-<file path=ppt/slides/slide6.xml><?xml version="1.0" encoding="utf-8"?>
+<file path=ppt/slides/slide8.xml><?xml version="1.0" encoding="utf-8"?>
 <p:sld xmlns:a="http://schemas.openxmlformats.org/drawingml/2006/main" xmlns:r="http://schemas.openxmlformats.org/officeDocument/2006/relationships" xmlns:p="http://schemas.openxmlformats.org/presentationml/2006/main">
   <p:cSld>
     <p:spTree>
@@ -8012,16 +8257,19 @@
           <a:p>
             <a:pPr algn="ctr"/>
             <a:r>
-              <a:rPr lang="en-DE" sz="3200">
-                <a:latin typeface="Arial"/>
-                <a:cs typeface="Arial"/>
-              </a:rPr>
-              <a:t>3.1 ⎯  Defining the First Model</a:t>
-            </a:r>
-            <a:endParaRPr lang="en-DE" sz="3200" i="1" dirty="0">
-              <a:latin typeface="Arial" panose="020B0604020202020204" pitchFamily="34" charset="0"/>
-              <a:cs typeface="Arial" panose="020B0604020202020204" pitchFamily="34" charset="0"/>
-            </a:endParaRPr>
+              <a:rPr lang="en-DE" sz="3200" dirty="0">
+                <a:latin typeface="Arial"/>
+                <a:cs typeface="Arial"/>
+              </a:rPr>
+              <a:t>3.2 ⎯  </a:t>
+            </a:r>
+            <a:r>
+              <a:rPr lang="en-US" sz="3200">
+                <a:latin typeface="Arial"/>
+                <a:cs typeface="Arial"/>
+              </a:rPr>
+              <a:t>Defining the Final? Model</a:t>
+            </a:r>
           </a:p>
         </p:txBody>
       </p:sp>
@@ -8069,120 +8317,115 @@
             </a:endParaRPr>
           </a:p>
           <a:p>
-            <a:pPr marL="914400" lvl="1" indent="-457200">
-              <a:buFont typeface="Courier New" panose="020B0604020202020204" pitchFamily="34" charset="0"/>
-              <a:buChar char="o"/>
-            </a:pPr>
+            <a:pPr marL="914400" lvl="1" indent="-457200"/>
             <a:r>
               <a:rPr lang="de-DE" sz="1600" dirty="0">
                 <a:latin typeface="Arial"/>
                 <a:cs typeface="Arial"/>
               </a:rPr>
-              <a:t>Simple NN </a:t>
+              <a:t>6 </a:t>
             </a:r>
             <a:r>
               <a:rPr lang="de-DE" sz="1600" dirty="0" err="1">
                 <a:latin typeface="Arial"/>
                 <a:cs typeface="Arial"/>
               </a:rPr>
-              <a:t>with</a:t>
+              <a:t>Dense</a:t>
             </a:r>
             <a:r>
               <a:rPr lang="de-DE" sz="1600" dirty="0">
                 <a:latin typeface="Arial"/>
                 <a:cs typeface="Arial"/>
               </a:rPr>
-              <a:t> 3 </a:t>
+              <a:t> </a:t>
             </a:r>
             <a:r>
               <a:rPr lang="de-DE" sz="1600" dirty="0" err="1">
                 <a:latin typeface="Arial"/>
                 <a:cs typeface="Arial"/>
               </a:rPr>
-              <a:t>Dense</a:t>
+              <a:t>Layers</a:t>
             </a:r>
             <a:r>
               <a:rPr lang="de-DE" sz="1600" dirty="0">
                 <a:latin typeface="Arial"/>
                 <a:cs typeface="Arial"/>
               </a:rPr>
-              <a:t> </a:t>
+              <a:t> ( 32 </a:t>
             </a:r>
             <a:r>
               <a:rPr lang="de-DE" sz="1600" dirty="0" err="1">
                 <a:latin typeface="Arial"/>
                 <a:cs typeface="Arial"/>
               </a:rPr>
+              <a:t>to</a:t>
+            </a:r>
+            <a:r>
+              <a:rPr lang="de-DE" sz="1600" dirty="0">
+                <a:latin typeface="Arial"/>
+                <a:cs typeface="Arial"/>
+              </a:rPr>
+              <a:t> 128 Neurons )</a:t>
+            </a:r>
+            <a:endParaRPr lang="en-US" sz="1600" dirty="0">
+              <a:latin typeface="Arial"/>
+              <a:cs typeface="Arial"/>
+            </a:endParaRPr>
+          </a:p>
+          <a:p>
+            <a:pPr marL="914400" lvl="1" indent="-457200"/>
+            <a:r>
+              <a:rPr lang="de-DE" sz="1600" dirty="0">
+                <a:latin typeface="Arial"/>
+                <a:cs typeface="Arial"/>
+              </a:rPr>
+              <a:t>3 Dropout </a:t>
+            </a:r>
+            <a:r>
+              <a:rPr lang="de-DE" sz="1600" dirty="0" err="1">
+                <a:latin typeface="Arial"/>
+                <a:cs typeface="Arial"/>
+              </a:rPr>
               <a:t>Layers</a:t>
             </a:r>
             <a:endParaRPr lang="de-DE" sz="1600" dirty="0">
-              <a:latin typeface="Arial" panose="020B0604020202020204" pitchFamily="34" charset="0"/>
-              <a:cs typeface="Arial" panose="020B0604020202020204" pitchFamily="34" charset="0"/>
+              <a:latin typeface="Arial"/>
+              <a:cs typeface="Arial"/>
             </a:endParaRPr>
           </a:p>
           <a:p>
-            <a:pPr marL="914400" lvl="1" indent="-457200">
-              <a:buFont typeface="Courier New" panose="020B0604020202020204" pitchFamily="34" charset="0"/>
-              <a:buChar char="o"/>
-            </a:pPr>
-            <a:r>
-              <a:rPr lang="de-DE" sz="1600" dirty="0" err="1">
-                <a:latin typeface="Arial"/>
-                <a:cs typeface="Arial"/>
-              </a:rPr>
-              <a:t>Important</a:t>
+            <a:pPr marL="914400" lvl="1" indent="-457200"/>
+            <a:r>
+              <a:rPr lang="de-DE" sz="1600" err="1">
+                <a:latin typeface="Arial"/>
+                <a:cs typeface="Arial"/>
+              </a:rPr>
+              <a:t>One</a:t>
             </a:r>
             <a:r>
               <a:rPr lang="de-DE" sz="1600" dirty="0">
                 <a:latin typeface="Arial"/>
                 <a:cs typeface="Arial"/>
               </a:rPr>
-              <a:t> Last Layer </a:t>
-            </a:r>
-            <a:r>
-              <a:rPr lang="de-DE" sz="1600" dirty="0" err="1">
-                <a:latin typeface="Arial"/>
-                <a:cs typeface="Arial"/>
-              </a:rPr>
-              <a:t>only</a:t>
+              <a:t> Input, </a:t>
+            </a:r>
+            <a:r>
+              <a:rPr lang="de-DE" sz="1600" err="1">
+                <a:latin typeface="Arial"/>
+                <a:cs typeface="Arial"/>
+              </a:rPr>
+              <a:t>one</a:t>
             </a:r>
             <a:r>
               <a:rPr lang="de-DE" sz="1600" dirty="0">
                 <a:latin typeface="Arial"/>
                 <a:cs typeface="Arial"/>
               </a:rPr>
-              <a:t> </a:t>
-            </a:r>
-            <a:r>
-              <a:rPr lang="de-DE" sz="1600" dirty="0" err="1">
-                <a:latin typeface="Arial"/>
-                <a:cs typeface="Arial"/>
-              </a:rPr>
-              <a:t>one</a:t>
-            </a:r>
-            <a:r>
-              <a:rPr lang="de-DE" sz="1600" dirty="0">
-                <a:latin typeface="Arial"/>
-                <a:cs typeface="Arial"/>
-              </a:rPr>
-              <a:t> </a:t>
-            </a:r>
-            <a:r>
-              <a:rPr lang="de-DE" sz="1600" dirty="0" err="1">
-                <a:latin typeface="Arial"/>
-                <a:cs typeface="Arial"/>
-              </a:rPr>
-              <a:t>neuron</a:t>
-            </a:r>
-            <a:endParaRPr lang="de-DE" sz="1600" dirty="0">
-              <a:latin typeface="Arial" panose="020B0604020202020204" pitchFamily="34" charset="0"/>
-              <a:cs typeface="Arial" panose="020B0604020202020204" pitchFamily="34" charset="0"/>
-            </a:endParaRPr>
-          </a:p>
-          <a:p>
-            <a:pPr marL="457200" lvl="1" indent="0">
-              <a:buNone/>
-            </a:pPr>
+              <a:t> Output</a:t>
+            </a:r>
+          </a:p>
+          <a:p>
+            <a:pPr marL="914400" lvl="1" indent="-457200"/>
             <a:endParaRPr lang="de-DE" sz="1600" b="1" dirty="0">
               <a:latin typeface="Arial"/>
               <a:cs typeface="Arial"/>
@@ -8193,73 +8436,284 @@
               <a:buAutoNum type="arabicParenR"/>
             </a:pPr>
             <a:r>
+              <a:rPr lang="de-DE" sz="2000" b="1" dirty="0" err="1">
+                <a:latin typeface="Arial"/>
+                <a:cs typeface="Arial"/>
+              </a:rPr>
+              <a:t>Mistakes</a:t>
+            </a:r>
+            <a:r>
               <a:rPr lang="de-DE" sz="2000" b="1" dirty="0">
                 <a:latin typeface="Arial"/>
                 <a:cs typeface="Arial"/>
               </a:rPr>
-              <a:t>Errors</a:t>
-            </a:r>
-            <a:endParaRPr lang="de-DE" sz="2000" b="1" dirty="0">
-              <a:latin typeface="Arial" panose="020B0604020202020204" pitchFamily="34" charset="0"/>
-              <a:cs typeface="Arial" panose="020B0604020202020204" pitchFamily="34" charset="0"/>
+              <a:t>?</a:t>
+            </a:r>
+          </a:p>
+          <a:p>
+            <a:pPr marL="914400" lvl="1" indent="-457200"/>
+            <a:r>
+              <a:rPr lang="de-DE" sz="1600" dirty="0">
+                <a:latin typeface="Arial"/>
+                <a:cs typeface="Arial"/>
+              </a:rPr>
+              <a:t>Lots</a:t>
+            </a:r>
+          </a:p>
+          <a:p>
+            <a:pPr marL="914400" lvl="1" indent="-457200"/>
+            <a:r>
+              <a:rPr lang="de-DE" sz="1600" err="1">
+                <a:latin typeface="Arial"/>
+                <a:cs typeface="Arial"/>
+              </a:rPr>
+              <a:t>Tried</a:t>
+            </a:r>
+            <a:r>
+              <a:rPr lang="de-DE" sz="1600" dirty="0">
+                <a:latin typeface="Arial"/>
+                <a:cs typeface="Arial"/>
+              </a:rPr>
+              <a:t> LSTM </a:t>
+            </a:r>
+            <a:r>
+              <a:rPr lang="de-DE" sz="1600" err="1">
+                <a:latin typeface="Arial"/>
+                <a:cs typeface="Arial"/>
+              </a:rPr>
+              <a:t>without</a:t>
+            </a:r>
+            <a:r>
+              <a:rPr lang="de-DE" sz="1600" dirty="0">
+                <a:latin typeface="Arial"/>
+                <a:cs typeface="Arial"/>
+              </a:rPr>
+              <a:t> </a:t>
+            </a:r>
+            <a:r>
+              <a:rPr lang="de-DE" sz="1600" err="1">
+                <a:latin typeface="Arial"/>
+                <a:cs typeface="Arial"/>
+              </a:rPr>
+              <a:t>understanding</a:t>
+            </a:r>
+            <a:r>
+              <a:rPr lang="de-DE" sz="1600" dirty="0">
+                <a:latin typeface="Arial"/>
+                <a:cs typeface="Arial"/>
+              </a:rPr>
+              <a:t> </a:t>
+            </a:r>
+            <a:r>
+              <a:rPr lang="de-DE" sz="1600" err="1">
+                <a:latin typeface="Arial"/>
+                <a:cs typeface="Arial"/>
+              </a:rPr>
+              <a:t>it</a:t>
+            </a:r>
+            <a:endParaRPr lang="de-DE" sz="1600">
+              <a:latin typeface="Arial"/>
+              <a:cs typeface="Arial"/>
             </a:endParaRPr>
           </a:p>
           <a:p>
-            <a:pPr marL="914400" lvl="1" indent="-457200">
-              <a:buFont typeface="Courier New" panose="020B0604020202020204" pitchFamily="34" charset="0"/>
-              <a:buChar char="o"/>
+            <a:pPr marL="914400" lvl="1" indent="-457200"/>
+            <a:r>
+              <a:rPr lang="de-DE" sz="1600" err="1">
+                <a:latin typeface="Arial"/>
+                <a:cs typeface="Arial"/>
+              </a:rPr>
+              <a:t>Tried</a:t>
+            </a:r>
+            <a:r>
+              <a:rPr lang="de-DE" sz="1600" dirty="0">
+                <a:latin typeface="Arial"/>
+                <a:cs typeface="Arial"/>
+              </a:rPr>
+              <a:t> Conv1D and </a:t>
+            </a:r>
+            <a:r>
+              <a:rPr lang="de-DE" sz="1600" err="1">
+                <a:latin typeface="Arial"/>
+                <a:cs typeface="Arial"/>
+              </a:rPr>
+              <a:t>PoolMax</a:t>
+            </a:r>
+            <a:r>
+              <a:rPr lang="de-DE" sz="1600" dirty="0">
+                <a:latin typeface="Arial"/>
+                <a:cs typeface="Arial"/>
+              </a:rPr>
+              <a:t> </a:t>
+            </a:r>
+            <a:r>
+              <a:rPr lang="de-DE" sz="1600" err="1">
+                <a:latin typeface="Arial"/>
+                <a:cs typeface="Arial"/>
+              </a:rPr>
+              <a:t>layer</a:t>
+            </a:r>
+            <a:endParaRPr lang="de-DE" sz="1600">
+              <a:latin typeface="Arial"/>
+              <a:cs typeface="Arial"/>
+            </a:endParaRPr>
+          </a:p>
+          <a:p>
+            <a:pPr marL="914400" lvl="1" indent="-457200"/>
+            <a:endParaRPr lang="de-DE" sz="1600" b="1" dirty="0">
+              <a:latin typeface="Arial"/>
+              <a:cs typeface="Arial"/>
+            </a:endParaRPr>
+          </a:p>
+          <a:p>
+            <a:pPr marL="457200" indent="-457200">
+              <a:buAutoNum type="arabicParenR"/>
             </a:pPr>
             <a:r>
+              <a:rPr lang="de-DE" sz="2000" b="1" dirty="0">
+                <a:latin typeface="Arial"/>
+                <a:cs typeface="Arial"/>
+              </a:rPr>
+              <a:t>Learning</a:t>
+            </a:r>
+          </a:p>
+          <a:p>
+            <a:pPr marL="914400" lvl="1" indent="-457200"/>
+            <a:r>
               <a:rPr lang="de-DE" sz="1600" dirty="0">
                 <a:latin typeface="Arial"/>
                 <a:cs typeface="Arial"/>
               </a:rPr>
-              <a:t>Input Shape</a:t>
-            </a:r>
-            <a:endParaRPr lang="de-DE" sz="1600" dirty="0">
-              <a:latin typeface="Arial" panose="020B0604020202020204" pitchFamily="34" charset="0"/>
-              <a:cs typeface="Arial" panose="020B0604020202020204" pitchFamily="34" charset="0"/>
+              <a:t>Do not </a:t>
+            </a:r>
+            <a:r>
+              <a:rPr lang="de-DE" sz="1600" dirty="0" err="1">
+                <a:latin typeface="Arial"/>
+                <a:cs typeface="Arial"/>
+              </a:rPr>
+              <a:t>use</a:t>
+            </a:r>
+            <a:r>
+              <a:rPr lang="de-DE" sz="1600" dirty="0">
+                <a:latin typeface="Arial"/>
+                <a:cs typeface="Arial"/>
+              </a:rPr>
+              <a:t> </a:t>
+            </a:r>
+            <a:r>
+              <a:rPr lang="de-DE" sz="1600" dirty="0" err="1">
+                <a:latin typeface="Arial"/>
+                <a:cs typeface="Arial"/>
+              </a:rPr>
+              <a:t>things</a:t>
+            </a:r>
+            <a:r>
+              <a:rPr lang="de-DE" sz="1600" dirty="0">
+                <a:latin typeface="Arial"/>
+                <a:cs typeface="Arial"/>
+              </a:rPr>
+              <a:t> </a:t>
+            </a:r>
+            <a:r>
+              <a:rPr lang="de-DE" sz="1600" dirty="0" err="1">
+                <a:latin typeface="Arial"/>
+                <a:cs typeface="Arial"/>
+              </a:rPr>
+              <a:t>you</a:t>
+            </a:r>
+            <a:r>
+              <a:rPr lang="de-DE" sz="1600" dirty="0">
+                <a:latin typeface="Arial"/>
+                <a:cs typeface="Arial"/>
+              </a:rPr>
+              <a:t> do not </a:t>
+            </a:r>
+            <a:r>
+              <a:rPr lang="de-DE" sz="1600" dirty="0" err="1">
+                <a:latin typeface="Arial"/>
+                <a:cs typeface="Arial"/>
+              </a:rPr>
+              <a:t>understand</a:t>
+            </a:r>
+            <a:r>
+              <a:rPr lang="de-DE" sz="1600" dirty="0">
+                <a:latin typeface="Arial"/>
+                <a:cs typeface="Arial"/>
+              </a:rPr>
+              <a:t>!</a:t>
+            </a:r>
+            <a:endParaRPr lang="de-DE" sz="1600" b="1" dirty="0">
+              <a:latin typeface="Arial"/>
+              <a:cs typeface="Arial"/>
             </a:endParaRPr>
           </a:p>
           <a:p>
-            <a:pPr marL="914400" lvl="1" indent="-457200">
-              <a:buFont typeface="Courier New" panose="020B0604020202020204" pitchFamily="34" charset="0"/>
-              <a:buChar char="o"/>
-            </a:pPr>
+            <a:pPr marL="914400" lvl="1" indent="-457200"/>
+            <a:r>
+              <a:rPr lang="de-DE" sz="1600" dirty="0">
+                <a:latin typeface="Arial"/>
+                <a:cs typeface="Arial"/>
+              </a:rPr>
+              <a:t>RTFM!!</a:t>
+            </a:r>
+          </a:p>
+          <a:p>
+            <a:pPr marL="914400" lvl="1" indent="-457200"/>
+            <a:r>
+              <a:rPr lang="de-DE" sz="1600" dirty="0">
+                <a:latin typeface="Arial"/>
+                <a:cs typeface="Arial"/>
+              </a:rPr>
+              <a:t>Validation </a:t>
+            </a:r>
             <a:r>
               <a:rPr lang="de-DE" sz="1600" dirty="0" err="1">
                 <a:latin typeface="Arial"/>
                 <a:cs typeface="Arial"/>
               </a:rPr>
-              <a:t>Wrong</a:t>
+              <a:t>metrics</a:t>
             </a:r>
             <a:r>
               <a:rPr lang="de-DE" sz="1600" dirty="0">
                 <a:latin typeface="Arial"/>
                 <a:cs typeface="Arial"/>
               </a:rPr>
-              <a:t> </a:t>
+              <a:t> </a:t>
             </a:r>
             <a:r>
               <a:rPr lang="de-DE" sz="1600" dirty="0" err="1">
                 <a:latin typeface="Arial"/>
                 <a:cs typeface="Arial"/>
               </a:rPr>
-              <a:t>Activation</a:t>
+              <a:t>are</a:t>
             </a:r>
             <a:r>
               <a:rPr lang="de-DE" sz="1600" dirty="0">
                 <a:latin typeface="Arial"/>
                 <a:cs typeface="Arial"/>
               </a:rPr>
-              <a:t> on last </a:t>
+              <a:t> </a:t>
             </a:r>
             <a:r>
               <a:rPr lang="de-DE" sz="1600" dirty="0" err="1">
                 <a:latin typeface="Arial"/>
                 <a:cs typeface="Arial"/>
               </a:rPr>
-              <a:t>layer</a:t>
+              <a:t>evil</a:t>
+            </a:r>
+            <a:r>
+              <a:rPr lang="de-DE" sz="1600" dirty="0">
+                <a:latin typeface="Arial"/>
+                <a:cs typeface="Arial"/>
+              </a:rPr>
+              <a:t> </a:t>
+            </a:r>
+            <a:r>
+              <a:rPr lang="de-DE" sz="1600" dirty="0" err="1">
+                <a:latin typeface="Arial"/>
+                <a:cs typeface="Arial"/>
+              </a:rPr>
+              <a:t>traitors</a:t>
             </a:r>
             <a:endParaRPr lang="de-DE" sz="1600" dirty="0">
               <a:latin typeface="Arial"/>
@@ -8267,190 +8721,24 @@
             </a:endParaRPr>
           </a:p>
           <a:p>
-            <a:pPr marL="914400" lvl="1" indent="-457200">
-              <a:buFont typeface="Courier New" panose="020B0604020202020204" pitchFamily="34" charset="0"/>
-              <a:buChar char="o"/>
-            </a:pPr>
+            <a:pPr marL="914400" lvl="1" indent="-457200"/>
             <a:endParaRPr lang="de-DE" sz="1600" b="1" dirty="0">
               <a:latin typeface="Arial"/>
               <a:cs typeface="Arial"/>
             </a:endParaRPr>
           </a:p>
           <a:p>
-            <a:pPr marL="457200" indent="-457200">
-              <a:buAutoNum type="arabicParenR"/>
-            </a:pPr>
-            <a:r>
-              <a:rPr lang="de-DE" sz="2000" b="1" dirty="0">
-                <a:latin typeface="Arial"/>
-                <a:cs typeface="Arial"/>
-              </a:rPr>
-              <a:t>Learning?</a:t>
-            </a:r>
-            <a:endParaRPr lang="de-DE" sz="2000" b="1" dirty="0">
-              <a:latin typeface="Arial" panose="020B0604020202020204" pitchFamily="34" charset="0"/>
-              <a:cs typeface="Arial" panose="020B0604020202020204" pitchFamily="34" charset="0"/>
+            <a:pPr marL="914400" lvl="1" indent="-457200"/>
+            <a:endParaRPr lang="de-DE" sz="1600" b="1" dirty="0">
+              <a:latin typeface="Arial"/>
+              <a:cs typeface="Arial"/>
             </a:endParaRPr>
           </a:p>
           <a:p>
-            <a:pPr marL="914400" lvl="1" indent="-457200">
-              <a:buFont typeface="Courier New" panose="020B0604020202020204" pitchFamily="34" charset="0"/>
-              <a:buChar char="o"/>
-            </a:pPr>
-            <a:r>
-              <a:rPr lang="de-DE" sz="1600" dirty="0" err="1">
-                <a:latin typeface="Arial"/>
-                <a:cs typeface="Arial"/>
-              </a:rPr>
-              <a:t>Get</a:t>
-            </a:r>
-            <a:r>
-              <a:rPr lang="de-DE" sz="1600" dirty="0">
-                <a:latin typeface="Arial"/>
-                <a:cs typeface="Arial"/>
-              </a:rPr>
-              <a:t> </a:t>
-            </a:r>
-            <a:r>
-              <a:rPr lang="de-DE" sz="1600" dirty="0" err="1">
-                <a:latin typeface="Arial"/>
-                <a:cs typeface="Arial"/>
-              </a:rPr>
-              <a:t>the</a:t>
-            </a:r>
-            <a:r>
-              <a:rPr lang="de-DE" sz="1600" dirty="0">
-                <a:latin typeface="Arial"/>
-                <a:cs typeface="Arial"/>
-              </a:rPr>
-              <a:t> </a:t>
-            </a:r>
-            <a:r>
-              <a:rPr lang="de-DE" sz="1600" dirty="0" err="1">
-                <a:latin typeface="Arial"/>
-                <a:cs typeface="Arial"/>
-              </a:rPr>
-              <a:t>basic</a:t>
-            </a:r>
-            <a:r>
-              <a:rPr lang="de-DE" sz="1600" dirty="0">
-                <a:latin typeface="Arial"/>
-                <a:cs typeface="Arial"/>
-              </a:rPr>
-              <a:t> </a:t>
-            </a:r>
-            <a:r>
-              <a:rPr lang="de-DE" sz="1600" dirty="0" err="1">
-                <a:latin typeface="Arial"/>
-                <a:cs typeface="Arial"/>
-              </a:rPr>
-              <a:t>right</a:t>
-            </a:r>
-            <a:r>
-              <a:rPr lang="de-DE" sz="1600" dirty="0">
-                <a:latin typeface="Arial"/>
-                <a:cs typeface="Arial"/>
-              </a:rPr>
-              <a:t>!</a:t>
-            </a:r>
-          </a:p>
-          <a:p>
-            <a:pPr marL="914400" lvl="1" indent="-457200">
-              <a:buFont typeface="Courier New" panose="020B0604020202020204" pitchFamily="34" charset="0"/>
-              <a:buChar char="o"/>
-            </a:pPr>
-            <a:r>
-              <a:rPr lang="de-DE" sz="1600" dirty="0">
-                <a:latin typeface="Arial"/>
-                <a:cs typeface="Arial"/>
-              </a:rPr>
-              <a:t>RTFM</a:t>
-            </a:r>
-            <a:endParaRPr lang="de-DE" sz="1600">
-              <a:latin typeface="Arial" panose="020B0604020202020204" pitchFamily="34" charset="0"/>
-              <a:cs typeface="Arial" panose="020B0604020202020204" pitchFamily="34" charset="0"/>
-            </a:endParaRPr>
-          </a:p>
-          <a:p>
-            <a:pPr marL="914400" lvl="1" indent="-457200">
-              <a:buFont typeface="Courier New" panose="020B0604020202020204" pitchFamily="34" charset="0"/>
-              <a:buChar char="o"/>
-            </a:pPr>
-            <a:r>
-              <a:rPr lang="de-DE" sz="1600" dirty="0">
-                <a:latin typeface="Arial"/>
-                <a:cs typeface="Arial"/>
-              </a:rPr>
-              <a:t>Google </a:t>
-            </a:r>
-            <a:r>
-              <a:rPr lang="de-DE" sz="1600" dirty="0" err="1">
-                <a:latin typeface="Arial"/>
-                <a:cs typeface="Arial"/>
-              </a:rPr>
-              <a:t>maybe</a:t>
-            </a:r>
-            <a:r>
-              <a:rPr lang="de-DE" sz="1600" dirty="0">
-                <a:latin typeface="Arial"/>
-                <a:cs typeface="Arial"/>
-              </a:rPr>
-              <a:t>, </a:t>
-            </a:r>
-            <a:r>
-              <a:rPr lang="de-DE" sz="1600" dirty="0" err="1">
-                <a:latin typeface="Arial"/>
-                <a:cs typeface="Arial"/>
-              </a:rPr>
-              <a:t>annoy</a:t>
-            </a:r>
-            <a:r>
-              <a:rPr lang="de-DE" sz="1600" dirty="0">
-                <a:latin typeface="Arial"/>
-                <a:cs typeface="Arial"/>
-              </a:rPr>
-              <a:t> </a:t>
-            </a:r>
-            <a:r>
-              <a:rPr lang="de-DE" sz="1600" dirty="0" err="1">
-                <a:latin typeface="Arial"/>
-                <a:cs typeface="Arial"/>
-              </a:rPr>
-              <a:t>the</a:t>
-            </a:r>
-            <a:r>
-              <a:rPr lang="de-DE" sz="1600" dirty="0">
-                <a:latin typeface="Arial"/>
-                <a:cs typeface="Arial"/>
-              </a:rPr>
-              <a:t> Chatbot</a:t>
-            </a:r>
-          </a:p>
-          <a:p>
-            <a:pPr marL="457200" indent="-457200">
-              <a:buAutoNum type="arabicParenR"/>
-            </a:pPr>
-            <a:endParaRPr lang="de-DE" sz="2000" b="1" dirty="0">
-              <a:latin typeface="Arial" panose="020B0604020202020204" pitchFamily="34" charset="0"/>
-              <a:cs typeface="Arial" panose="020B0604020202020204" pitchFamily="34" charset="0"/>
-            </a:endParaRPr>
-          </a:p>
-          <a:p>
-            <a:pPr marL="457200" indent="-457200">
-              <a:buAutoNum type="arabicParenR"/>
-            </a:pPr>
-            <a:endParaRPr lang="de-DE" sz="2000" b="1" dirty="0">
-              <a:latin typeface="Arial" panose="020B0604020202020204" pitchFamily="34" charset="0"/>
-              <a:cs typeface="Arial" panose="020B0604020202020204" pitchFamily="34" charset="0"/>
-            </a:endParaRPr>
-          </a:p>
-          <a:p>
-            <a:pPr marL="457200" indent="-457200">
-              <a:buAutoNum type="arabicParenR"/>
-            </a:pPr>
-            <a:endParaRPr lang="de-DE" sz="2000" b="1" dirty="0">
-              <a:latin typeface="Arial" panose="020B0604020202020204" pitchFamily="34" charset="0"/>
-              <a:cs typeface="Arial" panose="020B0604020202020204" pitchFamily="34" charset="0"/>
+            <a:pPr marL="914400" lvl="1" indent="-457200"/>
+            <a:endParaRPr lang="de-DE" sz="1600" b="1" dirty="0">
+              <a:latin typeface="Arial"/>
+              <a:cs typeface="Arial"/>
             </a:endParaRPr>
           </a:p>
         </p:txBody>
@@ -8619,7 +8907,7 @@
     </p:spTree>
     <p:extLst>
       <p:ext uri="{BB962C8B-B14F-4D97-AF65-F5344CB8AC3E}">
-        <p14:creationId xmlns:p14="http://schemas.microsoft.com/office/powerpoint/2010/main" val="3229970152"/>
+        <p14:creationId xmlns:p14="http://schemas.microsoft.com/office/powerpoint/2010/main" val="2376264421"/>
       </p:ext>
     </p:extLst>
   </p:cSld>
@@ -8629,7 +8917,7 @@
 </p:sld>
 </file>
 
-<file path=ppt/slides/slide7.xml><?xml version="1.0" encoding="utf-8"?>
+<file path=ppt/slides/slide9.xml><?xml version="1.0" encoding="utf-8"?>
 <p:sld xmlns:a="http://schemas.openxmlformats.org/drawingml/2006/main" xmlns:r="http://schemas.openxmlformats.org/officeDocument/2006/relationships" xmlns:p="http://schemas.openxmlformats.org/presentationml/2006/main">
   <p:cSld>
     <p:spTree>
@@ -8675,15 +8963,40 @@
                 <a:latin typeface="Arial"/>
                 <a:cs typeface="Arial"/>
               </a:rPr>
-              <a:t>3.2 ⎯  </a:t>
-            </a:r>
-            <a:r>
-              <a:rPr lang="en-US" sz="3200">
-                <a:latin typeface="Arial"/>
-                <a:cs typeface="Arial"/>
-              </a:rPr>
-              <a:t>Defining the Final? Model</a:t>
-            </a:r>
+              <a:t>3.3 ⎯  Evaluation </a:t>
+            </a:r>
+            <a:r>
+              <a:rPr lang="en-DE" sz="3200" dirty="0" err="1">
+                <a:latin typeface="Arial"/>
+                <a:cs typeface="Arial"/>
+              </a:rPr>
+              <a:t>of</a:t>
+            </a:r>
+            <a:r>
+              <a:rPr lang="en-DE" sz="3200" dirty="0">
+                <a:latin typeface="Arial"/>
+                <a:cs typeface="Arial"/>
+              </a:rPr>
+              <a:t> </a:t>
+            </a:r>
+            <a:r>
+              <a:rPr lang="en-DE" sz="3200" dirty="0" err="1">
+                <a:latin typeface="Arial"/>
+                <a:cs typeface="Arial"/>
+              </a:rPr>
+              <a:t>the</a:t>
+            </a:r>
+            <a:r>
+              <a:rPr lang="en-DE" sz="3200">
+                <a:latin typeface="Arial"/>
+                <a:cs typeface="Arial"/>
+              </a:rPr>
+              <a:t> Model</a:t>
+            </a:r>
+            <a:endParaRPr lang="de-DE" sz="3200" i="1">
+              <a:latin typeface="Arial"/>
+              <a:cs typeface="Arial"/>
+            </a:endParaRPr>
           </a:p>
         </p:txBody>
       </p:sp>
@@ -8719,88 +9032,243 @@
               <a:buAutoNum type="arabicParenR"/>
             </a:pPr>
             <a:r>
+              <a:rPr lang="de-DE" sz="2000" b="1" dirty="0" err="1">
+                <a:latin typeface="Arial"/>
+                <a:cs typeface="Arial"/>
+              </a:rPr>
+              <a:t>How</a:t>
+            </a:r>
+            <a:r>
               <a:rPr lang="de-DE" sz="2000" b="1" dirty="0">
                 <a:latin typeface="Arial"/>
                 <a:cs typeface="Arial"/>
               </a:rPr>
-              <a:t>Architecture</a:t>
-            </a:r>
+              <a:t> and </a:t>
+            </a:r>
+            <a:r>
+              <a:rPr lang="de-DE" sz="2000" b="1" dirty="0" err="1">
+                <a:latin typeface="Arial"/>
+                <a:cs typeface="Arial"/>
+              </a:rPr>
+              <a:t>what</a:t>
+            </a:r>
+            <a:endParaRPr lang="de-DE" sz="2000" b="1" dirty="0" err="1">
+              <a:latin typeface="Arial" panose="020B0604020202020204" pitchFamily="34" charset="0"/>
+              <a:cs typeface="Arial" panose="020B0604020202020204" pitchFamily="34" charset="0"/>
+            </a:endParaRPr>
+          </a:p>
+          <a:p>
+            <a:pPr marL="914400" lvl="1" indent="-457200">
+              <a:buFont typeface="Courier New" panose="020B0604020202020204" pitchFamily="34" charset="0"/>
+              <a:buChar char="o"/>
+            </a:pPr>
+            <a:r>
+              <a:rPr lang="de-DE" sz="1600" dirty="0">
+                <a:latin typeface="Arial"/>
+                <a:cs typeface="Arial"/>
+              </a:rPr>
+              <a:t>Validation </a:t>
+            </a:r>
+            <a:r>
+              <a:rPr lang="de-DE" sz="1600" dirty="0" err="1">
+                <a:latin typeface="Arial"/>
+                <a:cs typeface="Arial"/>
+              </a:rPr>
+              <a:t>metrics</a:t>
+            </a:r>
+            <a:r>
+              <a:rPr lang="de-DE" sz="1600" dirty="0">
+                <a:latin typeface="Arial"/>
+                <a:cs typeface="Arial"/>
+              </a:rPr>
+              <a:t> </a:t>
+            </a:r>
+            <a:r>
+              <a:rPr lang="de-DE" sz="1600" dirty="0" err="1">
+                <a:latin typeface="Arial"/>
+                <a:cs typeface="Arial"/>
+              </a:rPr>
+              <a:t>are</a:t>
+            </a:r>
+            <a:r>
+              <a:rPr lang="de-DE" sz="1600" dirty="0">
+                <a:latin typeface="Arial"/>
+                <a:cs typeface="Arial"/>
+              </a:rPr>
+              <a:t> still </a:t>
+            </a:r>
+            <a:r>
+              <a:rPr lang="de-DE" sz="1600" dirty="0" err="1">
+                <a:latin typeface="Arial"/>
+                <a:cs typeface="Arial"/>
+              </a:rPr>
+              <a:t>evil</a:t>
+            </a:r>
+            <a:r>
+              <a:rPr lang="de-DE" sz="1600" dirty="0">
+                <a:latin typeface="Arial"/>
+                <a:cs typeface="Arial"/>
+              </a:rPr>
+              <a:t> </a:t>
+            </a:r>
+            <a:r>
+              <a:rPr lang="de-DE" sz="1600" dirty="0" err="1">
+                <a:latin typeface="Arial"/>
+                <a:cs typeface="Arial"/>
+              </a:rPr>
+              <a:t>traitos</a:t>
+            </a:r>
+            <a:endParaRPr lang="de-DE" sz="1600" b="1" dirty="0" err="1">
+              <a:latin typeface="Arial" panose="020B0604020202020204" pitchFamily="34" charset="0"/>
+              <a:cs typeface="Arial" panose="020B0604020202020204" pitchFamily="34" charset="0"/>
+            </a:endParaRPr>
+          </a:p>
+          <a:p>
+            <a:pPr marL="914400" lvl="1" indent="-457200">
+              <a:buFont typeface="Courier New" panose="020B0604020202020204" pitchFamily="34" charset="0"/>
+              <a:buChar char="o"/>
+            </a:pPr>
+            <a:r>
+              <a:rPr lang="de-DE" sz="1600" dirty="0">
+                <a:latin typeface="Arial"/>
+                <a:cs typeface="Arial"/>
+              </a:rPr>
+              <a:t>Values </a:t>
+            </a:r>
+            <a:r>
+              <a:rPr lang="de-DE" sz="1600" dirty="0" err="1">
+                <a:latin typeface="Arial"/>
+                <a:cs typeface="Arial"/>
+              </a:rPr>
+              <a:t>are</a:t>
+            </a:r>
+            <a:r>
+              <a:rPr lang="de-DE" sz="1600" dirty="0">
+                <a:latin typeface="Arial"/>
+                <a:cs typeface="Arial"/>
+              </a:rPr>
+              <a:t> </a:t>
+            </a:r>
+            <a:r>
+              <a:rPr lang="de-DE" sz="1600" dirty="0" err="1">
+                <a:latin typeface="Arial"/>
+                <a:cs typeface="Arial"/>
+              </a:rPr>
+              <a:t>oscillating</a:t>
+            </a:r>
+            <a:r>
+              <a:rPr lang="de-DE" sz="1600" dirty="0">
+                <a:latin typeface="Arial"/>
+                <a:cs typeface="Arial"/>
+              </a:rPr>
+              <a:t> </a:t>
+            </a:r>
+            <a:endParaRPr lang="de-DE" sz="1600" dirty="0">
+              <a:latin typeface="Arial" panose="020B0604020202020204" pitchFamily="34" charset="0"/>
+              <a:cs typeface="Arial" panose="020B0604020202020204" pitchFamily="34" charset="0"/>
+            </a:endParaRPr>
+          </a:p>
+          <a:p>
+            <a:pPr marL="914400" lvl="1" indent="-457200">
+              <a:buFont typeface="Courier New" panose="020B0604020202020204" pitchFamily="34" charset="0"/>
+              <a:buChar char="o"/>
+            </a:pPr>
+            <a:r>
+              <a:rPr lang="de-DE" sz="1600" dirty="0">
+                <a:latin typeface="Arial"/>
+                <a:cs typeface="Arial"/>
+              </a:rPr>
+              <a:t>Val-</a:t>
+            </a:r>
+            <a:r>
+              <a:rPr lang="de-DE" sz="1600" dirty="0" err="1">
+                <a:latin typeface="Arial"/>
+                <a:cs typeface="Arial"/>
+              </a:rPr>
+              <a:t>Mape</a:t>
+            </a:r>
+            <a:r>
+              <a:rPr lang="de-DE" sz="1600" dirty="0">
+                <a:latin typeface="Arial"/>
+                <a:cs typeface="Arial"/>
+              </a:rPr>
+              <a:t> = ~ 25 %</a:t>
+            </a:r>
+            <a:endParaRPr lang="de-DE" sz="1600" dirty="0">
+              <a:latin typeface="Arial" panose="020B0604020202020204" pitchFamily="34" charset="0"/>
+              <a:cs typeface="Arial" panose="020B0604020202020204" pitchFamily="34" charset="0"/>
+            </a:endParaRPr>
+          </a:p>
+          <a:p>
+            <a:pPr marL="457200" indent="-457200">
+              <a:buAutoNum type="arabicParenR"/>
+            </a:pPr>
             <a:endParaRPr lang="de-DE" sz="2000" b="1" dirty="0">
               <a:latin typeface="Arial" panose="020B0604020202020204" pitchFamily="34" charset="0"/>
               <a:cs typeface="Arial" panose="020B0604020202020204" pitchFamily="34" charset="0"/>
             </a:endParaRPr>
           </a:p>
           <a:p>
-            <a:pPr marL="914400" lvl="1" indent="-457200"/>
+            <a:pPr marL="457200" indent="-457200">
+              <a:buAutoNum type="arabicParenR"/>
+            </a:pPr>
+            <a:r>
+              <a:rPr lang="de-DE" sz="2000" b="1" dirty="0" err="1">
+                <a:latin typeface="Arial"/>
+                <a:cs typeface="Arial"/>
+              </a:rPr>
+              <a:t>Why</a:t>
+            </a:r>
+          </a:p>
+          <a:p>
+            <a:pPr marL="914400" lvl="1" indent="-457200">
+              <a:buFont typeface="Courier New" panose="020B0604020202020204" pitchFamily="34" charset="0"/>
+              <a:buChar char="o"/>
+            </a:pPr>
+            <a:r>
+              <a:rPr lang="de-DE" sz="1600" dirty="0" err="1">
+                <a:latin typeface="Arial"/>
+                <a:cs typeface="Arial"/>
+              </a:rPr>
+              <a:t>To</a:t>
+            </a:r>
             <a:r>
               <a:rPr lang="de-DE" sz="1600" dirty="0">
                 <a:latin typeface="Arial"/>
                 <a:cs typeface="Arial"/>
               </a:rPr>
-              <a:t>6 </a:t>
-            </a:r>
-            <a:r>
-              <a:rPr lang="de-DE" sz="1600" dirty="0" err="1">
-                <a:latin typeface="Arial"/>
-                <a:cs typeface="Arial"/>
-              </a:rPr>
-              <a:t>Dense</a:t>
-            </a:r>
-            <a:r>
-              <a:rPr lang="de-DE" sz="1600" dirty="0">
-                <a:latin typeface="Arial"/>
-                <a:cs typeface="Arial"/>
-              </a:rPr>
-              <a:t> </a:t>
-            </a:r>
-            <a:r>
-              <a:rPr lang="de-DE" sz="1600" dirty="0" err="1">
-                <a:latin typeface="Arial"/>
-                <a:cs typeface="Arial"/>
-              </a:rPr>
-              <a:t>Layers</a:t>
-            </a:r>
-            <a:r>
-              <a:rPr lang="de-DE" sz="1600" dirty="0">
-                <a:latin typeface="Arial"/>
-                <a:cs typeface="Arial"/>
-              </a:rPr>
-              <a:t> ( 32 </a:t>
-            </a:r>
-            <a:r>
-              <a:rPr lang="de-DE" sz="1600" dirty="0" err="1">
-                <a:latin typeface="Arial"/>
-                <a:cs typeface="Arial"/>
-              </a:rPr>
-              <a:t>to</a:t>
-            </a:r>
-            <a:r>
-              <a:rPr lang="de-DE" sz="1600" dirty="0">
-                <a:latin typeface="Arial"/>
-                <a:cs typeface="Arial"/>
-              </a:rPr>
-              <a:t> 128 Neurons</a:t>
-            </a:r>
-            <a:endParaRPr lang="en-US" sz="1600">
+              <a:t> high Learning Rate</a:t>
+            </a:r>
+            <a:endParaRPr lang="de-DE" sz="1600" b="1" dirty="0">
               <a:latin typeface="Arial"/>
               <a:cs typeface="Arial"/>
             </a:endParaRPr>
           </a:p>
           <a:p>
-            <a:pPr marL="914400" lvl="1" indent="-457200"/>
+            <a:pPr marL="914400" lvl="1" indent="-457200">
+              <a:buFont typeface="Courier New" panose="020B0604020202020204" pitchFamily="34" charset="0"/>
+              <a:buChar char="o"/>
+            </a:pPr>
+            <a:r>
+              <a:rPr lang="de-DE" sz="1600" dirty="0" err="1">
+                <a:latin typeface="Arial"/>
+                <a:cs typeface="Arial"/>
+              </a:rPr>
+              <a:t>Worse</a:t>
+            </a:r>
             <a:r>
               <a:rPr lang="de-DE" sz="1600" dirty="0">
                 <a:latin typeface="Arial"/>
                 <a:cs typeface="Arial"/>
               </a:rPr>
-              <a:t>3 Dropout </a:t>
+              <a:t> Optimizer and Loss </a:t>
             </a:r>
             <a:r>
               <a:rPr lang="de-DE" sz="1600" dirty="0" err="1">
                 <a:latin typeface="Arial"/>
                 <a:cs typeface="Arial"/>
               </a:rPr>
-              <a:t>Layers</a:t>
+              <a:t>function</a:t>
             </a:r>
             <a:endParaRPr lang="de-DE" sz="1600" dirty="0">
               <a:latin typeface="Arial"/>
@@ -8808,288 +9276,90 @@
             </a:endParaRPr>
           </a:p>
           <a:p>
-            <a:pPr marL="914400" lvl="1" indent="-457200"/>
-            <a:r>
-              <a:rPr lang="de-DE" sz="1600" err="1">
-                <a:latin typeface="Arial"/>
-                <a:cs typeface="Arial"/>
-              </a:rPr>
-              <a:t>One</a:t>
-            </a:r>
-            <a:r>
-              <a:rPr lang="de-DE" sz="1600" dirty="0">
-                <a:latin typeface="Arial"/>
-                <a:cs typeface="Arial"/>
-              </a:rPr>
-              <a:t> Input, </a:t>
-            </a:r>
-            <a:r>
-              <a:rPr lang="de-DE" sz="1600" err="1">
-                <a:latin typeface="Arial"/>
-                <a:cs typeface="Arial"/>
-              </a:rPr>
-              <a:t>one</a:t>
-            </a:r>
-            <a:r>
-              <a:rPr lang="de-DE" sz="1600" dirty="0">
-                <a:latin typeface="Arial"/>
-                <a:cs typeface="Arial"/>
-              </a:rPr>
-              <a:t> Output</a:t>
-            </a:r>
-          </a:p>
-          <a:p>
-            <a:pPr marL="914400" lvl="1" indent="-457200"/>
-            <a:endParaRPr lang="de-DE" sz="1600" b="1" dirty="0">
-              <a:latin typeface="Arial"/>
-              <a:cs typeface="Arial"/>
-            </a:endParaRPr>
-          </a:p>
-          <a:p>
             <a:pPr marL="457200" indent="-457200">
               <a:buAutoNum type="arabicParenR"/>
             </a:pPr>
-            <a:r>
-              <a:rPr lang="de-DE" sz="2000" b="1" dirty="0" err="1">
-                <a:latin typeface="Arial"/>
-                <a:cs typeface="Arial"/>
-              </a:rPr>
-              <a:t>Mistakes</a:t>
-            </a:r>
-            <a:r>
-              <a:rPr lang="de-DE" sz="2000" b="1" dirty="0">
-                <a:latin typeface="Arial"/>
-                <a:cs typeface="Arial"/>
-              </a:rPr>
-              <a:t>?</a:t>
-            </a:r>
-          </a:p>
-          <a:p>
-            <a:pPr marL="914400" lvl="1" indent="-457200"/>
-            <a:r>
-              <a:rPr lang="de-DE" sz="1600" dirty="0">
-                <a:latin typeface="Arial"/>
-                <a:cs typeface="Arial"/>
-              </a:rPr>
-              <a:t>Lots</a:t>
-            </a:r>
-          </a:p>
-          <a:p>
-            <a:pPr marL="914400" lvl="1" indent="-457200"/>
-            <a:r>
-              <a:rPr lang="de-DE" sz="1600" err="1">
-                <a:latin typeface="Arial"/>
-                <a:cs typeface="Arial"/>
-              </a:rPr>
-              <a:t>Tried</a:t>
-            </a:r>
-            <a:r>
-              <a:rPr lang="de-DE" sz="1600" dirty="0">
-                <a:latin typeface="Arial"/>
-                <a:cs typeface="Arial"/>
-              </a:rPr>
-              <a:t> LSTM </a:t>
-            </a:r>
-            <a:r>
-              <a:rPr lang="de-DE" sz="1600" err="1">
-                <a:latin typeface="Arial"/>
-                <a:cs typeface="Arial"/>
-              </a:rPr>
-              <a:t>without</a:t>
-            </a:r>
-            <a:r>
-              <a:rPr lang="de-DE" sz="1600" dirty="0">
-                <a:latin typeface="Arial"/>
-                <a:cs typeface="Arial"/>
-              </a:rPr>
-              <a:t> </a:t>
-            </a:r>
-            <a:r>
-              <a:rPr lang="de-DE" sz="1600" err="1">
-                <a:latin typeface="Arial"/>
-                <a:cs typeface="Arial"/>
-              </a:rPr>
-              <a:t>understanding</a:t>
-            </a:r>
-            <a:r>
-              <a:rPr lang="de-DE" sz="1600" dirty="0">
-                <a:latin typeface="Arial"/>
-                <a:cs typeface="Arial"/>
-              </a:rPr>
-              <a:t> </a:t>
-            </a:r>
-            <a:r>
-              <a:rPr lang="de-DE" sz="1600" err="1">
-                <a:latin typeface="Arial"/>
-                <a:cs typeface="Arial"/>
-              </a:rPr>
-              <a:t>it</a:t>
-            </a:r>
-            <a:endParaRPr lang="de-DE" sz="1600">
-              <a:latin typeface="Arial"/>
-              <a:cs typeface="Arial"/>
-            </a:endParaRPr>
-          </a:p>
-          <a:p>
-            <a:pPr marL="914400" lvl="1" indent="-457200"/>
-            <a:r>
-              <a:rPr lang="de-DE" sz="1600" err="1">
-                <a:latin typeface="Arial"/>
-                <a:cs typeface="Arial"/>
-              </a:rPr>
-              <a:t>Tried</a:t>
-            </a:r>
-            <a:r>
-              <a:rPr lang="de-DE" sz="1600" dirty="0">
-                <a:latin typeface="Arial"/>
-                <a:cs typeface="Arial"/>
-              </a:rPr>
-              <a:t> Conv1D and </a:t>
-            </a:r>
-            <a:r>
-              <a:rPr lang="de-DE" sz="1600" err="1">
-                <a:latin typeface="Arial"/>
-                <a:cs typeface="Arial"/>
-              </a:rPr>
-              <a:t>PoolMax</a:t>
-            </a:r>
-            <a:r>
-              <a:rPr lang="de-DE" sz="1600" dirty="0">
-                <a:latin typeface="Arial"/>
-                <a:cs typeface="Arial"/>
-              </a:rPr>
-              <a:t> </a:t>
-            </a:r>
-            <a:r>
-              <a:rPr lang="de-DE" sz="1600" err="1">
-                <a:latin typeface="Arial"/>
-                <a:cs typeface="Arial"/>
-              </a:rPr>
-              <a:t>layer</a:t>
-            </a:r>
-            <a:endParaRPr lang="de-DE" sz="1600">
-              <a:latin typeface="Arial"/>
-              <a:cs typeface="Arial"/>
-            </a:endParaRPr>
-          </a:p>
-          <a:p>
-            <a:pPr marL="914400" lvl="1" indent="-457200"/>
-            <a:endParaRPr lang="de-DE" sz="1600" b="1" dirty="0">
-              <a:latin typeface="Arial"/>
-              <a:cs typeface="Arial"/>
-            </a:endParaRPr>
-          </a:p>
-          <a:p>
-            <a:pPr marL="457200" indent="-457200">
-              <a:buAutoNum type="arabicParenR"/>
-            </a:pPr>
-            <a:r>
-              <a:rPr lang="de-DE" sz="2000" b="1" dirty="0" err="1">
-                <a:latin typeface="Arial"/>
-                <a:cs typeface="Arial"/>
-              </a:rPr>
-              <a:t>Lerning</a:t>
-            </a:r>
             <a:endParaRPr lang="de-DE" sz="2000" b="1" dirty="0">
               <a:latin typeface="Arial"/>
               <a:cs typeface="Arial"/>
             </a:endParaRPr>
           </a:p>
           <a:p>
-            <a:pPr marL="914400" lvl="1" indent="-457200"/>
-            <a:r>
-              <a:rPr lang="de-DE" sz="1600" dirty="0">
-                <a:latin typeface="Arial"/>
-                <a:cs typeface="Arial"/>
-              </a:rPr>
-              <a:t>Do not </a:t>
-            </a:r>
-            <a:r>
-              <a:rPr lang="de-DE" sz="1600" dirty="0" err="1">
-                <a:latin typeface="Arial"/>
-                <a:cs typeface="Arial"/>
-              </a:rPr>
-              <a:t>use</a:t>
-            </a:r>
-            <a:r>
-              <a:rPr lang="de-DE" sz="1600" dirty="0">
+            <a:pPr marL="457200" indent="-457200">
+              <a:buAutoNum type="arabicParenR"/>
+            </a:pPr>
+            <a:r>
+              <a:rPr lang="de-DE" sz="2000" b="1" dirty="0" err="1">
+                <a:latin typeface="Arial"/>
+                <a:cs typeface="Arial"/>
+              </a:rPr>
+              <a:t>What</a:t>
+            </a:r>
+            <a:r>
+              <a:rPr lang="de-DE" sz="2000" b="1" dirty="0">
                 <a:latin typeface="Arial"/>
                 <a:cs typeface="Arial"/>
               </a:rPr>
               <a:t> </a:t>
             </a:r>
             <a:r>
-              <a:rPr lang="de-DE" sz="1600" dirty="0" err="1">
-                <a:latin typeface="Arial"/>
-                <a:cs typeface="Arial"/>
-              </a:rPr>
-              <a:t>things</a:t>
-            </a:r>
-            <a:r>
-              <a:rPr lang="de-DE" sz="1600" dirty="0">
-                <a:latin typeface="Arial"/>
-                <a:cs typeface="Arial"/>
-              </a:rPr>
-              <a:t> </a:t>
-            </a:r>
-            <a:r>
-              <a:rPr lang="de-DE" sz="1600" dirty="0" err="1">
-                <a:latin typeface="Arial"/>
-                <a:cs typeface="Arial"/>
-              </a:rPr>
-              <a:t>you</a:t>
-            </a:r>
-            <a:r>
-              <a:rPr lang="de-DE" sz="1600" dirty="0">
-                <a:latin typeface="Arial"/>
-                <a:cs typeface="Arial"/>
-              </a:rPr>
-              <a:t> do not </a:t>
-            </a:r>
-            <a:r>
-              <a:rPr lang="de-DE" sz="1600" dirty="0" err="1">
-                <a:latin typeface="Arial"/>
-                <a:cs typeface="Arial"/>
-              </a:rPr>
-              <a:t>understand</a:t>
-            </a:r>
-            <a:r>
-              <a:rPr lang="de-DE" sz="1600" dirty="0">
-                <a:latin typeface="Arial"/>
-                <a:cs typeface="Arial"/>
-              </a:rPr>
-              <a:t>!</a:t>
-            </a:r>
-            <a:endParaRPr lang="de-DE" sz="1600" b="1" dirty="0">
+              <a:rPr lang="de-DE" sz="2000" b="1" dirty="0" err="1">
+                <a:latin typeface="Arial"/>
+                <a:cs typeface="Arial"/>
+              </a:rPr>
+              <a:t>is</a:t>
+            </a:r>
+            <a:r>
+              <a:rPr lang="de-DE" sz="2000" b="1" dirty="0">
+                <a:latin typeface="Arial"/>
+                <a:cs typeface="Arial"/>
+              </a:rPr>
+              <a:t> </a:t>
+            </a:r>
+            <a:r>
+              <a:rPr lang="de-DE" sz="2000" b="1" dirty="0" err="1">
+                <a:latin typeface="Arial"/>
+                <a:cs typeface="Arial"/>
+              </a:rPr>
+              <a:t>bad</a:t>
+            </a:r>
+            <a:endParaRPr lang="de-DE" sz="2000" b="1" dirty="0">
               <a:latin typeface="Arial"/>
               <a:cs typeface="Arial"/>
             </a:endParaRPr>
           </a:p>
           <a:p>
-            <a:pPr marL="914400" lvl="1" indent="-457200"/>
+            <a:pPr marL="914400" lvl="1" indent="-457200">
+              <a:buFont typeface="Courier New" panose="020B0604020202020204" pitchFamily="34" charset="0"/>
+              <a:buChar char="o"/>
+            </a:pPr>
             <a:r>
               <a:rPr lang="de-DE" sz="1600" dirty="0">
                 <a:latin typeface="Arial"/>
                 <a:cs typeface="Arial"/>
               </a:rPr>
-              <a:t>RTFM!!</a:t>
-            </a:r>
-          </a:p>
-          <a:p>
-            <a:pPr marL="914400" lvl="1" indent="-457200"/>
+              <a:t>The </a:t>
+            </a:r>
+            <a:r>
+              <a:rPr lang="de-DE" sz="1600" dirty="0" err="1">
+                <a:latin typeface="Arial"/>
+                <a:cs typeface="Arial"/>
+              </a:rPr>
+              <a:t>model</a:t>
+            </a:r>
             <a:r>
               <a:rPr lang="de-DE" sz="1600" dirty="0">
                 <a:latin typeface="Arial"/>
                 <a:cs typeface="Arial"/>
               </a:rPr>
-              <a:t>Validation </a:t>
+              <a:t> </a:t>
             </a:r>
             <a:r>
               <a:rPr lang="de-DE" sz="1600" dirty="0" err="1">
                 <a:latin typeface="Arial"/>
                 <a:cs typeface="Arial"/>
               </a:rPr>
-              <a:t>metrics</a:t>
+              <a:t>is</a:t>
             </a:r>
             <a:r>
               <a:rPr lang="de-DE" sz="1600" dirty="0">
@@ -9103,57 +9373,168 @@
                 <a:latin typeface="Arial"/>
                 <a:cs typeface="Arial"/>
               </a:rPr>
-              <a:t>are</a:t>
-            </a:r>
-            <a:r>
-              <a:rPr lang="de-DE" sz="1600" dirty="0">
-                <a:latin typeface="Arial"/>
-                <a:cs typeface="Arial"/>
-              </a:rPr>
-              <a:t> </a:t>
-            </a:r>
-            <a:r>
-              <a:rPr lang="de-DE" sz="1600" dirty="0" err="1">
-                <a:latin typeface="Arial"/>
-                <a:cs typeface="Arial"/>
-              </a:rPr>
-              <a:t>evil</a:t>
-            </a:r>
-            <a:r>
-              <a:rPr lang="de-DE" sz="1600" dirty="0">
-                <a:latin typeface="Arial"/>
-                <a:cs typeface="Arial"/>
-              </a:rPr>
-              <a:t> </a:t>
-            </a:r>
-            <a:r>
-              <a:rPr lang="de-DE" sz="1600" dirty="0" err="1">
-                <a:latin typeface="Arial"/>
-                <a:cs typeface="Arial"/>
-              </a:rPr>
-              <a:t>traitors</a:t>
-            </a:r>
-          </a:p>
-          <a:p>
-            <a:pPr marL="914400" lvl="1" indent="-457200"/>
-            <a:endParaRPr lang="de-DE" sz="1600" b="1" dirty="0">
+              <a:t>unreliable</a:t>
+            </a:r>
+            <a:endParaRPr lang="de-DE" sz="1600" dirty="0">
               <a:latin typeface="Arial"/>
               <a:cs typeface="Arial"/>
             </a:endParaRPr>
           </a:p>
           <a:p>
-            <a:pPr marL="914400" lvl="1" indent="-457200"/>
-            <a:endParaRPr lang="de-DE" sz="1600" b="1" dirty="0">
+            <a:pPr marL="914400" lvl="1" indent="-457200">
+              <a:buFont typeface="Courier New" panose="020B0604020202020204" pitchFamily="34" charset="0"/>
+              <a:buChar char="o"/>
+            </a:pPr>
+            <a:r>
+              <a:rPr lang="de-DE" sz="1600" dirty="0" err="1">
+                <a:latin typeface="Arial"/>
+                <a:cs typeface="Arial"/>
+              </a:rPr>
+              <a:t>No</a:t>
+            </a:r>
+            <a:r>
+              <a:rPr lang="de-DE" sz="1600" dirty="0">
+                <a:latin typeface="Arial"/>
+                <a:cs typeface="Arial"/>
+              </a:rPr>
+              <a:t> easy fix in </a:t>
+            </a:r>
+            <a:r>
+              <a:rPr lang="de-DE" sz="1600" dirty="0" err="1">
+                <a:latin typeface="Arial"/>
+                <a:cs typeface="Arial"/>
+              </a:rPr>
+              <a:t>sight</a:t>
+            </a:r>
+            <a:endParaRPr lang="de-DE" sz="1600" dirty="0">
               <a:latin typeface="Arial"/>
               <a:cs typeface="Arial"/>
             </a:endParaRPr>
           </a:p>
           <a:p>
-            <a:pPr marL="914400" lvl="1" indent="-457200"/>
-            <a:endParaRPr lang="de-DE" sz="1600" b="1" dirty="0">
+            <a:pPr marL="457200" indent="-457200">
+              <a:buAutoNum type="arabicParenR"/>
+            </a:pPr>
+            <a:endParaRPr lang="de-DE" sz="2000" b="1" dirty="0">
               <a:latin typeface="Arial"/>
               <a:cs typeface="Arial"/>
             </a:endParaRPr>
+          </a:p>
+          <a:p>
+            <a:pPr marL="457200" indent="-457200">
+              <a:buAutoNum type="arabicParenR"/>
+            </a:pPr>
+            <a:r>
+              <a:rPr lang="de-DE" sz="2000" b="1" dirty="0" err="1">
+                <a:latin typeface="Arial"/>
+                <a:cs typeface="Arial"/>
+              </a:rPr>
+              <a:t>What</a:t>
+            </a:r>
+            <a:r>
+              <a:rPr lang="de-DE" sz="2000" b="1" dirty="0">
+                <a:latin typeface="Arial"/>
+                <a:cs typeface="Arial"/>
+              </a:rPr>
+              <a:t> </a:t>
+            </a:r>
+            <a:r>
+              <a:rPr lang="de-DE" sz="2000" b="1" dirty="0" err="1">
+                <a:latin typeface="Arial"/>
+                <a:cs typeface="Arial"/>
+              </a:rPr>
+              <a:t>is</a:t>
+            </a:r>
+            <a:r>
+              <a:rPr lang="de-DE" sz="2000" b="1" dirty="0">
+                <a:latin typeface="Arial"/>
+                <a:cs typeface="Arial"/>
+              </a:rPr>
+              <a:t> </a:t>
+            </a:r>
+            <a:r>
+              <a:rPr lang="de-DE" sz="2000" b="1" dirty="0" err="1">
+                <a:latin typeface="Arial"/>
+                <a:cs typeface="Arial"/>
+              </a:rPr>
+              <a:t>good</a:t>
+            </a:r>
+          </a:p>
+          <a:p>
+            <a:pPr marL="914400" lvl="1" indent="-457200">
+              <a:buFont typeface="Courier New" panose="020B0604020202020204" pitchFamily="34" charset="0"/>
+              <a:buChar char="o"/>
+            </a:pPr>
+            <a:r>
+              <a:rPr lang="de-DE" sz="1600" b="1" dirty="0">
+                <a:latin typeface="Arial"/>
+                <a:cs typeface="Arial"/>
+              </a:rPr>
+              <a:t>At least </a:t>
+            </a:r>
+            <a:r>
+              <a:rPr lang="de-DE" sz="1600" b="1" dirty="0" err="1">
+                <a:latin typeface="Arial"/>
+                <a:cs typeface="Arial"/>
+              </a:rPr>
+              <a:t>the</a:t>
+            </a:r>
+            <a:r>
+              <a:rPr lang="de-DE" sz="1600" b="1" dirty="0">
+                <a:latin typeface="Arial"/>
+                <a:cs typeface="Arial"/>
+              </a:rPr>
+              <a:t> </a:t>
+            </a:r>
+            <a:r>
+              <a:rPr lang="de-DE" sz="1600" b="1" dirty="0" err="1">
+                <a:latin typeface="Arial"/>
+                <a:cs typeface="Arial"/>
+              </a:rPr>
+              <a:t>model</a:t>
+            </a:r>
+            <a:r>
+              <a:rPr lang="de-DE" sz="1600" b="1" dirty="0">
+                <a:latin typeface="Arial"/>
+                <a:cs typeface="Arial"/>
+              </a:rPr>
+              <a:t> </a:t>
+            </a:r>
+            <a:r>
+              <a:rPr lang="de-DE" sz="1600" b="1" dirty="0" err="1">
+                <a:latin typeface="Arial"/>
+                <a:cs typeface="Arial"/>
+              </a:rPr>
+              <a:t>works</a:t>
+            </a:r>
+            <a:r>
+              <a:rPr lang="de-DE" sz="1600" b="1" dirty="0">
+                <a:latin typeface="Arial"/>
+                <a:cs typeface="Arial"/>
+              </a:rPr>
+              <a:t> on a </a:t>
+            </a:r>
+            <a:r>
+              <a:rPr lang="de-DE" sz="1600" b="1" dirty="0" err="1">
+                <a:latin typeface="Arial"/>
+                <a:cs typeface="Arial"/>
+              </a:rPr>
+              <a:t>technical</a:t>
+            </a:r>
+            <a:r>
+              <a:rPr lang="de-DE" sz="1600" b="1" dirty="0">
+                <a:latin typeface="Arial"/>
+                <a:cs typeface="Arial"/>
+              </a:rPr>
+              <a:t> </a:t>
+            </a:r>
+            <a:r>
+              <a:rPr lang="de-DE" sz="1600" b="1" dirty="0" err="1">
+                <a:latin typeface="Arial"/>
+                <a:cs typeface="Arial"/>
+              </a:rPr>
+              <a:t>basis</a:t>
+            </a:r>
           </a:p>
         </p:txBody>
       </p:sp>
@@ -9321,1072 +9702,7 @@
     </p:spTree>
     <p:extLst>
       <p:ext uri="{BB962C8B-B14F-4D97-AF65-F5344CB8AC3E}">
-        <p14:creationId xmlns:p14="http://schemas.microsoft.com/office/powerpoint/2010/main" val="2376264421"/>
-      </p:ext>
-    </p:extLst>
-  </p:cSld>
-  <p:clrMapOvr>
-    <a:masterClrMapping/>
-  </p:clrMapOvr>
-</p:sld>
-</file>
-
-<file path=ppt/slides/slide8.xml><?xml version="1.0" encoding="utf-8"?>
-<p:sld xmlns:a="http://schemas.openxmlformats.org/drawingml/2006/main" xmlns:r="http://schemas.openxmlformats.org/officeDocument/2006/relationships" xmlns:p="http://schemas.openxmlformats.org/presentationml/2006/main">
-  <p:cSld>
-    <p:spTree>
-      <p:nvGrpSpPr>
-        <p:cNvPr id="1" name=""/>
-        <p:cNvGrpSpPr/>
-        <p:nvPr/>
-      </p:nvGrpSpPr>
-      <p:grpSpPr>
-        <a:xfrm>
-          <a:off x="0" y="0"/>
-          <a:ext cx="0" cy="0"/>
-          <a:chOff x="0" y="0"/>
-          <a:chExt cx="0" cy="0"/>
-        </a:xfrm>
-      </p:grpSpPr>
-      <p:sp>
-        <p:nvSpPr>
-          <p:cNvPr id="2" name="Title 1">
-            <a:extLst>
-              <a:ext uri="{FF2B5EF4-FFF2-40B4-BE49-F238E27FC236}">
-                <a16:creationId xmlns:a16="http://schemas.microsoft.com/office/drawing/2014/main" id="{76FEEBD0-899A-0836-316B-8B1C5EACA3FC}"/>
-              </a:ext>
-            </a:extLst>
-          </p:cNvPr>
-          <p:cNvSpPr>
-            <a:spLocks noGrp="1"/>
-          </p:cNvSpPr>
-          <p:nvPr>
-            <p:ph type="title"/>
-          </p:nvPr>
-        </p:nvSpPr>
-        <p:spPr/>
-        <p:txBody>
-          <a:bodyPr anchor="t">
-            <a:normAutofit/>
-          </a:bodyPr>
-          <a:lstStyle/>
-          <a:p>
-            <a:pPr algn="ctr"/>
-            <a:r>
-              <a:rPr lang="en-DE" sz="3200" dirty="0">
-                <a:latin typeface="Arial"/>
-                <a:cs typeface="Arial"/>
-              </a:rPr>
-              <a:t>3.3 ⎯  Evaluation </a:t>
-            </a:r>
-            <a:r>
-              <a:rPr lang="en-DE" sz="3200" dirty="0" err="1">
-                <a:latin typeface="Arial"/>
-                <a:cs typeface="Arial"/>
-              </a:rPr>
-              <a:t>of</a:t>
-            </a:r>
-            <a:r>
-              <a:rPr lang="en-DE" sz="3200" dirty="0">
-                <a:latin typeface="Arial"/>
-                <a:cs typeface="Arial"/>
-              </a:rPr>
-              <a:t> </a:t>
-            </a:r>
-            <a:r>
-              <a:rPr lang="en-DE" sz="3200" dirty="0" err="1">
-                <a:latin typeface="Arial"/>
-                <a:cs typeface="Arial"/>
-              </a:rPr>
-              <a:t>the</a:t>
-            </a:r>
-            <a:r>
-              <a:rPr lang="en-DE" sz="3200">
-                <a:latin typeface="Arial"/>
-                <a:cs typeface="Arial"/>
-              </a:rPr>
-              <a:t> Model</a:t>
-            </a:r>
-            <a:endParaRPr lang="de-DE" sz="3200" i="1">
-              <a:latin typeface="Arial"/>
-              <a:cs typeface="Arial"/>
-            </a:endParaRPr>
-          </a:p>
-        </p:txBody>
-      </p:sp>
-      <p:sp>
-        <p:nvSpPr>
-          <p:cNvPr id="4" name="Content Placeholder 3">
-            <a:extLst>
-              <a:ext uri="{FF2B5EF4-FFF2-40B4-BE49-F238E27FC236}">
-                <a16:creationId xmlns:a16="http://schemas.microsoft.com/office/drawing/2014/main" id="{37299919-F1DD-2701-539A-BCF6E0C6B3CD}"/>
-              </a:ext>
-            </a:extLst>
-          </p:cNvPr>
-          <p:cNvSpPr>
-            <a:spLocks noGrp="1"/>
-          </p:cNvSpPr>
-          <p:nvPr>
-            <p:ph idx="1"/>
-          </p:nvPr>
-        </p:nvSpPr>
-        <p:spPr>
-          <a:xfrm>
-            <a:off x="838200" y="1030147"/>
-            <a:ext cx="10515600" cy="5146816"/>
-          </a:xfrm>
-        </p:spPr>
-        <p:txBody>
-          <a:bodyPr vert="horz" lIns="91440" tIns="45720" rIns="91440" bIns="45720" rtlCol="0" anchor="t">
-            <a:normAutofit/>
-          </a:bodyPr>
-          <a:lstStyle/>
-          <a:p>
-            <a:pPr marL="457200" indent="-457200">
-              <a:buAutoNum type="arabicParenR"/>
-            </a:pPr>
-            <a:r>
-              <a:rPr lang="de-DE" sz="2000" b="1" dirty="0" err="1">
-                <a:latin typeface="Arial"/>
-                <a:cs typeface="Arial"/>
-              </a:rPr>
-              <a:t>How</a:t>
-            </a:r>
-            <a:r>
-              <a:rPr lang="de-DE" sz="2000" b="1" dirty="0">
-                <a:latin typeface="Arial"/>
-                <a:cs typeface="Arial"/>
-              </a:rPr>
-              <a:t> and </a:t>
-            </a:r>
-            <a:r>
-              <a:rPr lang="de-DE" sz="2000" b="1" dirty="0" err="1">
-                <a:latin typeface="Arial"/>
-                <a:cs typeface="Arial"/>
-              </a:rPr>
-              <a:t>what</a:t>
-            </a:r>
-            <a:endParaRPr lang="de-DE" sz="2000" b="1" dirty="0" err="1">
-              <a:latin typeface="Arial" panose="020B0604020202020204" pitchFamily="34" charset="0"/>
-              <a:cs typeface="Arial" panose="020B0604020202020204" pitchFamily="34" charset="0"/>
-            </a:endParaRPr>
-          </a:p>
-          <a:p>
-            <a:pPr marL="914400" lvl="1" indent="-457200">
-              <a:buFont typeface="Courier New" panose="020B0604020202020204" pitchFamily="34" charset="0"/>
-              <a:buChar char="o"/>
-            </a:pPr>
-            <a:r>
-              <a:rPr lang="de-DE" sz="1600" dirty="0">
-                <a:latin typeface="Arial"/>
-                <a:cs typeface="Arial"/>
-              </a:rPr>
-              <a:t>Validation </a:t>
-            </a:r>
-            <a:r>
-              <a:rPr lang="de-DE" sz="1600" dirty="0" err="1">
-                <a:latin typeface="Arial"/>
-                <a:cs typeface="Arial"/>
-              </a:rPr>
-              <a:t>metrics</a:t>
-            </a:r>
-            <a:r>
-              <a:rPr lang="de-DE" sz="1600" dirty="0">
-                <a:latin typeface="Arial"/>
-                <a:cs typeface="Arial"/>
-              </a:rPr>
-              <a:t> </a:t>
-            </a:r>
-            <a:r>
-              <a:rPr lang="de-DE" sz="1600" dirty="0" err="1">
-                <a:latin typeface="Arial"/>
-                <a:cs typeface="Arial"/>
-              </a:rPr>
-              <a:t>are</a:t>
-            </a:r>
-            <a:r>
-              <a:rPr lang="de-DE" sz="1600" dirty="0">
-                <a:latin typeface="Arial"/>
-                <a:cs typeface="Arial"/>
-              </a:rPr>
-              <a:t> still </a:t>
-            </a:r>
-            <a:r>
-              <a:rPr lang="de-DE" sz="1600" dirty="0" err="1">
-                <a:latin typeface="Arial"/>
-                <a:cs typeface="Arial"/>
-              </a:rPr>
-              <a:t>evil</a:t>
-            </a:r>
-            <a:r>
-              <a:rPr lang="de-DE" sz="1600" dirty="0">
-                <a:latin typeface="Arial"/>
-                <a:cs typeface="Arial"/>
-              </a:rPr>
-              <a:t> </a:t>
-            </a:r>
-            <a:r>
-              <a:rPr lang="de-DE" sz="1600" dirty="0" err="1">
-                <a:latin typeface="Arial"/>
-                <a:cs typeface="Arial"/>
-              </a:rPr>
-              <a:t>traitos</a:t>
-            </a:r>
-            <a:endParaRPr lang="de-DE" sz="1600" b="1" dirty="0" err="1">
-              <a:latin typeface="Arial" panose="020B0604020202020204" pitchFamily="34" charset="0"/>
-              <a:cs typeface="Arial" panose="020B0604020202020204" pitchFamily="34" charset="0"/>
-            </a:endParaRPr>
-          </a:p>
-          <a:p>
-            <a:pPr marL="914400" lvl="1" indent="-457200">
-              <a:buFont typeface="Courier New" panose="020B0604020202020204" pitchFamily="34" charset="0"/>
-              <a:buChar char="o"/>
-            </a:pPr>
-            <a:r>
-              <a:rPr lang="de-DE" sz="1600" dirty="0">
-                <a:latin typeface="Arial"/>
-                <a:cs typeface="Arial"/>
-              </a:rPr>
-              <a:t>Values </a:t>
-            </a:r>
-            <a:r>
-              <a:rPr lang="de-DE" sz="1600" dirty="0" err="1">
-                <a:latin typeface="Arial"/>
-                <a:cs typeface="Arial"/>
-              </a:rPr>
-              <a:t>are</a:t>
-            </a:r>
-            <a:r>
-              <a:rPr lang="de-DE" sz="1600" dirty="0">
-                <a:latin typeface="Arial"/>
-                <a:cs typeface="Arial"/>
-              </a:rPr>
-              <a:t> </a:t>
-            </a:r>
-            <a:r>
-              <a:rPr lang="de-DE" sz="1600" dirty="0" err="1">
-                <a:latin typeface="Arial"/>
-                <a:cs typeface="Arial"/>
-              </a:rPr>
-              <a:t>oscillating</a:t>
-            </a:r>
-            <a:r>
-              <a:rPr lang="de-DE" sz="1600" dirty="0">
-                <a:latin typeface="Arial"/>
-                <a:cs typeface="Arial"/>
-              </a:rPr>
-              <a:t> </a:t>
-            </a:r>
-            <a:endParaRPr lang="de-DE" sz="1600" dirty="0">
-              <a:latin typeface="Arial" panose="020B0604020202020204" pitchFamily="34" charset="0"/>
-              <a:cs typeface="Arial" panose="020B0604020202020204" pitchFamily="34" charset="0"/>
-            </a:endParaRPr>
-          </a:p>
-          <a:p>
-            <a:pPr marL="914400" lvl="1" indent="-457200">
-              <a:buFont typeface="Courier New" panose="020B0604020202020204" pitchFamily="34" charset="0"/>
-              <a:buChar char="o"/>
-            </a:pPr>
-            <a:r>
-              <a:rPr lang="de-DE" sz="1600" dirty="0">
-                <a:latin typeface="Arial"/>
-                <a:cs typeface="Arial"/>
-              </a:rPr>
-              <a:t>Val-</a:t>
-            </a:r>
-            <a:r>
-              <a:rPr lang="de-DE" sz="1600" dirty="0" err="1">
-                <a:latin typeface="Arial"/>
-                <a:cs typeface="Arial"/>
-              </a:rPr>
-              <a:t>Mape</a:t>
-            </a:r>
-            <a:r>
-              <a:rPr lang="de-DE" sz="1600" dirty="0">
-                <a:latin typeface="Arial"/>
-                <a:cs typeface="Arial"/>
-              </a:rPr>
-              <a:t> = ~ 25 %</a:t>
-            </a:r>
-            <a:endParaRPr lang="de-DE" sz="1600" dirty="0">
-              <a:latin typeface="Arial" panose="020B0604020202020204" pitchFamily="34" charset="0"/>
-              <a:cs typeface="Arial" panose="020B0604020202020204" pitchFamily="34" charset="0"/>
-            </a:endParaRPr>
-          </a:p>
-          <a:p>
-            <a:pPr marL="457200" indent="-457200">
-              <a:buAutoNum type="arabicParenR"/>
-            </a:pPr>
-            <a:endParaRPr lang="de-DE" sz="2000" b="1" dirty="0">
-              <a:latin typeface="Arial" panose="020B0604020202020204" pitchFamily="34" charset="0"/>
-              <a:cs typeface="Arial" panose="020B0604020202020204" pitchFamily="34" charset="0"/>
-            </a:endParaRPr>
-          </a:p>
-          <a:p>
-            <a:pPr marL="457200" indent="-457200">
-              <a:buAutoNum type="arabicParenR"/>
-            </a:pPr>
-            <a:r>
-              <a:rPr lang="de-DE" sz="2000" b="1" dirty="0" err="1">
-                <a:latin typeface="Arial"/>
-                <a:cs typeface="Arial"/>
-              </a:rPr>
-              <a:t>Why</a:t>
-            </a:r>
-          </a:p>
-          <a:p>
-            <a:pPr marL="914400" lvl="1" indent="-457200">
-              <a:buFont typeface="Courier New" panose="020B0604020202020204" pitchFamily="34" charset="0"/>
-              <a:buChar char="o"/>
-            </a:pPr>
-            <a:r>
-              <a:rPr lang="de-DE" sz="1600" dirty="0" err="1">
-                <a:latin typeface="Arial"/>
-                <a:cs typeface="Arial"/>
-              </a:rPr>
-              <a:t>To</a:t>
-            </a:r>
-            <a:r>
-              <a:rPr lang="de-DE" sz="1600" dirty="0">
-                <a:latin typeface="Arial"/>
-                <a:cs typeface="Arial"/>
-              </a:rPr>
-              <a:t> high Learning Rate</a:t>
-            </a:r>
-            <a:endParaRPr lang="de-DE" sz="1600" b="1" dirty="0">
-              <a:latin typeface="Arial"/>
-              <a:cs typeface="Arial"/>
-            </a:endParaRPr>
-          </a:p>
-          <a:p>
-            <a:pPr marL="914400" lvl="1" indent="-457200">
-              <a:buFont typeface="Courier New" panose="020B0604020202020204" pitchFamily="34" charset="0"/>
-              <a:buChar char="o"/>
-            </a:pPr>
-            <a:r>
-              <a:rPr lang="de-DE" sz="1600" dirty="0" err="1">
-                <a:latin typeface="Arial"/>
-                <a:cs typeface="Arial"/>
-              </a:rPr>
-              <a:t>Worse</a:t>
-            </a:r>
-            <a:r>
-              <a:rPr lang="de-DE" sz="1600" dirty="0">
-                <a:latin typeface="Arial"/>
-                <a:cs typeface="Arial"/>
-              </a:rPr>
-              <a:t> Optimizer and Loss </a:t>
-            </a:r>
-            <a:r>
-              <a:rPr lang="de-DE" sz="1600" dirty="0" err="1">
-                <a:latin typeface="Arial"/>
-                <a:cs typeface="Arial"/>
-              </a:rPr>
-              <a:t>function</a:t>
-            </a:r>
-            <a:endParaRPr lang="de-DE" sz="1600" dirty="0">
-              <a:latin typeface="Arial"/>
-              <a:cs typeface="Arial"/>
-            </a:endParaRPr>
-          </a:p>
-          <a:p>
-            <a:pPr marL="457200" indent="-457200">
-              <a:buAutoNum type="arabicParenR"/>
-            </a:pPr>
-            <a:endParaRPr lang="de-DE" sz="2000" b="1" dirty="0">
-              <a:latin typeface="Arial"/>
-              <a:cs typeface="Arial"/>
-            </a:endParaRPr>
-          </a:p>
-          <a:p>
-            <a:pPr marL="457200" indent="-457200">
-              <a:buAutoNum type="arabicParenR"/>
-            </a:pPr>
-            <a:r>
-              <a:rPr lang="de-DE" sz="2000" b="1" dirty="0" err="1">
-                <a:latin typeface="Arial"/>
-                <a:cs typeface="Arial"/>
-              </a:rPr>
-              <a:t>What</a:t>
-            </a:r>
-            <a:r>
-              <a:rPr lang="de-DE" sz="2000" b="1" dirty="0">
-                <a:latin typeface="Arial"/>
-                <a:cs typeface="Arial"/>
-              </a:rPr>
-              <a:t> </a:t>
-            </a:r>
-            <a:r>
-              <a:rPr lang="de-DE" sz="2000" b="1" dirty="0" err="1">
-                <a:latin typeface="Arial"/>
-                <a:cs typeface="Arial"/>
-              </a:rPr>
-              <a:t>is</a:t>
-            </a:r>
-            <a:r>
-              <a:rPr lang="de-DE" sz="2000" b="1" dirty="0">
-                <a:latin typeface="Arial"/>
-                <a:cs typeface="Arial"/>
-              </a:rPr>
-              <a:t> </a:t>
-            </a:r>
-            <a:r>
-              <a:rPr lang="de-DE" sz="2000" b="1" dirty="0" err="1">
-                <a:latin typeface="Arial"/>
-                <a:cs typeface="Arial"/>
-              </a:rPr>
-              <a:t>bad</a:t>
-            </a:r>
-            <a:endParaRPr lang="de-DE" sz="2000" b="1" dirty="0">
-              <a:latin typeface="Arial"/>
-              <a:cs typeface="Arial"/>
-            </a:endParaRPr>
-          </a:p>
-          <a:p>
-            <a:pPr marL="914400" lvl="1" indent="-457200">
-              <a:buFont typeface="Courier New" panose="020B0604020202020204" pitchFamily="34" charset="0"/>
-              <a:buChar char="o"/>
-            </a:pPr>
-            <a:r>
-              <a:rPr lang="de-DE" sz="1600" dirty="0">
-                <a:latin typeface="Arial"/>
-                <a:cs typeface="Arial"/>
-              </a:rPr>
-              <a:t>The </a:t>
-            </a:r>
-            <a:r>
-              <a:rPr lang="de-DE" sz="1600" dirty="0" err="1">
-                <a:latin typeface="Arial"/>
-                <a:cs typeface="Arial"/>
-              </a:rPr>
-              <a:t>model</a:t>
-            </a:r>
-            <a:r>
-              <a:rPr lang="de-DE" sz="1600" dirty="0">
-                <a:latin typeface="Arial"/>
-                <a:cs typeface="Arial"/>
-              </a:rPr>
-              <a:t> </a:t>
-            </a:r>
-            <a:r>
-              <a:rPr lang="de-DE" sz="1600" dirty="0" err="1">
-                <a:latin typeface="Arial"/>
-                <a:cs typeface="Arial"/>
-              </a:rPr>
-              <a:t>is</a:t>
-            </a:r>
-            <a:r>
-              <a:rPr lang="de-DE" sz="1600" dirty="0">
-                <a:latin typeface="Arial"/>
-                <a:cs typeface="Arial"/>
-              </a:rPr>
-              <a:t> </a:t>
-            </a:r>
-            <a:r>
-              <a:rPr lang="de-DE" sz="1600" dirty="0" err="1">
-                <a:latin typeface="Arial"/>
-                <a:cs typeface="Arial"/>
-              </a:rPr>
-              <a:t>unreliable</a:t>
-            </a:r>
-            <a:endParaRPr lang="de-DE" sz="1600" dirty="0">
-              <a:latin typeface="Arial"/>
-              <a:cs typeface="Arial"/>
-            </a:endParaRPr>
-          </a:p>
-          <a:p>
-            <a:pPr marL="914400" lvl="1" indent="-457200">
-              <a:buFont typeface="Courier New" panose="020B0604020202020204" pitchFamily="34" charset="0"/>
-              <a:buChar char="o"/>
-            </a:pPr>
-            <a:r>
-              <a:rPr lang="de-DE" sz="1600" dirty="0" err="1">
-                <a:latin typeface="Arial"/>
-                <a:cs typeface="Arial"/>
-              </a:rPr>
-              <a:t>No</a:t>
-            </a:r>
-            <a:r>
-              <a:rPr lang="de-DE" sz="1600" dirty="0">
-                <a:latin typeface="Arial"/>
-                <a:cs typeface="Arial"/>
-              </a:rPr>
-              <a:t> easy fix in </a:t>
-            </a:r>
-            <a:r>
-              <a:rPr lang="de-DE" sz="1600" dirty="0" err="1">
-                <a:latin typeface="Arial"/>
-                <a:cs typeface="Arial"/>
-              </a:rPr>
-              <a:t>sight</a:t>
-            </a:r>
-            <a:endParaRPr lang="de-DE" sz="1600" dirty="0">
-              <a:latin typeface="Arial"/>
-              <a:cs typeface="Arial"/>
-            </a:endParaRPr>
-          </a:p>
-          <a:p>
-            <a:pPr marL="457200" indent="-457200">
-              <a:buAutoNum type="arabicParenR"/>
-            </a:pPr>
-            <a:endParaRPr lang="de-DE" sz="2000" b="1" dirty="0">
-              <a:latin typeface="Arial"/>
-              <a:cs typeface="Arial"/>
-            </a:endParaRPr>
-          </a:p>
-          <a:p>
-            <a:pPr marL="457200" indent="-457200">
-              <a:buAutoNum type="arabicParenR"/>
-            </a:pPr>
-            <a:r>
-              <a:rPr lang="de-DE" sz="2000" b="1" dirty="0" err="1">
-                <a:latin typeface="Arial"/>
-                <a:cs typeface="Arial"/>
-              </a:rPr>
-              <a:t>What</a:t>
-            </a:r>
-            <a:r>
-              <a:rPr lang="de-DE" sz="2000" b="1" dirty="0">
-                <a:latin typeface="Arial"/>
-                <a:cs typeface="Arial"/>
-              </a:rPr>
-              <a:t> </a:t>
-            </a:r>
-            <a:r>
-              <a:rPr lang="de-DE" sz="2000" b="1" dirty="0" err="1">
-                <a:latin typeface="Arial"/>
-                <a:cs typeface="Arial"/>
-              </a:rPr>
-              <a:t>is</a:t>
-            </a:r>
-            <a:r>
-              <a:rPr lang="de-DE" sz="2000" b="1" dirty="0">
-                <a:latin typeface="Arial"/>
-                <a:cs typeface="Arial"/>
-              </a:rPr>
-              <a:t> </a:t>
-            </a:r>
-            <a:r>
-              <a:rPr lang="de-DE" sz="2000" b="1" dirty="0" err="1">
-                <a:latin typeface="Arial"/>
-                <a:cs typeface="Arial"/>
-              </a:rPr>
-              <a:t>good</a:t>
-            </a:r>
-          </a:p>
-          <a:p>
-            <a:pPr marL="914400" lvl="1" indent="-457200">
-              <a:buFont typeface="Courier New" panose="020B0604020202020204" pitchFamily="34" charset="0"/>
-              <a:buChar char="o"/>
-            </a:pPr>
-            <a:r>
-              <a:rPr lang="de-DE" sz="1600" b="1" dirty="0">
-                <a:latin typeface="Arial"/>
-                <a:cs typeface="Arial"/>
-              </a:rPr>
-              <a:t>At least </a:t>
-            </a:r>
-            <a:r>
-              <a:rPr lang="de-DE" sz="1600" b="1" dirty="0" err="1">
-                <a:latin typeface="Arial"/>
-                <a:cs typeface="Arial"/>
-              </a:rPr>
-              <a:t>the</a:t>
-            </a:r>
-            <a:r>
-              <a:rPr lang="de-DE" sz="1600" b="1" dirty="0">
-                <a:latin typeface="Arial"/>
-                <a:cs typeface="Arial"/>
-              </a:rPr>
-              <a:t> </a:t>
-            </a:r>
-            <a:r>
-              <a:rPr lang="de-DE" sz="1600" b="1" dirty="0" err="1">
-                <a:latin typeface="Arial"/>
-                <a:cs typeface="Arial"/>
-              </a:rPr>
-              <a:t>model</a:t>
-            </a:r>
-            <a:r>
-              <a:rPr lang="de-DE" sz="1600" b="1" dirty="0">
-                <a:latin typeface="Arial"/>
-                <a:cs typeface="Arial"/>
-              </a:rPr>
-              <a:t> </a:t>
-            </a:r>
-            <a:r>
-              <a:rPr lang="de-DE" sz="1600" b="1" dirty="0" err="1">
-                <a:latin typeface="Arial"/>
-                <a:cs typeface="Arial"/>
-              </a:rPr>
-              <a:t>works</a:t>
-            </a:r>
-            <a:r>
-              <a:rPr lang="de-DE" sz="1600" b="1" dirty="0">
-                <a:latin typeface="Arial"/>
-                <a:cs typeface="Arial"/>
-              </a:rPr>
-              <a:t> on a </a:t>
-            </a:r>
-            <a:r>
-              <a:rPr lang="de-DE" sz="1600" b="1" dirty="0" err="1">
-                <a:latin typeface="Arial"/>
-                <a:cs typeface="Arial"/>
-              </a:rPr>
-              <a:t>technical</a:t>
-            </a:r>
-            <a:r>
-              <a:rPr lang="de-DE" sz="1600" b="1" dirty="0">
-                <a:latin typeface="Arial"/>
-                <a:cs typeface="Arial"/>
-              </a:rPr>
-              <a:t> </a:t>
-            </a:r>
-            <a:r>
-              <a:rPr lang="de-DE" sz="1600" b="1" dirty="0" err="1">
-                <a:latin typeface="Arial"/>
-                <a:cs typeface="Arial"/>
-              </a:rPr>
-              <a:t>basis</a:t>
-            </a:r>
-          </a:p>
-        </p:txBody>
-      </p:sp>
-      <p:pic>
-        <p:nvPicPr>
-          <p:cNvPr id="16" name="Picture 15">
-            <a:extLst>
-              <a:ext uri="{FF2B5EF4-FFF2-40B4-BE49-F238E27FC236}">
-                <a16:creationId xmlns:a16="http://schemas.microsoft.com/office/drawing/2014/main" id="{76DAF779-5240-AC56-1687-D80C96DFA2C4}"/>
-              </a:ext>
-            </a:extLst>
-          </p:cNvPr>
-          <p:cNvPicPr>
-            <a:picLocks noChangeAspect="1"/>
-          </p:cNvPicPr>
-          <p:nvPr/>
-        </p:nvPicPr>
-        <p:blipFill>
-          <a:blip r:embed="rId3"/>
-          <a:stretch>
-            <a:fillRect/>
-          </a:stretch>
-        </p:blipFill>
-        <p:spPr>
-          <a:xfrm>
-            <a:off x="295177" y="6430912"/>
-            <a:ext cx="1177413" cy="216000"/>
-          </a:xfrm>
-          <a:prstGeom prst="rect">
-            <a:avLst/>
-          </a:prstGeom>
-        </p:spPr>
-      </p:pic>
-      <p:sp>
-        <p:nvSpPr>
-          <p:cNvPr id="3" name="Footer Placeholder 11">
-            <a:extLst>
-              <a:ext uri="{FF2B5EF4-FFF2-40B4-BE49-F238E27FC236}">
-                <a16:creationId xmlns:a16="http://schemas.microsoft.com/office/drawing/2014/main" id="{1719781A-720D-B80F-07BF-C34A10DA2D73}"/>
-              </a:ext>
-            </a:extLst>
-          </p:cNvPr>
-          <p:cNvSpPr txBox="1">
-            <a:spLocks/>
-          </p:cNvSpPr>
-          <p:nvPr/>
-        </p:nvSpPr>
-        <p:spPr>
-          <a:xfrm>
-            <a:off x="4038599" y="6356350"/>
-            <a:ext cx="7998725" cy="365125"/>
-          </a:xfrm>
-          <a:prstGeom prst="rect">
-            <a:avLst/>
-          </a:prstGeom>
-        </p:spPr>
-        <p:txBody>
-          <a:bodyPr vert="horz" lIns="91440" tIns="45720" rIns="91440" bIns="45720" rtlCol="0" anchor="ctr"/>
-          <a:lstStyle>
-            <a:defPPr>
-              <a:defRPr lang="en-DE"/>
-            </a:defPPr>
-            <a:lvl1pPr marL="0" algn="ctr" defTabSz="914400" rtl="0" eaLnBrk="1" latinLnBrk="0" hangingPunct="1">
-              <a:defRPr sz="1200" kern="1200">
-                <a:solidFill>
-                  <a:schemeClr val="tx1">
-                    <a:tint val="75000"/>
-                  </a:schemeClr>
-                </a:solidFill>
-                <a:latin typeface="+mn-lt"/>
-                <a:ea typeface="+mn-ea"/>
-                <a:cs typeface="+mn-cs"/>
-              </a:defRPr>
-            </a:lvl1pPr>
-            <a:lvl2pPr marL="457200" algn="l" defTabSz="914400" rtl="0" eaLnBrk="1" latinLnBrk="0" hangingPunct="1">
-              <a:defRPr sz="1800" kern="1200">
-                <a:solidFill>
-                  <a:schemeClr val="tx1"/>
-                </a:solidFill>
-                <a:latin typeface="+mn-lt"/>
-                <a:ea typeface="+mn-ea"/>
-                <a:cs typeface="+mn-cs"/>
-              </a:defRPr>
-            </a:lvl2pPr>
-            <a:lvl3pPr marL="914400" algn="l" defTabSz="914400" rtl="0" eaLnBrk="1" latinLnBrk="0" hangingPunct="1">
-              <a:defRPr sz="1800" kern="1200">
-                <a:solidFill>
-                  <a:schemeClr val="tx1"/>
-                </a:solidFill>
-                <a:latin typeface="+mn-lt"/>
-                <a:ea typeface="+mn-ea"/>
-                <a:cs typeface="+mn-cs"/>
-              </a:defRPr>
-            </a:lvl3pPr>
-            <a:lvl4pPr marL="1371600" algn="l" defTabSz="914400" rtl="0" eaLnBrk="1" latinLnBrk="0" hangingPunct="1">
-              <a:defRPr sz="1800" kern="1200">
-                <a:solidFill>
-                  <a:schemeClr val="tx1"/>
-                </a:solidFill>
-                <a:latin typeface="+mn-lt"/>
-                <a:ea typeface="+mn-ea"/>
-                <a:cs typeface="+mn-cs"/>
-              </a:defRPr>
-            </a:lvl4pPr>
-            <a:lvl5pPr marL="1828800" algn="l" defTabSz="914400" rtl="0" eaLnBrk="1" latinLnBrk="0" hangingPunct="1">
-              <a:defRPr sz="1800" kern="1200">
-                <a:solidFill>
-                  <a:schemeClr val="tx1"/>
-                </a:solidFill>
-                <a:latin typeface="+mn-lt"/>
-                <a:ea typeface="+mn-ea"/>
-                <a:cs typeface="+mn-cs"/>
-              </a:defRPr>
-            </a:lvl5pPr>
-            <a:lvl6pPr marL="2286000" algn="l" defTabSz="914400" rtl="0" eaLnBrk="1" latinLnBrk="0" hangingPunct="1">
-              <a:defRPr sz="1800" kern="1200">
-                <a:solidFill>
-                  <a:schemeClr val="tx1"/>
-                </a:solidFill>
-                <a:latin typeface="+mn-lt"/>
-                <a:ea typeface="+mn-ea"/>
-                <a:cs typeface="+mn-cs"/>
-              </a:defRPr>
-            </a:lvl6pPr>
-            <a:lvl7pPr marL="2743200" algn="l" defTabSz="914400" rtl="0" eaLnBrk="1" latinLnBrk="0" hangingPunct="1">
-              <a:defRPr sz="1800" kern="1200">
-                <a:solidFill>
-                  <a:schemeClr val="tx1"/>
-                </a:solidFill>
-                <a:latin typeface="+mn-lt"/>
-                <a:ea typeface="+mn-ea"/>
-                <a:cs typeface="+mn-cs"/>
-              </a:defRPr>
-            </a:lvl7pPr>
-            <a:lvl8pPr marL="3200400" algn="l" defTabSz="914400" rtl="0" eaLnBrk="1" latinLnBrk="0" hangingPunct="1">
-              <a:defRPr sz="1800" kern="1200">
-                <a:solidFill>
-                  <a:schemeClr val="tx1"/>
-                </a:solidFill>
-                <a:latin typeface="+mn-lt"/>
-                <a:ea typeface="+mn-ea"/>
-                <a:cs typeface="+mn-cs"/>
-              </a:defRPr>
-            </a:lvl8pPr>
-            <a:lvl9pPr marL="3657600" algn="l" defTabSz="914400" rtl="0" eaLnBrk="1" latinLnBrk="0" hangingPunct="1">
-              <a:defRPr sz="1800" kern="1200">
-                <a:solidFill>
-                  <a:schemeClr val="tx1"/>
-                </a:solidFill>
-                <a:latin typeface="+mn-lt"/>
-                <a:ea typeface="+mn-ea"/>
-                <a:cs typeface="+mn-cs"/>
-              </a:defRPr>
-            </a:lvl9pPr>
-          </a:lstStyle>
-          <a:p>
-            <a:pPr algn="l"/>
-            <a:r>
-              <a:rPr lang="en-DE" dirty="0"/>
-              <a:t>      24S | Einführung in Data Science &amp; maschinelles Lernen				                    27.06.2024</a:t>
-            </a:r>
-          </a:p>
-        </p:txBody>
-      </p:sp>
-    </p:spTree>
-    <p:extLst>
-      <p:ext uri="{BB962C8B-B14F-4D97-AF65-F5344CB8AC3E}">
         <p14:creationId xmlns:p14="http://schemas.microsoft.com/office/powerpoint/2010/main" val="1395063033"/>
-      </p:ext>
-    </p:extLst>
-  </p:cSld>
-  <p:clrMapOvr>
-    <a:masterClrMapping/>
-  </p:clrMapOvr>
-</p:sld>
-</file>
-
-<file path=ppt/slides/slide9.xml><?xml version="1.0" encoding="utf-8"?>
-<p:sld xmlns:a="http://schemas.openxmlformats.org/drawingml/2006/main" xmlns:r="http://schemas.openxmlformats.org/officeDocument/2006/relationships" xmlns:p="http://schemas.openxmlformats.org/presentationml/2006/main">
-  <p:cSld>
-    <p:spTree>
-      <p:nvGrpSpPr>
-        <p:cNvPr id="1" name=""/>
-        <p:cNvGrpSpPr/>
-        <p:nvPr/>
-      </p:nvGrpSpPr>
-      <p:grpSpPr>
-        <a:xfrm>
-          <a:off x="0" y="0"/>
-          <a:ext cx="0" cy="0"/>
-          <a:chOff x="0" y="0"/>
-          <a:chExt cx="0" cy="0"/>
-        </a:xfrm>
-      </p:grpSpPr>
-      <p:sp>
-        <p:nvSpPr>
-          <p:cNvPr id="2" name="Title 1">
-            <a:extLst>
-              <a:ext uri="{FF2B5EF4-FFF2-40B4-BE49-F238E27FC236}">
-                <a16:creationId xmlns:a16="http://schemas.microsoft.com/office/drawing/2014/main" id="{76FEEBD0-899A-0836-316B-8B1C5EACA3FC}"/>
-              </a:ext>
-            </a:extLst>
-          </p:cNvPr>
-          <p:cNvSpPr>
-            <a:spLocks noGrp="1"/>
-          </p:cNvSpPr>
-          <p:nvPr>
-            <p:ph type="title"/>
-          </p:nvPr>
-        </p:nvSpPr>
-        <p:spPr/>
-        <p:txBody>
-          <a:bodyPr anchor="t">
-            <a:normAutofit/>
-          </a:bodyPr>
-          <a:lstStyle/>
-          <a:p>
-            <a:pPr algn="ctr"/>
-            <a:r>
-              <a:rPr lang="en-DE" sz="3200" dirty="0">
-                <a:latin typeface="Arial" panose="020B0604020202020204" pitchFamily="34" charset="0"/>
-                <a:cs typeface="Arial" panose="020B0604020202020204" pitchFamily="34" charset="0"/>
-              </a:rPr>
-              <a:t>4 ⎯  Results</a:t>
-            </a:r>
-            <a:endParaRPr lang="en-DE" sz="3200" i="1" dirty="0">
-              <a:latin typeface="Arial" panose="020B0604020202020204" pitchFamily="34" charset="0"/>
-              <a:cs typeface="Arial" panose="020B0604020202020204" pitchFamily="34" charset="0"/>
-            </a:endParaRPr>
-          </a:p>
-        </p:txBody>
-      </p:sp>
-      <p:sp>
-        <p:nvSpPr>
-          <p:cNvPr id="4" name="Content Placeholder 3">
-            <a:extLst>
-              <a:ext uri="{FF2B5EF4-FFF2-40B4-BE49-F238E27FC236}">
-                <a16:creationId xmlns:a16="http://schemas.microsoft.com/office/drawing/2014/main" id="{37299919-F1DD-2701-539A-BCF6E0C6B3CD}"/>
-              </a:ext>
-            </a:extLst>
-          </p:cNvPr>
-          <p:cNvSpPr>
-            <a:spLocks noGrp="1"/>
-          </p:cNvSpPr>
-          <p:nvPr>
-            <p:ph idx="1"/>
-          </p:nvPr>
-        </p:nvSpPr>
-        <p:spPr>
-          <a:xfrm>
-            <a:off x="838200" y="1030147"/>
-            <a:ext cx="10515600" cy="5146816"/>
-          </a:xfrm>
-        </p:spPr>
-        <p:txBody>
-          <a:bodyPr>
-            <a:normAutofit/>
-          </a:bodyPr>
-          <a:lstStyle/>
-          <a:p>
-            <a:pPr marL="0" indent="0">
-              <a:buNone/>
-            </a:pPr>
-            <a:r>
-              <a:rPr lang="en-DE" sz="2000" dirty="0">
-                <a:latin typeface="Arial" panose="020B0604020202020204" pitchFamily="34" charset="0"/>
-                <a:cs typeface="Arial" panose="020B0604020202020204" pitchFamily="34" charset="0"/>
-              </a:rPr>
-              <a:t>To do</a:t>
-            </a:r>
-          </a:p>
-        </p:txBody>
-      </p:sp>
-      <p:pic>
-        <p:nvPicPr>
-          <p:cNvPr id="16" name="Picture 15">
-            <a:extLst>
-              <a:ext uri="{FF2B5EF4-FFF2-40B4-BE49-F238E27FC236}">
-                <a16:creationId xmlns:a16="http://schemas.microsoft.com/office/drawing/2014/main" id="{76DAF779-5240-AC56-1687-D80C96DFA2C4}"/>
-              </a:ext>
-            </a:extLst>
-          </p:cNvPr>
-          <p:cNvPicPr>
-            <a:picLocks noChangeAspect="1"/>
-          </p:cNvPicPr>
-          <p:nvPr/>
-        </p:nvPicPr>
-        <p:blipFill>
-          <a:blip r:embed="rId3"/>
-          <a:stretch>
-            <a:fillRect/>
-          </a:stretch>
-        </p:blipFill>
-        <p:spPr>
-          <a:xfrm>
-            <a:off x="295177" y="6430912"/>
-            <a:ext cx="1177413" cy="216000"/>
-          </a:xfrm>
-          <a:prstGeom prst="rect">
-            <a:avLst/>
-          </a:prstGeom>
-        </p:spPr>
-      </p:pic>
-      <p:sp>
-        <p:nvSpPr>
-          <p:cNvPr id="3" name="Footer Placeholder 11">
-            <a:extLst>
-              <a:ext uri="{FF2B5EF4-FFF2-40B4-BE49-F238E27FC236}">
-                <a16:creationId xmlns:a16="http://schemas.microsoft.com/office/drawing/2014/main" id="{1719781A-720D-B80F-07BF-C34A10DA2D73}"/>
-              </a:ext>
-            </a:extLst>
-          </p:cNvPr>
-          <p:cNvSpPr txBox="1">
-            <a:spLocks/>
-          </p:cNvSpPr>
-          <p:nvPr/>
-        </p:nvSpPr>
-        <p:spPr>
-          <a:xfrm>
-            <a:off x="4038599" y="6356350"/>
-            <a:ext cx="7998725" cy="365125"/>
-          </a:xfrm>
-          <a:prstGeom prst="rect">
-            <a:avLst/>
-          </a:prstGeom>
-        </p:spPr>
-        <p:txBody>
-          <a:bodyPr vert="horz" lIns="91440" tIns="45720" rIns="91440" bIns="45720" rtlCol="0" anchor="ctr"/>
-          <a:lstStyle>
-            <a:defPPr>
-              <a:defRPr lang="en-DE"/>
-            </a:defPPr>
-            <a:lvl1pPr marL="0" algn="ctr" defTabSz="914400" rtl="0" eaLnBrk="1" latinLnBrk="0" hangingPunct="1">
-              <a:defRPr sz="1200" kern="1200">
-                <a:solidFill>
-                  <a:schemeClr val="tx1">
-                    <a:tint val="75000"/>
-                  </a:schemeClr>
-                </a:solidFill>
-                <a:latin typeface="+mn-lt"/>
-                <a:ea typeface="+mn-ea"/>
-                <a:cs typeface="+mn-cs"/>
-              </a:defRPr>
-            </a:lvl1pPr>
-            <a:lvl2pPr marL="457200" algn="l" defTabSz="914400" rtl="0" eaLnBrk="1" latinLnBrk="0" hangingPunct="1">
-              <a:defRPr sz="1800" kern="1200">
-                <a:solidFill>
-                  <a:schemeClr val="tx1"/>
-                </a:solidFill>
-                <a:latin typeface="+mn-lt"/>
-                <a:ea typeface="+mn-ea"/>
-                <a:cs typeface="+mn-cs"/>
-              </a:defRPr>
-            </a:lvl2pPr>
-            <a:lvl3pPr marL="914400" algn="l" defTabSz="914400" rtl="0" eaLnBrk="1" latinLnBrk="0" hangingPunct="1">
-              <a:defRPr sz="1800" kern="1200">
-                <a:solidFill>
-                  <a:schemeClr val="tx1"/>
-                </a:solidFill>
-                <a:latin typeface="+mn-lt"/>
-                <a:ea typeface="+mn-ea"/>
-                <a:cs typeface="+mn-cs"/>
-              </a:defRPr>
-            </a:lvl3pPr>
-            <a:lvl4pPr marL="1371600" algn="l" defTabSz="914400" rtl="0" eaLnBrk="1" latinLnBrk="0" hangingPunct="1">
-              <a:defRPr sz="1800" kern="1200">
-                <a:solidFill>
-                  <a:schemeClr val="tx1"/>
-                </a:solidFill>
-                <a:latin typeface="+mn-lt"/>
-                <a:ea typeface="+mn-ea"/>
-                <a:cs typeface="+mn-cs"/>
-              </a:defRPr>
-            </a:lvl4pPr>
-            <a:lvl5pPr marL="1828800" algn="l" defTabSz="914400" rtl="0" eaLnBrk="1" latinLnBrk="0" hangingPunct="1">
-              <a:defRPr sz="1800" kern="1200">
-                <a:solidFill>
-                  <a:schemeClr val="tx1"/>
-                </a:solidFill>
-                <a:latin typeface="+mn-lt"/>
-                <a:ea typeface="+mn-ea"/>
-                <a:cs typeface="+mn-cs"/>
-              </a:defRPr>
-            </a:lvl5pPr>
-            <a:lvl6pPr marL="2286000" algn="l" defTabSz="914400" rtl="0" eaLnBrk="1" latinLnBrk="0" hangingPunct="1">
-              <a:defRPr sz="1800" kern="1200">
-                <a:solidFill>
-                  <a:schemeClr val="tx1"/>
-                </a:solidFill>
-                <a:latin typeface="+mn-lt"/>
-                <a:ea typeface="+mn-ea"/>
-                <a:cs typeface="+mn-cs"/>
-              </a:defRPr>
-            </a:lvl6pPr>
-            <a:lvl7pPr marL="2743200" algn="l" defTabSz="914400" rtl="0" eaLnBrk="1" latinLnBrk="0" hangingPunct="1">
-              <a:defRPr sz="1800" kern="1200">
-                <a:solidFill>
-                  <a:schemeClr val="tx1"/>
-                </a:solidFill>
-                <a:latin typeface="+mn-lt"/>
-                <a:ea typeface="+mn-ea"/>
-                <a:cs typeface="+mn-cs"/>
-              </a:defRPr>
-            </a:lvl7pPr>
-            <a:lvl8pPr marL="3200400" algn="l" defTabSz="914400" rtl="0" eaLnBrk="1" latinLnBrk="0" hangingPunct="1">
-              <a:defRPr sz="1800" kern="1200">
-                <a:solidFill>
-                  <a:schemeClr val="tx1"/>
-                </a:solidFill>
-                <a:latin typeface="+mn-lt"/>
-                <a:ea typeface="+mn-ea"/>
-                <a:cs typeface="+mn-cs"/>
-              </a:defRPr>
-            </a:lvl8pPr>
-            <a:lvl9pPr marL="3657600" algn="l" defTabSz="914400" rtl="0" eaLnBrk="1" latinLnBrk="0" hangingPunct="1">
-              <a:defRPr sz="1800" kern="1200">
-                <a:solidFill>
-                  <a:schemeClr val="tx1"/>
-                </a:solidFill>
-                <a:latin typeface="+mn-lt"/>
-                <a:ea typeface="+mn-ea"/>
-                <a:cs typeface="+mn-cs"/>
-              </a:defRPr>
-            </a:lvl9pPr>
-          </a:lstStyle>
-          <a:p>
-            <a:pPr algn="l"/>
-            <a:r>
-              <a:rPr lang="en-DE" dirty="0"/>
-              <a:t>      24S | Einführung in Data Science &amp; maschinelles Lernen				                    27.06.2024</a:t>
-            </a:r>
-          </a:p>
-        </p:txBody>
-      </p:sp>
-    </p:spTree>
-    <p:extLst>
-      <p:ext uri="{BB962C8B-B14F-4D97-AF65-F5344CB8AC3E}">
-        <p14:creationId xmlns:p14="http://schemas.microsoft.com/office/powerpoint/2010/main" val="2668154675"/>
       </p:ext>
     </p:extLst>
   </p:cSld>
